--- a/Presentation.pptx
+++ b/Presentation.pptx
@@ -1749,7 +1749,6 @@
           </c:extLst>
         </c:ser>
         <c:dLbls>
-          <c:dLblPos val="t"/>
           <c:showLegendKey val="0"/>
           <c:showVal val="0"/>
           <c:showCatName val="0"/>
@@ -3912,7 +3911,6 @@
           </c:extLst>
         </c:ser>
         <c:dLbls>
-          <c:dLblPos val="t"/>
           <c:showLegendKey val="0"/>
           <c:showVal val="0"/>
           <c:showCatName val="0"/>
@@ -5380,7 +5378,6 @@
           </c:extLst>
         </c:ser>
         <c:dLbls>
-          <c:dLblPos val="t"/>
           <c:showLegendKey val="0"/>
           <c:showVal val="0"/>
           <c:showCatName val="0"/>
@@ -25812,7 +25809,7 @@
           <a:p>
             <a:fld id="{9C7B76F3-4C32-4F3F-8692-031E46E4DE5E}" type="datetimeFigureOut">
               <a:rPr lang="ru-RU" smtClean="0"/>
-              <a:t>01.06.2017</a:t>
+              <a:t>03.06.2017</a:t>
             </a:fld>
             <a:endParaRPr lang="ru-RU"/>
           </a:p>
@@ -25980,7 +25977,7 @@
           <a:p>
             <a:fld id="{9C7B76F3-4C32-4F3F-8692-031E46E4DE5E}" type="datetimeFigureOut">
               <a:rPr lang="ru-RU" smtClean="0"/>
-              <a:t>01.06.2017</a:t>
+              <a:t>03.06.2017</a:t>
             </a:fld>
             <a:endParaRPr lang="ru-RU"/>
           </a:p>
@@ -26158,7 +26155,7 @@
           <a:p>
             <a:fld id="{9C7B76F3-4C32-4F3F-8692-031E46E4DE5E}" type="datetimeFigureOut">
               <a:rPr lang="ru-RU" smtClean="0"/>
-              <a:t>01.06.2017</a:t>
+              <a:t>03.06.2017</a:t>
             </a:fld>
             <a:endParaRPr lang="ru-RU"/>
           </a:p>
@@ -26326,7 +26323,7 @@
           <a:p>
             <a:fld id="{9C7B76F3-4C32-4F3F-8692-031E46E4DE5E}" type="datetimeFigureOut">
               <a:rPr lang="ru-RU" smtClean="0"/>
-              <a:t>01.06.2017</a:t>
+              <a:t>03.06.2017</a:t>
             </a:fld>
             <a:endParaRPr lang="ru-RU"/>
           </a:p>
@@ -26571,7 +26568,7 @@
           <a:p>
             <a:fld id="{9C7B76F3-4C32-4F3F-8692-031E46E4DE5E}" type="datetimeFigureOut">
               <a:rPr lang="ru-RU" smtClean="0"/>
-              <a:t>01.06.2017</a:t>
+              <a:t>03.06.2017</a:t>
             </a:fld>
             <a:endParaRPr lang="ru-RU"/>
           </a:p>
@@ -26800,7 +26797,7 @@
           <a:p>
             <a:fld id="{9C7B76F3-4C32-4F3F-8692-031E46E4DE5E}" type="datetimeFigureOut">
               <a:rPr lang="ru-RU" smtClean="0"/>
-              <a:t>01.06.2017</a:t>
+              <a:t>03.06.2017</a:t>
             </a:fld>
             <a:endParaRPr lang="ru-RU"/>
           </a:p>
@@ -27164,7 +27161,7 @@
           <a:p>
             <a:fld id="{9C7B76F3-4C32-4F3F-8692-031E46E4DE5E}" type="datetimeFigureOut">
               <a:rPr lang="ru-RU" smtClean="0"/>
-              <a:t>01.06.2017</a:t>
+              <a:t>03.06.2017</a:t>
             </a:fld>
             <a:endParaRPr lang="ru-RU"/>
           </a:p>
@@ -27281,7 +27278,7 @@
           <a:p>
             <a:fld id="{9C7B76F3-4C32-4F3F-8692-031E46E4DE5E}" type="datetimeFigureOut">
               <a:rPr lang="ru-RU" smtClean="0"/>
-              <a:t>01.06.2017</a:t>
+              <a:t>03.06.2017</a:t>
             </a:fld>
             <a:endParaRPr lang="ru-RU"/>
           </a:p>
@@ -27376,7 +27373,7 @@
           <a:p>
             <a:fld id="{9C7B76F3-4C32-4F3F-8692-031E46E4DE5E}" type="datetimeFigureOut">
               <a:rPr lang="ru-RU" smtClean="0"/>
-              <a:t>01.06.2017</a:t>
+              <a:t>03.06.2017</a:t>
             </a:fld>
             <a:endParaRPr lang="ru-RU"/>
           </a:p>
@@ -27651,7 +27648,7 @@
           <a:p>
             <a:fld id="{9C7B76F3-4C32-4F3F-8692-031E46E4DE5E}" type="datetimeFigureOut">
               <a:rPr lang="ru-RU" smtClean="0"/>
-              <a:t>01.06.2017</a:t>
+              <a:t>03.06.2017</a:t>
             </a:fld>
             <a:endParaRPr lang="ru-RU"/>
           </a:p>
@@ -27903,7 +27900,7 @@
           <a:p>
             <a:fld id="{9C7B76F3-4C32-4F3F-8692-031E46E4DE5E}" type="datetimeFigureOut">
               <a:rPr lang="ru-RU" smtClean="0"/>
-              <a:t>01.06.2017</a:t>
+              <a:t>03.06.2017</a:t>
             </a:fld>
             <a:endParaRPr lang="ru-RU"/>
           </a:p>
@@ -28117,7 +28114,7 @@
           <a:p>
             <a:fld id="{9C7B76F3-4C32-4F3F-8692-031E46E4DE5E}" type="datetimeFigureOut">
               <a:rPr lang="ru-RU" smtClean="0"/>
-              <a:t>01.06.2017</a:t>
+              <a:t>03.06.2017</a:t>
             </a:fld>
             <a:endParaRPr lang="ru-RU"/>
           </a:p>
@@ -30073,7 +30070,7 @@
       </p:grpSpPr>
       <p:pic>
         <p:nvPicPr>
-          <p:cNvPr id="3" name="Рисунок 2"/>
+          <p:cNvPr id="2" name="Рисунок 1"/>
           <p:cNvPicPr>
             <a:picLocks noChangeAspect="1"/>
           </p:cNvPicPr>
@@ -30087,8 +30084,8 @@
         </p:blipFill>
         <p:spPr>
           <a:xfrm>
-            <a:off x="2347912" y="300426"/>
-            <a:ext cx="7496175" cy="6219825"/>
+            <a:off x="2486025" y="376237"/>
+            <a:ext cx="7219950" cy="6105525"/>
           </a:xfrm>
           <a:prstGeom prst="rect">
             <a:avLst/>
@@ -30877,15 +30874,7 @@
                   <a:srgbClr val="213233"/>
                 </a:solidFill>
               </a:rPr>
-              <a:t> </a:t>
-            </a:r>
-            <a:r>
-              <a:rPr lang="ru-RU" sz="4800" dirty="0">
-                <a:solidFill>
-                  <a:srgbClr val="213233"/>
-                </a:solidFill>
-              </a:rPr>
-              <a:t>к ней сводится</a:t>
+              <a:t> к ней сводится</a:t>
             </a:r>
             <a:r>
               <a:rPr lang="en-US" sz="4800" dirty="0">
@@ -31589,15 +31578,7 @@
                   <a:srgbClr val="213233"/>
                 </a:solidFill>
               </a:rPr>
-              <a:t>Хуже оптимального н</a:t>
-            </a:r>
-            <a:r>
-              <a:rPr lang="ru-RU" sz="5400" dirty="0">
-                <a:solidFill>
-                  <a:srgbClr val="213233"/>
-                </a:solidFill>
-              </a:rPr>
-              <a:t>е более</a:t>
+              <a:t>Хуже оптимального не более</a:t>
             </a:r>
             <a:r>
               <a:rPr lang="en-US" sz="5400" dirty="0">
@@ -33653,21 +33634,8 @@
                   <a:srgbClr val="FF4800"/>
                 </a:solidFill>
               </a:rPr>
-              <a:t>   NP-</a:t>
-            </a:r>
-            <a:r>
-              <a:rPr lang="en-US" sz="6000" dirty="0">
-                <a:solidFill>
-                  <a:srgbClr val="FF4800"/>
-                </a:solidFill>
-              </a:rPr>
-              <a:t>complete</a:t>
-            </a:r>
-            <a:endParaRPr lang="en-US" sz="6000" dirty="0">
-              <a:solidFill>
-                <a:srgbClr val="FF4800"/>
-              </a:solidFill>
-            </a:endParaRPr>
+              <a:t>   NP-complete</a:t>
+            </a:r>
           </a:p>
           <a:p>
             <a:pPr marL="0" indent="0" algn="ctr">
@@ -33721,11 +33689,6 @@
               </a:rPr>
               <a:t>NP-hard</a:t>
             </a:r>
-            <a:endParaRPr lang="en-US" sz="6000" dirty="0">
-              <a:solidFill>
-                <a:srgbClr val="FF4800"/>
-              </a:solidFill>
-            </a:endParaRPr>
           </a:p>
           <a:p>
             <a:pPr marL="0" indent="0">
@@ -34551,11 +34514,6 @@
               </a:rPr>
               <a:t>Деревянный алгоритм</a:t>
             </a:r>
-            <a:endParaRPr lang="ru-RU" sz="5400" dirty="0">
-              <a:solidFill>
-                <a:srgbClr val="854A44"/>
-              </a:solidFill>
-            </a:endParaRPr>
           </a:p>
         </p:txBody>
       </p:sp>
@@ -36536,11 +36494,6 @@
               </a:rPr>
               <a:t>1.5 приближенный</a:t>
             </a:r>
-            <a:endParaRPr lang="ru-RU" sz="5400" dirty="0">
-              <a:solidFill>
-                <a:srgbClr val="854A44"/>
-              </a:solidFill>
-            </a:endParaRPr>
           </a:p>
         </p:txBody>
       </p:sp>
@@ -36624,11 +36577,6 @@
               </a:rPr>
               <a:t>1.5 приближенный</a:t>
             </a:r>
-            <a:endParaRPr lang="ru-RU" sz="5400" dirty="0">
-              <a:solidFill>
-                <a:srgbClr val="854A44"/>
-              </a:solidFill>
-            </a:endParaRPr>
           </a:p>
         </p:txBody>
       </p:sp>
@@ -36938,7 +36886,6 @@
               <a:rPr lang="ru-RU" sz="4000" dirty="0"/>
               <a:t> - вершина, посещенная второй и т.д.</a:t>
             </a:r>
-            <a:endParaRPr lang="ru-RU" sz="4000" dirty="0"/>
           </a:p>
         </p:txBody>
       </p:sp>
@@ -38066,15 +38013,7 @@
                   <a:srgbClr val="FF4800"/>
                 </a:solidFill>
               </a:rPr>
-              <a:t>,</a:t>
-            </a:r>
-            <a:r>
-              <a:rPr lang="en-US" sz="5400" dirty="0">
-                <a:solidFill>
-                  <a:srgbClr val="FF4800"/>
-                </a:solidFill>
-              </a:rPr>
-              <a:t> x</a:t>
+              <a:t>, x</a:t>
             </a:r>
             <a:r>
               <a:rPr lang="en-US" sz="5400" baseline="-25000" dirty="0">

--- a/Presentation.pptx
+++ b/Presentation.pptx
@@ -6,103 +6,104 @@
   </p:sldMasterIdLst>
   <p:sldIdLst>
     <p:sldId id="256" r:id="rId2"/>
-    <p:sldId id="257" r:id="rId3"/>
-    <p:sldId id="259" r:id="rId4"/>
-    <p:sldId id="258" r:id="rId5"/>
-    <p:sldId id="263" r:id="rId6"/>
-    <p:sldId id="267" r:id="rId7"/>
-    <p:sldId id="265" r:id="rId8"/>
-    <p:sldId id="261" r:id="rId9"/>
-    <p:sldId id="268" r:id="rId10"/>
-    <p:sldId id="270" r:id="rId11"/>
-    <p:sldId id="272" r:id="rId12"/>
-    <p:sldId id="271" r:id="rId13"/>
-    <p:sldId id="273" r:id="rId14"/>
-    <p:sldId id="269" r:id="rId15"/>
-    <p:sldId id="275" r:id="rId16"/>
-    <p:sldId id="276" r:id="rId17"/>
-    <p:sldId id="277" r:id="rId18"/>
-    <p:sldId id="278" r:id="rId19"/>
-    <p:sldId id="279" r:id="rId20"/>
-    <p:sldId id="280" r:id="rId21"/>
-    <p:sldId id="281" r:id="rId22"/>
-    <p:sldId id="282" r:id="rId23"/>
-    <p:sldId id="283" r:id="rId24"/>
-    <p:sldId id="284" r:id="rId25"/>
-    <p:sldId id="285" r:id="rId26"/>
-    <p:sldId id="286" r:id="rId27"/>
-    <p:sldId id="287" r:id="rId28"/>
-    <p:sldId id="288" r:id="rId29"/>
-    <p:sldId id="289" r:id="rId30"/>
-    <p:sldId id="291" r:id="rId31"/>
-    <p:sldId id="292" r:id="rId32"/>
-    <p:sldId id="293" r:id="rId33"/>
-    <p:sldId id="294" r:id="rId34"/>
-    <p:sldId id="274" r:id="rId35"/>
-    <p:sldId id="295" r:id="rId36"/>
-    <p:sldId id="296" r:id="rId37"/>
-    <p:sldId id="262" r:id="rId38"/>
-    <p:sldId id="297" r:id="rId39"/>
-    <p:sldId id="298" r:id="rId40"/>
-    <p:sldId id="300" r:id="rId41"/>
-    <p:sldId id="301" r:id="rId42"/>
-    <p:sldId id="302" r:id="rId43"/>
-    <p:sldId id="304" r:id="rId44"/>
-    <p:sldId id="303" r:id="rId45"/>
-    <p:sldId id="305" r:id="rId46"/>
-    <p:sldId id="306" r:id="rId47"/>
-    <p:sldId id="307" r:id="rId48"/>
-    <p:sldId id="308" r:id="rId49"/>
-    <p:sldId id="309" r:id="rId50"/>
-    <p:sldId id="312" r:id="rId51"/>
-    <p:sldId id="313" r:id="rId52"/>
-    <p:sldId id="314" r:id="rId53"/>
-    <p:sldId id="310" r:id="rId54"/>
-    <p:sldId id="315" r:id="rId55"/>
-    <p:sldId id="316" r:id="rId56"/>
-    <p:sldId id="317" r:id="rId57"/>
-    <p:sldId id="318" r:id="rId58"/>
-    <p:sldId id="319" r:id="rId59"/>
-    <p:sldId id="320" r:id="rId60"/>
-    <p:sldId id="321" r:id="rId61"/>
-    <p:sldId id="322" r:id="rId62"/>
-    <p:sldId id="323" r:id="rId63"/>
-    <p:sldId id="324" r:id="rId64"/>
-    <p:sldId id="325" r:id="rId65"/>
-    <p:sldId id="326" r:id="rId66"/>
-    <p:sldId id="327" r:id="rId67"/>
-    <p:sldId id="328" r:id="rId68"/>
-    <p:sldId id="329" r:id="rId69"/>
-    <p:sldId id="330" r:id="rId70"/>
-    <p:sldId id="331" r:id="rId71"/>
-    <p:sldId id="332" r:id="rId72"/>
-    <p:sldId id="333" r:id="rId73"/>
-    <p:sldId id="334" r:id="rId74"/>
-    <p:sldId id="335" r:id="rId75"/>
-    <p:sldId id="336" r:id="rId76"/>
-    <p:sldId id="337" r:id="rId77"/>
-    <p:sldId id="338" r:id="rId78"/>
-    <p:sldId id="339" r:id="rId79"/>
-    <p:sldId id="340" r:id="rId80"/>
-    <p:sldId id="341" r:id="rId81"/>
-    <p:sldId id="342" r:id="rId82"/>
-    <p:sldId id="343" r:id="rId83"/>
-    <p:sldId id="344" r:id="rId84"/>
-    <p:sldId id="345" r:id="rId85"/>
-    <p:sldId id="346" r:id="rId86"/>
-    <p:sldId id="347" r:id="rId87"/>
-    <p:sldId id="348" r:id="rId88"/>
-    <p:sldId id="349" r:id="rId89"/>
-    <p:sldId id="350" r:id="rId90"/>
-    <p:sldId id="351" r:id="rId91"/>
-    <p:sldId id="352" r:id="rId92"/>
-    <p:sldId id="353" r:id="rId93"/>
-    <p:sldId id="354" r:id="rId94"/>
-    <p:sldId id="355" r:id="rId95"/>
-    <p:sldId id="356" r:id="rId96"/>
-    <p:sldId id="357" r:id="rId97"/>
-    <p:sldId id="358" r:id="rId98"/>
-    <p:sldId id="359" r:id="rId99"/>
+    <p:sldId id="361" r:id="rId3"/>
+    <p:sldId id="257" r:id="rId4"/>
+    <p:sldId id="259" r:id="rId5"/>
+    <p:sldId id="258" r:id="rId6"/>
+    <p:sldId id="263" r:id="rId7"/>
+    <p:sldId id="267" r:id="rId8"/>
+    <p:sldId id="265" r:id="rId9"/>
+    <p:sldId id="261" r:id="rId10"/>
+    <p:sldId id="268" r:id="rId11"/>
+    <p:sldId id="270" r:id="rId12"/>
+    <p:sldId id="272" r:id="rId13"/>
+    <p:sldId id="271" r:id="rId14"/>
+    <p:sldId id="273" r:id="rId15"/>
+    <p:sldId id="269" r:id="rId16"/>
+    <p:sldId id="275" r:id="rId17"/>
+    <p:sldId id="276" r:id="rId18"/>
+    <p:sldId id="277" r:id="rId19"/>
+    <p:sldId id="278" r:id="rId20"/>
+    <p:sldId id="279" r:id="rId21"/>
+    <p:sldId id="280" r:id="rId22"/>
+    <p:sldId id="281" r:id="rId23"/>
+    <p:sldId id="282" r:id="rId24"/>
+    <p:sldId id="283" r:id="rId25"/>
+    <p:sldId id="284" r:id="rId26"/>
+    <p:sldId id="285" r:id="rId27"/>
+    <p:sldId id="286" r:id="rId28"/>
+    <p:sldId id="287" r:id="rId29"/>
+    <p:sldId id="288" r:id="rId30"/>
+    <p:sldId id="289" r:id="rId31"/>
+    <p:sldId id="291" r:id="rId32"/>
+    <p:sldId id="292" r:id="rId33"/>
+    <p:sldId id="293" r:id="rId34"/>
+    <p:sldId id="294" r:id="rId35"/>
+    <p:sldId id="274" r:id="rId36"/>
+    <p:sldId id="295" r:id="rId37"/>
+    <p:sldId id="296" r:id="rId38"/>
+    <p:sldId id="262" r:id="rId39"/>
+    <p:sldId id="297" r:id="rId40"/>
+    <p:sldId id="298" r:id="rId41"/>
+    <p:sldId id="300" r:id="rId42"/>
+    <p:sldId id="301" r:id="rId43"/>
+    <p:sldId id="302" r:id="rId44"/>
+    <p:sldId id="304" r:id="rId45"/>
+    <p:sldId id="303" r:id="rId46"/>
+    <p:sldId id="305" r:id="rId47"/>
+    <p:sldId id="306" r:id="rId48"/>
+    <p:sldId id="307" r:id="rId49"/>
+    <p:sldId id="308" r:id="rId50"/>
+    <p:sldId id="309" r:id="rId51"/>
+    <p:sldId id="312" r:id="rId52"/>
+    <p:sldId id="313" r:id="rId53"/>
+    <p:sldId id="314" r:id="rId54"/>
+    <p:sldId id="310" r:id="rId55"/>
+    <p:sldId id="315" r:id="rId56"/>
+    <p:sldId id="316" r:id="rId57"/>
+    <p:sldId id="317" r:id="rId58"/>
+    <p:sldId id="318" r:id="rId59"/>
+    <p:sldId id="319" r:id="rId60"/>
+    <p:sldId id="320" r:id="rId61"/>
+    <p:sldId id="321" r:id="rId62"/>
+    <p:sldId id="322" r:id="rId63"/>
+    <p:sldId id="323" r:id="rId64"/>
+    <p:sldId id="324" r:id="rId65"/>
+    <p:sldId id="325" r:id="rId66"/>
+    <p:sldId id="326" r:id="rId67"/>
+    <p:sldId id="327" r:id="rId68"/>
+    <p:sldId id="328" r:id="rId69"/>
+    <p:sldId id="329" r:id="rId70"/>
+    <p:sldId id="330" r:id="rId71"/>
+    <p:sldId id="331" r:id="rId72"/>
+    <p:sldId id="332" r:id="rId73"/>
+    <p:sldId id="333" r:id="rId74"/>
+    <p:sldId id="334" r:id="rId75"/>
+    <p:sldId id="335" r:id="rId76"/>
+    <p:sldId id="336" r:id="rId77"/>
+    <p:sldId id="337" r:id="rId78"/>
+    <p:sldId id="338" r:id="rId79"/>
+    <p:sldId id="339" r:id="rId80"/>
+    <p:sldId id="340" r:id="rId81"/>
+    <p:sldId id="341" r:id="rId82"/>
+    <p:sldId id="342" r:id="rId83"/>
+    <p:sldId id="343" r:id="rId84"/>
+    <p:sldId id="344" r:id="rId85"/>
+    <p:sldId id="345" r:id="rId86"/>
+    <p:sldId id="346" r:id="rId87"/>
+    <p:sldId id="347" r:id="rId88"/>
+    <p:sldId id="348" r:id="rId89"/>
+    <p:sldId id="349" r:id="rId90"/>
+    <p:sldId id="350" r:id="rId91"/>
+    <p:sldId id="351" r:id="rId92"/>
+    <p:sldId id="352" r:id="rId93"/>
+    <p:sldId id="353" r:id="rId94"/>
+    <p:sldId id="354" r:id="rId95"/>
+    <p:sldId id="355" r:id="rId96"/>
+    <p:sldId id="356" r:id="rId97"/>
+    <p:sldId id="357" r:id="rId98"/>
+    <p:sldId id="358" r:id="rId99"/>
+    <p:sldId id="359" r:id="rId100"/>
   </p:sldIdLst>
   <p:sldSz cx="12192000" cy="6858000"/>
   <p:notesSz cx="6858000" cy="9144000"/>
@@ -28682,121 +28683,15 @@
                   <a:srgbClr val="213233"/>
                 </a:solidFill>
               </a:rPr>
-              <a:t>Время работы</a:t>
-            </a:r>
-            <a:r>
-              <a:rPr lang="en-US" sz="5400" dirty="0">
-                <a:solidFill>
-                  <a:srgbClr val="213233"/>
-                </a:solidFill>
-              </a:rPr>
-              <a:t>:</a:t>
-            </a:r>
-            <a:r>
-              <a:rPr lang="ru-RU" sz="5400" dirty="0">
-                <a:solidFill>
-                  <a:srgbClr val="213233"/>
-                </a:solidFill>
-              </a:rPr>
-              <a:t> </a:t>
-            </a:r>
-            <a:r>
-              <a:rPr lang="en-US" sz="5400" dirty="0">
-                <a:solidFill>
-                  <a:srgbClr val="FF4800"/>
-                </a:solidFill>
-              </a:rPr>
-              <a:t>O(2</a:t>
-            </a:r>
-            <a:r>
-              <a:rPr lang="en-US" sz="5400" baseline="30000" dirty="0">
-                <a:solidFill>
-                  <a:srgbClr val="FF4800"/>
-                </a:solidFill>
-              </a:rPr>
-              <a:t>n</a:t>
-            </a:r>
-            <a:r>
-              <a:rPr lang="en-US" sz="5400" dirty="0">
-                <a:solidFill>
-                  <a:srgbClr val="FF4800"/>
-                </a:solidFill>
-              </a:rPr>
-              <a:t> * n</a:t>
-            </a:r>
-            <a:r>
-              <a:rPr lang="en-US" sz="5400" baseline="30000" dirty="0">
-                <a:solidFill>
-                  <a:srgbClr val="FF4800"/>
-                </a:solidFill>
-              </a:rPr>
-              <a:t>2</a:t>
-            </a:r>
-            <a:r>
-              <a:rPr lang="en-US" sz="5400" dirty="0">
-                <a:solidFill>
-                  <a:srgbClr val="FF4800"/>
-                </a:solidFill>
-              </a:rPr>
-              <a:t>)</a:t>
-            </a:r>
-          </a:p>
-          <a:p>
-            <a:pPr marL="0" indent="0">
-              <a:buNone/>
-            </a:pPr>
-            <a:r>
-              <a:rPr lang="ru-RU" sz="5400" dirty="0">
-                <a:solidFill>
-                  <a:srgbClr val="213233"/>
-                </a:solidFill>
-              </a:rPr>
-              <a:t>Затраты памяти</a:t>
-            </a:r>
-            <a:r>
-              <a:rPr lang="en-US" sz="5400" dirty="0">
-                <a:solidFill>
-                  <a:srgbClr val="213233"/>
-                </a:solidFill>
-              </a:rPr>
-              <a:t>: </a:t>
-            </a:r>
-            <a:r>
-              <a:rPr lang="en-US" sz="5400" dirty="0">
-                <a:solidFill>
-                  <a:srgbClr val="FF4800"/>
-                </a:solidFill>
-              </a:rPr>
-              <a:t>O(2</a:t>
-            </a:r>
-            <a:r>
-              <a:rPr lang="en-US" sz="5400" baseline="30000" dirty="0">
-                <a:solidFill>
-                  <a:srgbClr val="FF4800"/>
-                </a:solidFill>
-              </a:rPr>
-              <a:t>n</a:t>
-            </a:r>
-            <a:r>
-              <a:rPr lang="en-US" sz="5400" dirty="0">
-                <a:solidFill>
-                  <a:srgbClr val="FF4800"/>
-                </a:solidFill>
-              </a:rPr>
-              <a:t> * n)</a:t>
-            </a:r>
-            <a:endParaRPr lang="ru-RU" sz="5400" dirty="0">
-              <a:solidFill>
-                <a:srgbClr val="213233"/>
-              </a:solidFill>
-            </a:endParaRPr>
+              <a:t>Используем динамическое программирование по маскам.</a:t>
+            </a:r>
           </a:p>
         </p:txBody>
       </p:sp>
     </p:spTree>
     <p:extLst>
       <p:ext uri="{BB962C8B-B14F-4D97-AF65-F5344CB8AC3E}">
-        <p14:creationId xmlns:p14="http://schemas.microsoft.com/office/powerpoint/2010/main" val="3703250272"/>
+        <p14:creationId xmlns:p14="http://schemas.microsoft.com/office/powerpoint/2010/main" val="1270272853"/>
       </p:ext>
     </p:extLst>
   </p:cSld>
@@ -28851,35 +28746,152 @@
           </a:p>
         </p:txBody>
       </p:sp>
-      <p:graphicFrame>
-        <p:nvGraphicFramePr>
-          <p:cNvPr id="16" name="Объект 15"/>
-          <p:cNvGraphicFramePr>
-            <a:graphicFrameLocks noGrp="1"/>
-          </p:cNvGraphicFramePr>
+      <p:sp>
+        <p:nvSpPr>
+          <p:cNvPr id="3" name="Объект 2"/>
+          <p:cNvSpPr>
+            <a:spLocks noGrp="1"/>
+          </p:cNvSpPr>
           <p:nvPr>
             <p:ph idx="1"/>
-            <p:extLst>
-              <p:ext uri="{D42A27DB-BD31-4B8C-83A1-F6EECF244321}">
-                <p14:modId xmlns:p14="http://schemas.microsoft.com/office/powerpoint/2010/main" val="3497890342"/>
-              </p:ext>
-            </p:extLst>
           </p:nvPr>
-        </p:nvGraphicFramePr>
-        <p:xfrm>
-          <a:off x="652365" y="1791478"/>
-          <a:ext cx="10887269" cy="4693396"/>
-        </p:xfrm>
-        <a:graphic>
-          <a:graphicData uri="http://schemas.openxmlformats.org/drawingml/2006/chart">
-            <c:chart xmlns:c="http://schemas.openxmlformats.org/drawingml/2006/chart" xmlns:r="http://schemas.openxmlformats.org/officeDocument/2006/relationships" r:id="rId2"/>
-          </a:graphicData>
-        </a:graphic>
-      </p:graphicFrame>
+        </p:nvSpPr>
+        <p:spPr>
+          <a:xfrm>
+            <a:off x="838200" y="2702703"/>
+            <a:ext cx="10515600" cy="2625077"/>
+          </a:xfrm>
+        </p:spPr>
+        <p:txBody>
+          <a:bodyPr>
+            <a:normAutofit/>
+          </a:bodyPr>
+          <a:lstStyle/>
+          <a:p>
+            <a:pPr marL="0" indent="0">
+              <a:buNone/>
+            </a:pPr>
+            <a:r>
+              <a:rPr lang="ru-RU" sz="5400" dirty="0">
+                <a:solidFill>
+                  <a:srgbClr val="213233"/>
+                </a:solidFill>
+              </a:rPr>
+              <a:t>Время работы</a:t>
+            </a:r>
+            <a:r>
+              <a:rPr lang="en-US" sz="5400" dirty="0">
+                <a:solidFill>
+                  <a:srgbClr val="213233"/>
+                </a:solidFill>
+              </a:rPr>
+              <a:t>:</a:t>
+            </a:r>
+            <a:r>
+              <a:rPr lang="ru-RU" sz="5400" dirty="0">
+                <a:solidFill>
+                  <a:srgbClr val="213233"/>
+                </a:solidFill>
+              </a:rPr>
+              <a:t> </a:t>
+            </a:r>
+            <a:r>
+              <a:rPr lang="en-US" sz="5400" dirty="0">
+                <a:solidFill>
+                  <a:srgbClr val="FF4800"/>
+                </a:solidFill>
+              </a:rPr>
+              <a:t>O(2</a:t>
+            </a:r>
+            <a:r>
+              <a:rPr lang="en-US" sz="5400" baseline="30000" dirty="0">
+                <a:solidFill>
+                  <a:srgbClr val="FF4800"/>
+                </a:solidFill>
+              </a:rPr>
+              <a:t>n</a:t>
+            </a:r>
+            <a:r>
+              <a:rPr lang="en-US" sz="5400" dirty="0">
+                <a:solidFill>
+                  <a:srgbClr val="FF4800"/>
+                </a:solidFill>
+              </a:rPr>
+              <a:t> * n</a:t>
+            </a:r>
+            <a:r>
+              <a:rPr lang="en-US" sz="5400" baseline="30000" dirty="0">
+                <a:solidFill>
+                  <a:srgbClr val="FF4800"/>
+                </a:solidFill>
+              </a:rPr>
+              <a:t>2</a:t>
+            </a:r>
+            <a:r>
+              <a:rPr lang="en-US" sz="5400" dirty="0">
+                <a:solidFill>
+                  <a:srgbClr val="FF4800"/>
+                </a:solidFill>
+              </a:rPr>
+              <a:t>)</a:t>
+            </a:r>
+          </a:p>
+          <a:p>
+            <a:pPr marL="0" indent="0">
+              <a:buNone/>
+            </a:pPr>
+            <a:r>
+              <a:rPr lang="ru-RU" sz="5400" dirty="0">
+                <a:solidFill>
+                  <a:srgbClr val="213233"/>
+                </a:solidFill>
+              </a:rPr>
+              <a:t>Затраты памяти</a:t>
+            </a:r>
+            <a:r>
+              <a:rPr lang="en-US" sz="5400" dirty="0">
+                <a:solidFill>
+                  <a:srgbClr val="213233"/>
+                </a:solidFill>
+              </a:rPr>
+              <a:t>: </a:t>
+            </a:r>
+            <a:r>
+              <a:rPr lang="en-US" sz="5400" dirty="0">
+                <a:solidFill>
+                  <a:srgbClr val="FF4800"/>
+                </a:solidFill>
+              </a:rPr>
+              <a:t>O(2</a:t>
+            </a:r>
+            <a:r>
+              <a:rPr lang="en-US" sz="5400" baseline="30000" dirty="0">
+                <a:solidFill>
+                  <a:srgbClr val="FF4800"/>
+                </a:solidFill>
+              </a:rPr>
+              <a:t>n</a:t>
+            </a:r>
+            <a:r>
+              <a:rPr lang="en-US" sz="5400" dirty="0">
+                <a:solidFill>
+                  <a:srgbClr val="FF4800"/>
+                </a:solidFill>
+              </a:rPr>
+              <a:t> * n)</a:t>
+            </a:r>
+            <a:endParaRPr lang="ru-RU" sz="5400" dirty="0">
+              <a:solidFill>
+                <a:srgbClr val="213233"/>
+              </a:solidFill>
+            </a:endParaRPr>
+          </a:p>
+        </p:txBody>
+      </p:sp>
     </p:spTree>
     <p:extLst>
       <p:ext uri="{BB962C8B-B14F-4D97-AF65-F5344CB8AC3E}">
-        <p14:creationId xmlns:p14="http://schemas.microsoft.com/office/powerpoint/2010/main" val="1356371871"/>
+        <p14:creationId xmlns:p14="http://schemas.microsoft.com/office/powerpoint/2010/main" val="3703250272"/>
       </p:ext>
     </p:extLst>
   </p:cSld>
@@ -28944,6 +28956,89 @@
             <p:ph idx="1"/>
             <p:extLst>
               <p:ext uri="{D42A27DB-BD31-4B8C-83A1-F6EECF244321}">
+                <p14:modId xmlns:p14="http://schemas.microsoft.com/office/powerpoint/2010/main" val="3497890342"/>
+              </p:ext>
+            </p:extLst>
+          </p:nvPr>
+        </p:nvGraphicFramePr>
+        <p:xfrm>
+          <a:off x="652365" y="1791478"/>
+          <a:ext cx="10887269" cy="4693396"/>
+        </p:xfrm>
+        <a:graphic>
+          <a:graphicData uri="http://schemas.openxmlformats.org/drawingml/2006/chart">
+            <c:chart xmlns:c="http://schemas.openxmlformats.org/drawingml/2006/chart" xmlns:r="http://schemas.openxmlformats.org/officeDocument/2006/relationships" r:id="rId2"/>
+          </a:graphicData>
+        </a:graphic>
+      </p:graphicFrame>
+    </p:spTree>
+    <p:extLst>
+      <p:ext uri="{BB962C8B-B14F-4D97-AF65-F5344CB8AC3E}">
+        <p14:creationId xmlns:p14="http://schemas.microsoft.com/office/powerpoint/2010/main" val="1356371871"/>
+      </p:ext>
+    </p:extLst>
+  </p:cSld>
+  <p:clrMapOvr>
+    <a:masterClrMapping/>
+  </p:clrMapOvr>
+</p:sld>
+</file>
+
+<file path=ppt/slides/slide13.xml><?xml version="1.0" encoding="utf-8"?>
+<p:sld xmlns:a="http://schemas.openxmlformats.org/drawingml/2006/main" xmlns:r="http://schemas.openxmlformats.org/officeDocument/2006/relationships" xmlns:p="http://schemas.openxmlformats.org/presentationml/2006/main">
+  <p:cSld>
+    <p:spTree>
+      <p:nvGrpSpPr>
+        <p:cNvPr id="1" name=""/>
+        <p:cNvGrpSpPr/>
+        <p:nvPr/>
+      </p:nvGrpSpPr>
+      <p:grpSpPr>
+        <a:xfrm>
+          <a:off x="0" y="0"/>
+          <a:ext cx="0" cy="0"/>
+          <a:chOff x="0" y="0"/>
+          <a:chExt cx="0" cy="0"/>
+        </a:xfrm>
+      </p:grpSpPr>
+      <p:sp>
+        <p:nvSpPr>
+          <p:cNvPr id="2" name="Заголовок 1"/>
+          <p:cNvSpPr>
+            <a:spLocks noGrp="1"/>
+          </p:cNvSpPr>
+          <p:nvPr>
+            <p:ph type="title"/>
+          </p:nvPr>
+        </p:nvSpPr>
+        <p:spPr/>
+        <p:txBody>
+          <a:bodyPr>
+            <a:noAutofit/>
+          </a:bodyPr>
+          <a:lstStyle/>
+          <a:p>
+            <a:r>
+              <a:rPr lang="ru-RU" sz="8000" dirty="0">
+                <a:solidFill>
+                  <a:srgbClr val="854A44"/>
+                </a:solidFill>
+              </a:rPr>
+              <a:t>Динамика</a:t>
+            </a:r>
+          </a:p>
+        </p:txBody>
+      </p:sp>
+      <p:graphicFrame>
+        <p:nvGraphicFramePr>
+          <p:cNvPr id="16" name="Объект 15"/>
+          <p:cNvGraphicFramePr>
+            <a:graphicFrameLocks noGrp="1"/>
+          </p:cNvGraphicFramePr>
+          <p:nvPr>
+            <p:ph idx="1"/>
+            <p:extLst>
+              <p:ext uri="{D42A27DB-BD31-4B8C-83A1-F6EECF244321}">
                 <p14:modId xmlns:p14="http://schemas.microsoft.com/office/powerpoint/2010/main" val="3581228363"/>
               </p:ext>
             </p:extLst>
@@ -28972,7 +29067,7 @@
 </p:sld>
 </file>
 
-<file path=ppt/slides/slide13.xml><?xml version="1.0" encoding="utf-8"?>
+<file path=ppt/slides/slide14.xml><?xml version="1.0" encoding="utf-8"?>
 <p:sld xmlns:a="http://schemas.openxmlformats.org/drawingml/2006/main" xmlns:r="http://schemas.openxmlformats.org/officeDocument/2006/relationships" xmlns:p="http://schemas.openxmlformats.org/presentationml/2006/main">
   <p:cSld>
     <p:spTree>
@@ -29067,7 +29162,7 @@
 </p:sld>
 </file>
 
-<file path=ppt/slides/slide14.xml><?xml version="1.0" encoding="utf-8"?>
+<file path=ppt/slides/slide15.xml><?xml version="1.0" encoding="utf-8"?>
 <p:sld xmlns:a="http://schemas.openxmlformats.org/drawingml/2006/main" xmlns:r="http://schemas.openxmlformats.org/officeDocument/2006/relationships" xmlns:p="http://schemas.openxmlformats.org/presentationml/2006/main">
   <p:cSld>
     <p:spTree>
@@ -29348,7 +29443,7 @@
 </p:sld>
 </file>
 
-<file path=ppt/slides/slide15.xml><?xml version="1.0" encoding="utf-8"?>
+<file path=ppt/slides/slide16.xml><?xml version="1.0" encoding="utf-8"?>
 <p:sld xmlns:a="http://schemas.openxmlformats.org/drawingml/2006/main" xmlns:r="http://schemas.openxmlformats.org/officeDocument/2006/relationships" xmlns:p="http://schemas.openxmlformats.org/presentationml/2006/main">
   <p:cSld>
     <p:spTree>
@@ -29402,7 +29497,7 @@
 </p:sld>
 </file>
 
-<file path=ppt/slides/slide16.xml><?xml version="1.0" encoding="utf-8"?>
+<file path=ppt/slides/slide17.xml><?xml version="1.0" encoding="utf-8"?>
 <p:sld xmlns:a="http://schemas.openxmlformats.org/drawingml/2006/main" xmlns:r="http://schemas.openxmlformats.org/officeDocument/2006/relationships" xmlns:p="http://schemas.openxmlformats.org/presentationml/2006/main">
   <p:cSld>
     <p:spTree>
@@ -29456,7 +29551,7 @@
 </p:sld>
 </file>
 
-<file path=ppt/slides/slide17.xml><?xml version="1.0" encoding="utf-8"?>
+<file path=ppt/slides/slide18.xml><?xml version="1.0" encoding="utf-8"?>
 <p:sld xmlns:a="http://schemas.openxmlformats.org/drawingml/2006/main" xmlns:r="http://schemas.openxmlformats.org/officeDocument/2006/relationships" xmlns:p="http://schemas.openxmlformats.org/presentationml/2006/main">
   <p:cSld>
     <p:spTree>
@@ -29611,7 +29706,7 @@
 </p:sld>
 </file>
 
-<file path=ppt/slides/slide18.xml><?xml version="1.0" encoding="utf-8"?>
+<file path=ppt/slides/slide19.xml><?xml version="1.0" encoding="utf-8"?>
 <p:sld xmlns:a="http://schemas.openxmlformats.org/drawingml/2006/main" xmlns:r="http://schemas.openxmlformats.org/officeDocument/2006/relationships" xmlns:p="http://schemas.openxmlformats.org/presentationml/2006/main">
   <p:cSld>
     <p:spTree>
@@ -29665,7 +29760,101 @@
 </p:sld>
 </file>
 
-<file path=ppt/slides/slide19.xml><?xml version="1.0" encoding="utf-8"?>
+<file path=ppt/slides/slide2.xml><?xml version="1.0" encoding="utf-8"?>
+<p:sld xmlns:a="http://schemas.openxmlformats.org/drawingml/2006/main" xmlns:r="http://schemas.openxmlformats.org/officeDocument/2006/relationships" xmlns:p="http://schemas.openxmlformats.org/presentationml/2006/main">
+  <p:cSld>
+    <p:spTree>
+      <p:nvGrpSpPr>
+        <p:cNvPr id="1" name=""/>
+        <p:cNvGrpSpPr/>
+        <p:nvPr/>
+      </p:nvGrpSpPr>
+      <p:grpSpPr>
+        <a:xfrm>
+          <a:off x="0" y="0"/>
+          <a:ext cx="0" cy="0"/>
+          <a:chOff x="0" y="0"/>
+          <a:chExt cx="0" cy="0"/>
+        </a:xfrm>
+      </p:grpSpPr>
+      <p:sp>
+        <p:nvSpPr>
+          <p:cNvPr id="2" name="Заголовок 1"/>
+          <p:cNvSpPr>
+            <a:spLocks noGrp="1"/>
+          </p:cNvSpPr>
+          <p:nvPr>
+            <p:ph type="title"/>
+          </p:nvPr>
+        </p:nvSpPr>
+        <p:spPr/>
+        <p:txBody>
+          <a:bodyPr>
+            <a:normAutofit/>
+          </a:bodyPr>
+          <a:lstStyle/>
+          <a:p>
+            <a:r>
+              <a:rPr lang="ru-RU" sz="8800" dirty="0">
+                <a:solidFill>
+                  <a:srgbClr val="213233"/>
+                </a:solidFill>
+              </a:rPr>
+              <a:t>Цель</a:t>
+            </a:r>
+          </a:p>
+        </p:txBody>
+      </p:sp>
+      <p:sp>
+        <p:nvSpPr>
+          <p:cNvPr id="7" name="Объект 6"/>
+          <p:cNvSpPr>
+            <a:spLocks noGrp="1"/>
+          </p:cNvSpPr>
+          <p:nvPr>
+            <p:ph idx="1"/>
+          </p:nvPr>
+        </p:nvSpPr>
+        <p:spPr>
+          <a:xfrm>
+            <a:off x="838200" y="2236171"/>
+            <a:ext cx="10515600" cy="3772743"/>
+          </a:xfrm>
+        </p:spPr>
+        <p:txBody>
+          <a:bodyPr>
+            <a:noAutofit/>
+          </a:bodyPr>
+          <a:lstStyle/>
+          <a:p>
+            <a:pPr marL="0" indent="0" algn="just">
+              <a:buNone/>
+            </a:pPr>
+            <a:r>
+              <a:rPr lang="ru-RU" sz="5400" dirty="0">
+                <a:solidFill>
+                  <a:srgbClr val="213233"/>
+                </a:solidFill>
+              </a:rPr>
+              <a:t>Сравнить существующие подходы к решению задачи коммивояжера. Выявить достоинства и недостатки каждого. </a:t>
+            </a:r>
+          </a:p>
+        </p:txBody>
+      </p:sp>
+    </p:spTree>
+    <p:extLst>
+      <p:ext uri="{BB962C8B-B14F-4D97-AF65-F5344CB8AC3E}">
+        <p14:creationId xmlns:p14="http://schemas.microsoft.com/office/powerpoint/2010/main" val="3216955582"/>
+      </p:ext>
+    </p:extLst>
+  </p:cSld>
+  <p:clrMapOvr>
+    <a:masterClrMapping/>
+  </p:clrMapOvr>
+</p:sld>
+</file>
+
+<file path=ppt/slides/slide20.xml><?xml version="1.0" encoding="utf-8"?>
 <p:sld xmlns:a="http://schemas.openxmlformats.org/drawingml/2006/main" xmlns:r="http://schemas.openxmlformats.org/officeDocument/2006/relationships" xmlns:p="http://schemas.openxmlformats.org/presentationml/2006/main">
   <p:cSld>
     <p:spTree>
@@ -29719,177 +29908,7 @@
 </p:sld>
 </file>
 
-<file path=ppt/slides/slide2.xml><?xml version="1.0" encoding="utf-8"?>
-<p:sld xmlns:a="http://schemas.openxmlformats.org/drawingml/2006/main" xmlns:r="http://schemas.openxmlformats.org/officeDocument/2006/relationships" xmlns:p="http://schemas.openxmlformats.org/presentationml/2006/main">
-  <p:cSld>
-    <p:spTree>
-      <p:nvGrpSpPr>
-        <p:cNvPr id="1" name=""/>
-        <p:cNvGrpSpPr/>
-        <p:nvPr/>
-      </p:nvGrpSpPr>
-      <p:grpSpPr>
-        <a:xfrm>
-          <a:off x="0" y="0"/>
-          <a:ext cx="0" cy="0"/>
-          <a:chOff x="0" y="0"/>
-          <a:chExt cx="0" cy="0"/>
-        </a:xfrm>
-      </p:grpSpPr>
-      <p:sp>
-        <p:nvSpPr>
-          <p:cNvPr id="2" name="Заголовок 1"/>
-          <p:cNvSpPr>
-            <a:spLocks noGrp="1"/>
-          </p:cNvSpPr>
-          <p:nvPr>
-            <p:ph type="title"/>
-          </p:nvPr>
-        </p:nvSpPr>
-        <p:spPr/>
-        <p:txBody>
-          <a:bodyPr>
-            <a:normAutofit/>
-          </a:bodyPr>
-          <a:lstStyle/>
-          <a:p>
-            <a:pPr algn="ctr"/>
-            <a:r>
-              <a:rPr lang="ru-RU" sz="8800" dirty="0">
-                <a:solidFill>
-                  <a:srgbClr val="213233"/>
-                </a:solidFill>
-              </a:rPr>
-              <a:t>О проекте</a:t>
-            </a:r>
-          </a:p>
-        </p:txBody>
-      </p:sp>
-      <p:sp>
-        <p:nvSpPr>
-          <p:cNvPr id="7" name="Объект 6"/>
-          <p:cNvSpPr>
-            <a:spLocks noGrp="1"/>
-          </p:cNvSpPr>
-          <p:nvPr>
-            <p:ph idx="1"/>
-          </p:nvPr>
-        </p:nvSpPr>
-        <p:spPr>
-          <a:xfrm>
-            <a:off x="838200" y="2236171"/>
-            <a:ext cx="10515600" cy="3772743"/>
-          </a:xfrm>
-        </p:spPr>
-        <p:txBody>
-          <a:bodyPr>
-            <a:noAutofit/>
-          </a:bodyPr>
-          <a:lstStyle/>
-          <a:p>
-            <a:pPr marL="0" indent="0" algn="ctr">
-              <a:buNone/>
-            </a:pPr>
-            <a:r>
-              <a:rPr lang="en-US" sz="5400" dirty="0">
-                <a:solidFill>
-                  <a:srgbClr val="FF4800"/>
-                </a:solidFill>
-              </a:rPr>
-              <a:t>3328</a:t>
-            </a:r>
-            <a:r>
-              <a:rPr lang="en-US" sz="5400" dirty="0"/>
-              <a:t> </a:t>
-            </a:r>
-            <a:r>
-              <a:rPr lang="ru-RU" sz="5400" dirty="0">
-                <a:solidFill>
-                  <a:srgbClr val="213233"/>
-                </a:solidFill>
-              </a:rPr>
-              <a:t>строк кода</a:t>
-            </a:r>
-          </a:p>
-          <a:p>
-            <a:pPr marL="0" indent="0" algn="ctr">
-              <a:buNone/>
-            </a:pPr>
-            <a:r>
-              <a:rPr lang="ru-RU" sz="5400" dirty="0">
-                <a:solidFill>
-                  <a:srgbClr val="FF4800"/>
-                </a:solidFill>
-              </a:rPr>
-              <a:t>14</a:t>
-            </a:r>
-            <a:r>
-              <a:rPr lang="ru-RU" sz="5400" dirty="0">
-                <a:solidFill>
-                  <a:srgbClr val="213233"/>
-                </a:solidFill>
-              </a:rPr>
-              <a:t> способов решения</a:t>
-            </a:r>
-          </a:p>
-          <a:p>
-            <a:pPr marL="0" indent="0" algn="ctr">
-              <a:buNone/>
-            </a:pPr>
-            <a:r>
-              <a:rPr lang="ru-RU" sz="5400" dirty="0">
-                <a:solidFill>
-                  <a:srgbClr val="FF4800"/>
-                </a:solidFill>
-              </a:rPr>
-              <a:t>19</a:t>
-            </a:r>
-            <a:r>
-              <a:rPr lang="ru-RU" sz="5400" dirty="0">
-                <a:solidFill>
-                  <a:srgbClr val="213233"/>
-                </a:solidFill>
-              </a:rPr>
-              <a:t> часов тестирования</a:t>
-            </a:r>
-          </a:p>
-          <a:p>
-            <a:pPr marL="0" indent="0" algn="ctr">
-              <a:buNone/>
-            </a:pPr>
-            <a:r>
-              <a:rPr lang="ru-RU" sz="5400" dirty="0">
-                <a:solidFill>
-                  <a:srgbClr val="FF4800"/>
-                </a:solidFill>
-              </a:rPr>
-              <a:t>4</a:t>
-            </a:r>
-            <a:r>
-              <a:rPr lang="ru-RU" sz="5400" dirty="0">
-                <a:solidFill>
-                  <a:srgbClr val="213233"/>
-                </a:solidFill>
-              </a:rPr>
-              <a:t> визуализированных алгоритма</a:t>
-            </a:r>
-          </a:p>
-        </p:txBody>
-      </p:sp>
-    </p:spTree>
-    <p:extLst>
-      <p:ext uri="{BB962C8B-B14F-4D97-AF65-F5344CB8AC3E}">
-        <p14:creationId xmlns:p14="http://schemas.microsoft.com/office/powerpoint/2010/main" val="214552320"/>
-      </p:ext>
-    </p:extLst>
-  </p:cSld>
-  <p:clrMapOvr>
-    <a:masterClrMapping/>
-  </p:clrMapOvr>
-</p:sld>
-</file>
-
-<file path=ppt/slides/slide20.xml><?xml version="1.0" encoding="utf-8"?>
+<file path=ppt/slides/slide21.xml><?xml version="1.0" encoding="utf-8"?>
 <p:sld xmlns:a="http://schemas.openxmlformats.org/drawingml/2006/main" xmlns:r="http://schemas.openxmlformats.org/officeDocument/2006/relationships" xmlns:p="http://schemas.openxmlformats.org/presentationml/2006/main">
   <p:cSld>
     <p:spTree>
@@ -29943,7 +29962,7 @@
 </p:sld>
 </file>
 
-<file path=ppt/slides/slide21.xml><?xml version="1.0" encoding="utf-8"?>
+<file path=ppt/slides/slide22.xml><?xml version="1.0" encoding="utf-8"?>
 <p:sld xmlns:a="http://schemas.openxmlformats.org/drawingml/2006/main" xmlns:r="http://schemas.openxmlformats.org/officeDocument/2006/relationships" xmlns:p="http://schemas.openxmlformats.org/presentationml/2006/main">
   <p:cSld>
     <p:spTree>
@@ -29997,7 +30016,7 @@
 </p:sld>
 </file>
 
-<file path=ppt/slides/slide22.xml><?xml version="1.0" encoding="utf-8"?>
+<file path=ppt/slides/slide23.xml><?xml version="1.0" encoding="utf-8"?>
 <p:sld xmlns:a="http://schemas.openxmlformats.org/drawingml/2006/main" xmlns:r="http://schemas.openxmlformats.org/officeDocument/2006/relationships" xmlns:p="http://schemas.openxmlformats.org/presentationml/2006/main">
   <p:cSld>
     <p:spTree>
@@ -30051,7 +30070,7 @@
 </p:sld>
 </file>
 
-<file path=ppt/slides/slide23.xml><?xml version="1.0" encoding="utf-8"?>
+<file path=ppt/slides/slide24.xml><?xml version="1.0" encoding="utf-8"?>
 <p:sld xmlns:a="http://schemas.openxmlformats.org/drawingml/2006/main" xmlns:r="http://schemas.openxmlformats.org/officeDocument/2006/relationships" xmlns:p="http://schemas.openxmlformats.org/presentationml/2006/main">
   <p:cSld>
     <p:spTree>
@@ -30105,7 +30124,7 @@
 </p:sld>
 </file>
 
-<file path=ppt/slides/slide24.xml><?xml version="1.0" encoding="utf-8"?>
+<file path=ppt/slides/slide25.xml><?xml version="1.0" encoding="utf-8"?>
 <p:sld xmlns:a="http://schemas.openxmlformats.org/drawingml/2006/main" xmlns:r="http://schemas.openxmlformats.org/officeDocument/2006/relationships" xmlns:p="http://schemas.openxmlformats.org/presentationml/2006/main">
   <p:cSld>
     <p:spTree>
@@ -30159,7 +30178,7 @@
 </p:sld>
 </file>
 
-<file path=ppt/slides/slide25.xml><?xml version="1.0" encoding="utf-8"?>
+<file path=ppt/slides/slide26.xml><?xml version="1.0" encoding="utf-8"?>
 <p:sld xmlns:a="http://schemas.openxmlformats.org/drawingml/2006/main" xmlns:r="http://schemas.openxmlformats.org/officeDocument/2006/relationships" xmlns:p="http://schemas.openxmlformats.org/presentationml/2006/main">
   <p:cSld>
     <p:spTree>
@@ -30213,7 +30232,7 @@
 </p:sld>
 </file>
 
-<file path=ppt/slides/slide26.xml><?xml version="1.0" encoding="utf-8"?>
+<file path=ppt/slides/slide27.xml><?xml version="1.0" encoding="utf-8"?>
 <p:sld xmlns:a="http://schemas.openxmlformats.org/drawingml/2006/main" xmlns:r="http://schemas.openxmlformats.org/officeDocument/2006/relationships" xmlns:p="http://schemas.openxmlformats.org/presentationml/2006/main">
   <p:cSld>
     <p:spTree>
@@ -30267,118 +30286,6 @@
 </p:sld>
 </file>
 
-<file path=ppt/slides/slide27.xml><?xml version="1.0" encoding="utf-8"?>
-<p:sld xmlns:a="http://schemas.openxmlformats.org/drawingml/2006/main" xmlns:r="http://schemas.openxmlformats.org/officeDocument/2006/relationships" xmlns:p="http://schemas.openxmlformats.org/presentationml/2006/main">
-  <p:cSld>
-    <p:spTree>
-      <p:nvGrpSpPr>
-        <p:cNvPr id="1" name=""/>
-        <p:cNvGrpSpPr/>
-        <p:nvPr/>
-      </p:nvGrpSpPr>
-      <p:grpSpPr>
-        <a:xfrm>
-          <a:off x="0" y="0"/>
-          <a:ext cx="0" cy="0"/>
-          <a:chOff x="0" y="0"/>
-          <a:chExt cx="0" cy="0"/>
-        </a:xfrm>
-      </p:grpSpPr>
-      <p:sp>
-        <p:nvSpPr>
-          <p:cNvPr id="2" name="Заголовок 1"/>
-          <p:cNvSpPr>
-            <a:spLocks noGrp="1"/>
-          </p:cNvSpPr>
-          <p:nvPr>
-            <p:ph type="title"/>
-          </p:nvPr>
-        </p:nvSpPr>
-        <p:spPr/>
-        <p:txBody>
-          <a:bodyPr>
-            <a:normAutofit/>
-          </a:bodyPr>
-          <a:lstStyle/>
-          <a:p>
-            <a:r>
-              <a:rPr lang="ru-RU" sz="8000" dirty="0">
-                <a:solidFill>
-                  <a:srgbClr val="854A44"/>
-                </a:solidFill>
-              </a:rPr>
-              <a:t>Алгоритм </a:t>
-            </a:r>
-            <a:r>
-              <a:rPr lang="ru-RU" sz="8000" dirty="0" err="1">
-                <a:solidFill>
-                  <a:srgbClr val="854A44"/>
-                </a:solidFill>
-              </a:rPr>
-              <a:t>Литтла</a:t>
-            </a:r>
-            <a:endParaRPr lang="ru-RU" sz="7200" dirty="0">
-              <a:solidFill>
-                <a:srgbClr val="854A44"/>
-              </a:solidFill>
-            </a:endParaRPr>
-          </a:p>
-        </p:txBody>
-      </p:sp>
-      <p:sp>
-        <p:nvSpPr>
-          <p:cNvPr id="3" name="Объект 2"/>
-          <p:cNvSpPr>
-            <a:spLocks noGrp="1"/>
-          </p:cNvSpPr>
-          <p:nvPr>
-            <p:ph idx="1"/>
-          </p:nvPr>
-        </p:nvSpPr>
-        <p:spPr>
-          <a:xfrm>
-            <a:off x="838200" y="2833331"/>
-            <a:ext cx="10515600" cy="2083902"/>
-          </a:xfrm>
-        </p:spPr>
-        <p:txBody>
-          <a:bodyPr>
-            <a:normAutofit/>
-          </a:bodyPr>
-          <a:lstStyle/>
-          <a:p>
-            <a:pPr marL="0" indent="0">
-              <a:buNone/>
-            </a:pPr>
-            <a:r>
-              <a:rPr lang="ru-RU" sz="4800" dirty="0">
-                <a:solidFill>
-                  <a:srgbClr val="213233"/>
-                </a:solidFill>
-              </a:rPr>
-              <a:t>Рекорд обновляется решениями из листьев</a:t>
-            </a:r>
-            <a:endParaRPr lang="ru-RU" sz="5400" dirty="0">
-              <a:solidFill>
-                <a:srgbClr val="213233"/>
-              </a:solidFill>
-            </a:endParaRPr>
-          </a:p>
-        </p:txBody>
-      </p:sp>
-    </p:spTree>
-    <p:extLst>
-      <p:ext uri="{BB962C8B-B14F-4D97-AF65-F5344CB8AC3E}">
-        <p14:creationId xmlns:p14="http://schemas.microsoft.com/office/powerpoint/2010/main" val="2895212417"/>
-      </p:ext>
-    </p:extLst>
-  </p:cSld>
-  <p:clrMapOvr>
-    <a:masterClrMapping/>
-  </p:clrMapOvr>
-</p:sld>
-</file>
-
 <file path=ppt/slides/slide28.xml><?xml version="1.0" encoding="utf-8"?>
 <p:sld xmlns:a="http://schemas.openxmlformats.org/drawingml/2006/main" xmlns:r="http://schemas.openxmlformats.org/officeDocument/2006/relationships" xmlns:p="http://schemas.openxmlformats.org/presentationml/2006/main">
   <p:cSld>
@@ -30429,6 +30336,118 @@
               </a:rPr>
               <a:t>Литтла</a:t>
             </a:r>
+            <a:endParaRPr lang="ru-RU" sz="7200" dirty="0">
+              <a:solidFill>
+                <a:srgbClr val="854A44"/>
+              </a:solidFill>
+            </a:endParaRPr>
+          </a:p>
+        </p:txBody>
+      </p:sp>
+      <p:sp>
+        <p:nvSpPr>
+          <p:cNvPr id="3" name="Объект 2"/>
+          <p:cNvSpPr>
+            <a:spLocks noGrp="1"/>
+          </p:cNvSpPr>
+          <p:nvPr>
+            <p:ph idx="1"/>
+          </p:nvPr>
+        </p:nvSpPr>
+        <p:spPr>
+          <a:xfrm>
+            <a:off x="838200" y="2833331"/>
+            <a:ext cx="10515600" cy="2083902"/>
+          </a:xfrm>
+        </p:spPr>
+        <p:txBody>
+          <a:bodyPr>
+            <a:normAutofit/>
+          </a:bodyPr>
+          <a:lstStyle/>
+          <a:p>
+            <a:pPr marL="0" indent="0">
+              <a:buNone/>
+            </a:pPr>
+            <a:r>
+              <a:rPr lang="ru-RU" sz="4800" dirty="0">
+                <a:solidFill>
+                  <a:srgbClr val="213233"/>
+                </a:solidFill>
+              </a:rPr>
+              <a:t>Рекорд обновляется решениями из листьев</a:t>
+            </a:r>
+            <a:endParaRPr lang="ru-RU" sz="5400" dirty="0">
+              <a:solidFill>
+                <a:srgbClr val="213233"/>
+              </a:solidFill>
+            </a:endParaRPr>
+          </a:p>
+        </p:txBody>
+      </p:sp>
+    </p:spTree>
+    <p:extLst>
+      <p:ext uri="{BB962C8B-B14F-4D97-AF65-F5344CB8AC3E}">
+        <p14:creationId xmlns:p14="http://schemas.microsoft.com/office/powerpoint/2010/main" val="2895212417"/>
+      </p:ext>
+    </p:extLst>
+  </p:cSld>
+  <p:clrMapOvr>
+    <a:masterClrMapping/>
+  </p:clrMapOvr>
+</p:sld>
+</file>
+
+<file path=ppt/slides/slide29.xml><?xml version="1.0" encoding="utf-8"?>
+<p:sld xmlns:a="http://schemas.openxmlformats.org/drawingml/2006/main" xmlns:r="http://schemas.openxmlformats.org/officeDocument/2006/relationships" xmlns:p="http://schemas.openxmlformats.org/presentationml/2006/main">
+  <p:cSld>
+    <p:spTree>
+      <p:nvGrpSpPr>
+        <p:cNvPr id="1" name=""/>
+        <p:cNvGrpSpPr/>
+        <p:nvPr/>
+      </p:nvGrpSpPr>
+      <p:grpSpPr>
+        <a:xfrm>
+          <a:off x="0" y="0"/>
+          <a:ext cx="0" cy="0"/>
+          <a:chOff x="0" y="0"/>
+          <a:chExt cx="0" cy="0"/>
+        </a:xfrm>
+      </p:grpSpPr>
+      <p:sp>
+        <p:nvSpPr>
+          <p:cNvPr id="2" name="Заголовок 1"/>
+          <p:cNvSpPr>
+            <a:spLocks noGrp="1"/>
+          </p:cNvSpPr>
+          <p:nvPr>
+            <p:ph type="title"/>
+          </p:nvPr>
+        </p:nvSpPr>
+        <p:spPr/>
+        <p:txBody>
+          <a:bodyPr>
+            <a:normAutofit/>
+          </a:bodyPr>
+          <a:lstStyle/>
+          <a:p>
+            <a:r>
+              <a:rPr lang="ru-RU" sz="8000" dirty="0">
+                <a:solidFill>
+                  <a:srgbClr val="854A44"/>
+                </a:solidFill>
+              </a:rPr>
+              <a:t>Алгоритм </a:t>
+            </a:r>
+            <a:r>
+              <a:rPr lang="ru-RU" sz="8000" dirty="0" err="1">
+                <a:solidFill>
+                  <a:srgbClr val="854A44"/>
+                </a:solidFill>
+              </a:rPr>
+              <a:t>Литтла</a:t>
+            </a:r>
             <a:endParaRPr lang="ru-RU" sz="8000" dirty="0">
               <a:solidFill>
                 <a:srgbClr val="854A44"/>
@@ -30610,7 +30629,177 @@
 </p:sld>
 </file>
 
-<file path=ppt/slides/slide29.xml><?xml version="1.0" encoding="utf-8"?>
+<file path=ppt/slides/slide3.xml><?xml version="1.0" encoding="utf-8"?>
+<p:sld xmlns:a="http://schemas.openxmlformats.org/drawingml/2006/main" xmlns:r="http://schemas.openxmlformats.org/officeDocument/2006/relationships" xmlns:p="http://schemas.openxmlformats.org/presentationml/2006/main">
+  <p:cSld>
+    <p:spTree>
+      <p:nvGrpSpPr>
+        <p:cNvPr id="1" name=""/>
+        <p:cNvGrpSpPr/>
+        <p:nvPr/>
+      </p:nvGrpSpPr>
+      <p:grpSpPr>
+        <a:xfrm>
+          <a:off x="0" y="0"/>
+          <a:ext cx="0" cy="0"/>
+          <a:chOff x="0" y="0"/>
+          <a:chExt cx="0" cy="0"/>
+        </a:xfrm>
+      </p:grpSpPr>
+      <p:sp>
+        <p:nvSpPr>
+          <p:cNvPr id="2" name="Заголовок 1"/>
+          <p:cNvSpPr>
+            <a:spLocks noGrp="1"/>
+          </p:cNvSpPr>
+          <p:nvPr>
+            <p:ph type="title"/>
+          </p:nvPr>
+        </p:nvSpPr>
+        <p:spPr/>
+        <p:txBody>
+          <a:bodyPr>
+            <a:normAutofit/>
+          </a:bodyPr>
+          <a:lstStyle/>
+          <a:p>
+            <a:pPr algn="ctr"/>
+            <a:r>
+              <a:rPr lang="ru-RU" sz="8800" dirty="0">
+                <a:solidFill>
+                  <a:srgbClr val="213233"/>
+                </a:solidFill>
+              </a:rPr>
+              <a:t>О проекте</a:t>
+            </a:r>
+          </a:p>
+        </p:txBody>
+      </p:sp>
+      <p:sp>
+        <p:nvSpPr>
+          <p:cNvPr id="7" name="Объект 6"/>
+          <p:cNvSpPr>
+            <a:spLocks noGrp="1"/>
+          </p:cNvSpPr>
+          <p:nvPr>
+            <p:ph idx="1"/>
+          </p:nvPr>
+        </p:nvSpPr>
+        <p:spPr>
+          <a:xfrm>
+            <a:off x="838200" y="2236171"/>
+            <a:ext cx="10515600" cy="3772743"/>
+          </a:xfrm>
+        </p:spPr>
+        <p:txBody>
+          <a:bodyPr>
+            <a:noAutofit/>
+          </a:bodyPr>
+          <a:lstStyle/>
+          <a:p>
+            <a:pPr marL="0" indent="0" algn="ctr">
+              <a:buNone/>
+            </a:pPr>
+            <a:r>
+              <a:rPr lang="en-US" sz="5400" dirty="0">
+                <a:solidFill>
+                  <a:srgbClr val="FF4800"/>
+                </a:solidFill>
+              </a:rPr>
+              <a:t>3328</a:t>
+            </a:r>
+            <a:r>
+              <a:rPr lang="en-US" sz="5400" dirty="0"/>
+              <a:t> </a:t>
+            </a:r>
+            <a:r>
+              <a:rPr lang="ru-RU" sz="5400" dirty="0">
+                <a:solidFill>
+                  <a:srgbClr val="213233"/>
+                </a:solidFill>
+              </a:rPr>
+              <a:t>строк кода</a:t>
+            </a:r>
+          </a:p>
+          <a:p>
+            <a:pPr marL="0" indent="0" algn="ctr">
+              <a:buNone/>
+            </a:pPr>
+            <a:r>
+              <a:rPr lang="ru-RU" sz="5400" dirty="0">
+                <a:solidFill>
+                  <a:srgbClr val="FF4800"/>
+                </a:solidFill>
+              </a:rPr>
+              <a:t>14</a:t>
+            </a:r>
+            <a:r>
+              <a:rPr lang="ru-RU" sz="5400" dirty="0">
+                <a:solidFill>
+                  <a:srgbClr val="213233"/>
+                </a:solidFill>
+              </a:rPr>
+              <a:t> способов решения</a:t>
+            </a:r>
+          </a:p>
+          <a:p>
+            <a:pPr marL="0" indent="0" algn="ctr">
+              <a:buNone/>
+            </a:pPr>
+            <a:r>
+              <a:rPr lang="ru-RU" sz="5400" dirty="0">
+                <a:solidFill>
+                  <a:srgbClr val="FF4800"/>
+                </a:solidFill>
+              </a:rPr>
+              <a:t>19</a:t>
+            </a:r>
+            <a:r>
+              <a:rPr lang="ru-RU" sz="5400" dirty="0">
+                <a:solidFill>
+                  <a:srgbClr val="213233"/>
+                </a:solidFill>
+              </a:rPr>
+              <a:t> часов тестирования</a:t>
+            </a:r>
+          </a:p>
+          <a:p>
+            <a:pPr marL="0" indent="0" algn="ctr">
+              <a:buNone/>
+            </a:pPr>
+            <a:r>
+              <a:rPr lang="ru-RU" sz="5400" dirty="0">
+                <a:solidFill>
+                  <a:srgbClr val="FF4800"/>
+                </a:solidFill>
+              </a:rPr>
+              <a:t>4</a:t>
+            </a:r>
+            <a:r>
+              <a:rPr lang="ru-RU" sz="5400" dirty="0">
+                <a:solidFill>
+                  <a:srgbClr val="213233"/>
+                </a:solidFill>
+              </a:rPr>
+              <a:t> визуализированных алгоритма</a:t>
+            </a:r>
+          </a:p>
+        </p:txBody>
+      </p:sp>
+    </p:spTree>
+    <p:extLst>
+      <p:ext uri="{BB962C8B-B14F-4D97-AF65-F5344CB8AC3E}">
+        <p14:creationId xmlns:p14="http://schemas.microsoft.com/office/powerpoint/2010/main" val="214552320"/>
+      </p:ext>
+    </p:extLst>
+  </p:cSld>
+  <p:clrMapOvr>
+    <a:masterClrMapping/>
+  </p:clrMapOvr>
+</p:sld>
+</file>
+
+<file path=ppt/slides/slide30.xml><?xml version="1.0" encoding="utf-8"?>
 <p:sld xmlns:a="http://schemas.openxmlformats.org/drawingml/2006/main" xmlns:r="http://schemas.openxmlformats.org/officeDocument/2006/relationships" xmlns:p="http://schemas.openxmlformats.org/presentationml/2006/main">
   <p:cSld>
     <p:spTree>
@@ -30665,304 +30854,7 @@
 </p:sld>
 </file>
 
-<file path=ppt/slides/slide3.xml><?xml version="1.0" encoding="utf-8"?>
-<p:sld xmlns:a="http://schemas.openxmlformats.org/drawingml/2006/main" xmlns:r="http://schemas.openxmlformats.org/officeDocument/2006/relationships" xmlns:p="http://schemas.openxmlformats.org/presentationml/2006/main">
-  <p:cSld>
-    <p:spTree>
-      <p:nvGrpSpPr>
-        <p:cNvPr id="1" name=""/>
-        <p:cNvGrpSpPr/>
-        <p:nvPr/>
-      </p:nvGrpSpPr>
-      <p:grpSpPr>
-        <a:xfrm>
-          <a:off x="0" y="0"/>
-          <a:ext cx="0" cy="0"/>
-          <a:chOff x="0" y="0"/>
-          <a:chExt cx="0" cy="0"/>
-        </a:xfrm>
-      </p:grpSpPr>
-      <p:sp>
-        <p:nvSpPr>
-          <p:cNvPr id="3" name="Объект 2"/>
-          <p:cNvSpPr>
-            <a:spLocks noGrp="1"/>
-          </p:cNvSpPr>
-          <p:nvPr>
-            <p:ph idx="1"/>
-          </p:nvPr>
-        </p:nvSpPr>
-        <p:spPr>
-          <a:xfrm>
-            <a:off x="269032" y="2108717"/>
-            <a:ext cx="11653935" cy="3993502"/>
-          </a:xfrm>
-        </p:spPr>
-        <p:txBody>
-          <a:bodyPr>
-            <a:noAutofit/>
-          </a:bodyPr>
-          <a:lstStyle/>
-          <a:p>
-            <a:pPr marL="0" indent="0" algn="just">
-              <a:buNone/>
-            </a:pPr>
-            <a:r>
-              <a:rPr lang="en-US" sz="4800" dirty="0">
-                <a:solidFill>
-                  <a:srgbClr val="FF4800"/>
-                </a:solidFill>
-              </a:rPr>
-              <a:t>P </a:t>
-            </a:r>
-            <a:r>
-              <a:rPr lang="en-US" sz="4800" dirty="0">
-                <a:solidFill>
-                  <a:srgbClr val="213233"/>
-                </a:solidFill>
-              </a:rPr>
-              <a:t>– </a:t>
-            </a:r>
-            <a:r>
-              <a:rPr lang="ru-RU" sz="4800" dirty="0">
-                <a:solidFill>
-                  <a:srgbClr val="213233"/>
-                </a:solidFill>
-              </a:rPr>
-              <a:t>существует полиномиальное решение</a:t>
-            </a:r>
-          </a:p>
-          <a:p>
-            <a:pPr marL="0" indent="0" algn="just">
-              <a:buNone/>
-            </a:pPr>
-            <a:r>
-              <a:rPr lang="en-US" sz="4800" dirty="0">
-                <a:solidFill>
-                  <a:srgbClr val="FF4800"/>
-                </a:solidFill>
-              </a:rPr>
-              <a:t>NP </a:t>
-            </a:r>
-            <a:r>
-              <a:rPr lang="ru-RU" sz="4800" dirty="0">
-                <a:solidFill>
-                  <a:srgbClr val="213233"/>
-                </a:solidFill>
-              </a:rPr>
-              <a:t>– существует недетерминированное полиномиальное решение</a:t>
-            </a:r>
-            <a:endParaRPr lang="en-US" sz="4800" dirty="0">
-              <a:solidFill>
-                <a:srgbClr val="213233"/>
-              </a:solidFill>
-            </a:endParaRPr>
-          </a:p>
-          <a:p>
-            <a:pPr marL="0" indent="0" algn="just">
-              <a:buNone/>
-            </a:pPr>
-            <a:r>
-              <a:rPr lang="en-US" sz="4800" dirty="0">
-                <a:solidFill>
-                  <a:srgbClr val="FF4800"/>
-                </a:solidFill>
-              </a:rPr>
-              <a:t>NP-complete </a:t>
-            </a:r>
-            <a:r>
-              <a:rPr lang="en-US" sz="4800" dirty="0">
-                <a:solidFill>
-                  <a:srgbClr val="213233"/>
-                </a:solidFill>
-              </a:rPr>
-              <a:t>– </a:t>
-            </a:r>
-            <a:r>
-              <a:rPr lang="ru-RU" sz="4800" dirty="0">
-                <a:solidFill>
-                  <a:srgbClr val="213233"/>
-                </a:solidFill>
-              </a:rPr>
-              <a:t>одновременно</a:t>
-            </a:r>
-            <a:r>
-              <a:rPr lang="en-US" sz="4800" dirty="0">
-                <a:solidFill>
-                  <a:srgbClr val="213233"/>
-                </a:solidFill>
-              </a:rPr>
-              <a:t> </a:t>
-            </a:r>
-            <a:r>
-              <a:rPr lang="en-US" sz="4800" dirty="0">
-                <a:solidFill>
-                  <a:srgbClr val="854A44"/>
-                </a:solidFill>
-              </a:rPr>
-              <a:t>NP</a:t>
-            </a:r>
-            <a:r>
-              <a:rPr lang="en-US" sz="4800" dirty="0">
-                <a:solidFill>
-                  <a:srgbClr val="213233"/>
-                </a:solidFill>
-              </a:rPr>
-              <a:t> </a:t>
-            </a:r>
-            <a:r>
-              <a:rPr lang="ru-RU" sz="4800" dirty="0">
-                <a:solidFill>
-                  <a:srgbClr val="213233"/>
-                </a:solidFill>
-              </a:rPr>
-              <a:t>и</a:t>
-            </a:r>
-            <a:r>
-              <a:rPr lang="en-US" sz="4800" dirty="0">
-                <a:solidFill>
-                  <a:srgbClr val="213233"/>
-                </a:solidFill>
-              </a:rPr>
-              <a:t> </a:t>
-            </a:r>
-            <a:r>
-              <a:rPr lang="en-US" sz="4800" dirty="0">
-                <a:solidFill>
-                  <a:srgbClr val="854A44"/>
-                </a:solidFill>
-              </a:rPr>
-              <a:t>NP-hard</a:t>
-            </a:r>
-            <a:endParaRPr lang="ru-RU" sz="4800" dirty="0">
-              <a:solidFill>
-                <a:srgbClr val="854A44"/>
-              </a:solidFill>
-            </a:endParaRPr>
-          </a:p>
-          <a:p>
-            <a:pPr marL="0" indent="0" algn="just">
-              <a:buNone/>
-            </a:pPr>
-            <a:r>
-              <a:rPr lang="en-US" sz="4800" dirty="0">
-                <a:solidFill>
-                  <a:srgbClr val="FF4800"/>
-                </a:solidFill>
-              </a:rPr>
-              <a:t>NP-hard</a:t>
-            </a:r>
-            <a:r>
-              <a:rPr lang="ru-RU" sz="4800" dirty="0">
-                <a:solidFill>
-                  <a:srgbClr val="FF4800"/>
-                </a:solidFill>
-              </a:rPr>
-              <a:t> </a:t>
-            </a:r>
-            <a:r>
-              <a:rPr lang="en-US" sz="4800" dirty="0">
-                <a:solidFill>
-                  <a:srgbClr val="213233"/>
-                </a:solidFill>
-              </a:rPr>
-              <a:t>–</a:t>
-            </a:r>
-            <a:r>
-              <a:rPr lang="ru-RU" sz="4800" dirty="0">
-                <a:solidFill>
-                  <a:srgbClr val="213233"/>
-                </a:solidFill>
-              </a:rPr>
-              <a:t> к ней сводится</a:t>
-            </a:r>
-            <a:r>
-              <a:rPr lang="en-US" sz="4800" dirty="0">
-                <a:solidFill>
-                  <a:srgbClr val="213233"/>
-                </a:solidFill>
-              </a:rPr>
-              <a:t> </a:t>
-            </a:r>
-            <a:r>
-              <a:rPr lang="ru-RU" sz="4800" dirty="0">
-                <a:solidFill>
-                  <a:srgbClr val="213233"/>
-                </a:solidFill>
-              </a:rPr>
-              <a:t>любая </a:t>
-            </a:r>
-            <a:r>
-              <a:rPr lang="en-US" sz="4800" dirty="0">
-                <a:solidFill>
-                  <a:srgbClr val="854A44"/>
-                </a:solidFill>
-              </a:rPr>
-              <a:t>NP</a:t>
-            </a:r>
-            <a:r>
-              <a:rPr lang="ru-RU" sz="4800" dirty="0">
-                <a:solidFill>
-                  <a:srgbClr val="213233"/>
-                </a:solidFill>
-              </a:rPr>
-              <a:t> задача</a:t>
-            </a:r>
-            <a:endParaRPr lang="ru-RU" sz="4800" dirty="0">
-              <a:solidFill>
-                <a:srgbClr val="FF4800"/>
-              </a:solidFill>
-            </a:endParaRPr>
-          </a:p>
-        </p:txBody>
-      </p:sp>
-      <p:sp>
-        <p:nvSpPr>
-          <p:cNvPr id="4" name="Заголовок 1"/>
-          <p:cNvSpPr>
-            <a:spLocks noGrp="1"/>
-          </p:cNvSpPr>
-          <p:nvPr>
-            <p:ph type="title"/>
-          </p:nvPr>
-        </p:nvSpPr>
-        <p:spPr>
-          <a:xfrm>
-            <a:off x="838199" y="421109"/>
-            <a:ext cx="10515600" cy="1325563"/>
-          </a:xfrm>
-        </p:spPr>
-        <p:txBody>
-          <a:bodyPr>
-            <a:normAutofit/>
-          </a:bodyPr>
-          <a:lstStyle/>
-          <a:p>
-            <a:r>
-              <a:rPr lang="ru-RU" sz="8000" dirty="0">
-                <a:solidFill>
-                  <a:srgbClr val="213233"/>
-                </a:solidFill>
-              </a:rPr>
-              <a:t>Немного о сложности</a:t>
-            </a:r>
-          </a:p>
-        </p:txBody>
-      </p:sp>
-    </p:spTree>
-    <p:extLst>
-      <p:ext uri="{BB962C8B-B14F-4D97-AF65-F5344CB8AC3E}">
-        <p14:creationId xmlns:p14="http://schemas.microsoft.com/office/powerpoint/2010/main" val="724552698"/>
-      </p:ext>
-    </p:extLst>
-  </p:cSld>
-  <p:clrMapOvr>
-    <a:masterClrMapping/>
-  </p:clrMapOvr>
-</p:sld>
-</file>
-
-<file path=ppt/slides/slide30.xml><?xml version="1.0" encoding="utf-8"?>
+<file path=ppt/slides/slide31.xml><?xml version="1.0" encoding="utf-8"?>
 <p:sld xmlns:a="http://schemas.openxmlformats.org/drawingml/2006/main" xmlns:r="http://schemas.openxmlformats.org/officeDocument/2006/relationships" xmlns:p="http://schemas.openxmlformats.org/presentationml/2006/main">
   <p:cSld>
     <p:spTree>
@@ -31058,7 +30950,7 @@
 </p:sld>
 </file>
 
-<file path=ppt/slides/slide31.xml><?xml version="1.0" encoding="utf-8"?>
+<file path=ppt/slides/slide32.xml><?xml version="1.0" encoding="utf-8"?>
 <p:sld xmlns:a="http://schemas.openxmlformats.org/drawingml/2006/main" xmlns:r="http://schemas.openxmlformats.org/officeDocument/2006/relationships" xmlns:p="http://schemas.openxmlformats.org/presentationml/2006/main">
   <p:cSld>
     <p:spTree>
@@ -31154,7 +31046,7 @@
 </p:sld>
 </file>
 
-<file path=ppt/slides/slide32.xml><?xml version="1.0" encoding="utf-8"?>
+<file path=ppt/slides/slide33.xml><?xml version="1.0" encoding="utf-8"?>
 <p:sld xmlns:a="http://schemas.openxmlformats.org/drawingml/2006/main" xmlns:r="http://schemas.openxmlformats.org/officeDocument/2006/relationships" xmlns:p="http://schemas.openxmlformats.org/presentationml/2006/main">
   <p:cSld>
     <p:spTree>
@@ -31250,7 +31142,7 @@
 </p:sld>
 </file>
 
-<file path=ppt/slides/slide33.xml><?xml version="1.0" encoding="utf-8"?>
+<file path=ppt/slides/slide34.xml><?xml version="1.0" encoding="utf-8"?>
 <p:sld xmlns:a="http://schemas.openxmlformats.org/drawingml/2006/main" xmlns:r="http://schemas.openxmlformats.org/officeDocument/2006/relationships" xmlns:p="http://schemas.openxmlformats.org/presentationml/2006/main">
   <p:cSld>
     <p:spTree>
@@ -31305,100 +31197,6 @@
     <p:extLst>
       <p:ext uri="{BB962C8B-B14F-4D97-AF65-F5344CB8AC3E}">
         <p14:creationId xmlns:p14="http://schemas.microsoft.com/office/powerpoint/2010/main" val="548284385"/>
-      </p:ext>
-    </p:extLst>
-  </p:cSld>
-  <p:clrMapOvr>
-    <a:masterClrMapping/>
-  </p:clrMapOvr>
-</p:sld>
-</file>
-
-<file path=ppt/slides/slide34.xml><?xml version="1.0" encoding="utf-8"?>
-<p:sld xmlns:a="http://schemas.openxmlformats.org/drawingml/2006/main" xmlns:r="http://schemas.openxmlformats.org/officeDocument/2006/relationships" xmlns:p="http://schemas.openxmlformats.org/presentationml/2006/main">
-  <p:cSld>
-    <p:spTree>
-      <p:nvGrpSpPr>
-        <p:cNvPr id="1" name=""/>
-        <p:cNvGrpSpPr/>
-        <p:nvPr/>
-      </p:nvGrpSpPr>
-      <p:grpSpPr>
-        <a:xfrm>
-          <a:off x="0" y="0"/>
-          <a:ext cx="0" cy="0"/>
-          <a:chOff x="0" y="0"/>
-          <a:chExt cx="0" cy="0"/>
-        </a:xfrm>
-      </p:grpSpPr>
-      <p:sp>
-        <p:nvSpPr>
-          <p:cNvPr id="2" name="Заголовок 1"/>
-          <p:cNvSpPr>
-            <a:spLocks noGrp="1"/>
-          </p:cNvSpPr>
-          <p:nvPr>
-            <p:ph type="title"/>
-          </p:nvPr>
-        </p:nvSpPr>
-        <p:spPr/>
-        <p:txBody>
-          <a:bodyPr>
-            <a:noAutofit/>
-          </a:bodyPr>
-          <a:lstStyle/>
-          <a:p>
-            <a:r>
-              <a:rPr lang="ru-RU" sz="8000" dirty="0">
-                <a:solidFill>
-                  <a:srgbClr val="854A44"/>
-                </a:solidFill>
-              </a:rPr>
-              <a:t>Жадный алгоритм</a:t>
-            </a:r>
-          </a:p>
-        </p:txBody>
-      </p:sp>
-      <p:sp>
-        <p:nvSpPr>
-          <p:cNvPr id="3" name="Объект 2"/>
-          <p:cNvSpPr>
-            <a:spLocks noGrp="1"/>
-          </p:cNvSpPr>
-          <p:nvPr>
-            <p:ph idx="1"/>
-          </p:nvPr>
-        </p:nvSpPr>
-        <p:spPr>
-          <a:xfrm>
-            <a:off x="838200" y="2702703"/>
-            <a:ext cx="10515600" cy="2625077"/>
-          </a:xfrm>
-        </p:spPr>
-        <p:txBody>
-          <a:bodyPr>
-            <a:normAutofit/>
-          </a:bodyPr>
-          <a:lstStyle/>
-          <a:p>
-            <a:pPr marL="0" indent="0">
-              <a:buNone/>
-            </a:pPr>
-            <a:r>
-              <a:rPr lang="ru-RU" sz="5400" dirty="0">
-                <a:solidFill>
-                  <a:srgbClr val="213233"/>
-                </a:solidFill>
-              </a:rPr>
-              <a:t>На каждом шаге выбираем ближайшую не посещенную вершину.</a:t>
-            </a:r>
-          </a:p>
-        </p:txBody>
-      </p:sp>
-    </p:spTree>
-    <p:extLst>
-      <p:ext uri="{BB962C8B-B14F-4D97-AF65-F5344CB8AC3E}">
-        <p14:creationId xmlns:p14="http://schemas.microsoft.com/office/powerpoint/2010/main" val="646965217"/>
       </p:ext>
     </p:extLst>
   </p:cSld>
@@ -31465,8 +31263,8 @@
         </p:nvSpPr>
         <p:spPr>
           <a:xfrm>
-            <a:off x="838200" y="3131912"/>
-            <a:ext cx="10759751" cy="1365444"/>
+            <a:off x="838200" y="2702703"/>
+            <a:ext cx="10515600" cy="2625077"/>
           </a:xfrm>
         </p:spPr>
         <p:txBody>
@@ -31484,7 +31282,7 @@
                   <a:srgbClr val="213233"/>
                 </a:solidFill>
               </a:rPr>
-              <a:t>Стартовая вершина имеет значение</a:t>
+              <a:t>На каждом шаге выбираем ближайшую не посещенную вершину.</a:t>
             </a:r>
           </a:p>
         </p:txBody>
@@ -31492,7 +31290,7 @@
     </p:spTree>
     <p:extLst>
       <p:ext uri="{BB962C8B-B14F-4D97-AF65-F5344CB8AC3E}">
-        <p14:creationId xmlns:p14="http://schemas.microsoft.com/office/powerpoint/2010/main" val="2865577916"/>
+        <p14:creationId xmlns:p14="http://schemas.microsoft.com/office/powerpoint/2010/main" val="646965217"/>
       </p:ext>
     </p:extLst>
   </p:cSld>
@@ -31559,8 +31357,8 @@
         </p:nvSpPr>
         <p:spPr>
           <a:xfrm>
-            <a:off x="838200" y="2724539"/>
-            <a:ext cx="10759751" cy="3023118"/>
+            <a:off x="838200" y="3131912"/>
+            <a:ext cx="10759751" cy="1365444"/>
           </a:xfrm>
         </p:spPr>
         <p:txBody>
@@ -31578,71 +31376,7 @@
                   <a:srgbClr val="213233"/>
                 </a:solidFill>
               </a:rPr>
-              <a:t>Хуже оптимального не более</a:t>
-            </a:r>
-            <a:r>
-              <a:rPr lang="en-US" sz="5400" dirty="0">
-                <a:solidFill>
-                  <a:srgbClr val="213233"/>
-                </a:solidFill>
-              </a:rPr>
-              <a:t> </a:t>
-            </a:r>
-            <a:r>
-              <a:rPr lang="ru-RU" sz="5400" dirty="0">
-                <a:solidFill>
-                  <a:srgbClr val="213233"/>
-                </a:solidFill>
-              </a:rPr>
-              <a:t>чем в </a:t>
-            </a:r>
-            <a:r>
-              <a:rPr lang="en-US" sz="5400" dirty="0">
-                <a:solidFill>
-                  <a:srgbClr val="FF4800"/>
-                </a:solidFill>
-              </a:rPr>
-              <a:t>(</a:t>
-            </a:r>
-            <a:r>
-              <a:rPr lang="ru-RU" sz="5400" dirty="0">
-                <a:solidFill>
-                  <a:srgbClr val="FF4800"/>
-                </a:solidFill>
-              </a:rPr>
-              <a:t>1 + </a:t>
-            </a:r>
-            <a:r>
-              <a:rPr lang="en-US" sz="5400" dirty="0">
-                <a:solidFill>
-                  <a:srgbClr val="FF4800"/>
-                </a:solidFill>
-              </a:rPr>
-              <a:t>log</a:t>
-            </a:r>
-            <a:r>
-              <a:rPr lang="en-US" sz="5400" baseline="-25000" dirty="0">
-                <a:solidFill>
-                  <a:srgbClr val="FF4800"/>
-                </a:solidFill>
-              </a:rPr>
-              <a:t>2</a:t>
-            </a:r>
-            <a:r>
-              <a:rPr lang="en-US" sz="5400" dirty="0">
-                <a:solidFill>
-                  <a:srgbClr val="FF4800"/>
-                </a:solidFill>
-              </a:rPr>
-              <a:t>(n))/2 </a:t>
-            </a:r>
-            <a:r>
-              <a:rPr lang="ru-RU" sz="5400" dirty="0">
-                <a:solidFill>
-                  <a:srgbClr val="213233"/>
-                </a:solidFill>
-              </a:rPr>
-              <a:t>раз.</a:t>
+              <a:t>Стартовая вершина имеет значение</a:t>
             </a:r>
           </a:p>
         </p:txBody>
@@ -31650,7 +31384,7 @@
     </p:spTree>
     <p:extLst>
       <p:ext uri="{BB962C8B-B14F-4D97-AF65-F5344CB8AC3E}">
-        <p14:creationId xmlns:p14="http://schemas.microsoft.com/office/powerpoint/2010/main" val="3536988747"/>
+        <p14:creationId xmlns:p14="http://schemas.microsoft.com/office/powerpoint/2010/main" val="2865577916"/>
       </p:ext>
     </p:extLst>
   </p:cSld>
@@ -31707,289 +31441,108 @@
       </p:sp>
       <p:sp>
         <p:nvSpPr>
-          <p:cNvPr id="5" name="Объект 2"/>
-          <p:cNvSpPr txBox="1">
-            <a:spLocks/>
+          <p:cNvPr id="3" name="Объект 2"/>
+          <p:cNvSpPr>
+            <a:spLocks noGrp="1"/>
           </p:cNvSpPr>
-          <p:nvPr/>
+          <p:nvPr>
+            <p:ph idx="1"/>
+          </p:nvPr>
         </p:nvSpPr>
         <p:spPr>
           <a:xfrm>
-            <a:off x="838200" y="2600066"/>
-            <a:ext cx="10515600" cy="3278220"/>
+            <a:off x="838200" y="2724539"/>
+            <a:ext cx="10759751" cy="3023118"/>
           </a:xfrm>
-          <a:prstGeom prst="rect">
-            <a:avLst/>
-          </a:prstGeom>
         </p:spPr>
         <p:txBody>
-          <a:bodyPr vert="horz" lIns="91440" tIns="45720" rIns="91440" bIns="45720" rtlCol="0">
+          <a:bodyPr>
             <a:normAutofit/>
           </a:bodyPr>
-          <a:lstStyle>
-            <a:lvl1pPr marL="228600" indent="-228600" algn="l" defTabSz="914400" rtl="0" eaLnBrk="1" latinLnBrk="0" hangingPunct="1">
-              <a:lnSpc>
-                <a:spcPct val="90000"/>
-              </a:lnSpc>
-              <a:spcBef>
-                <a:spcPts val="1000"/>
-              </a:spcBef>
-              <a:buFont typeface="Arial" panose="020B0604020202020204" pitchFamily="34" charset="0"/>
-              <a:buChar char="•"/>
-              <a:defRPr sz="2800" kern="1200">
-                <a:solidFill>
-                  <a:schemeClr val="tx1"/>
-                </a:solidFill>
-                <a:latin typeface="+mn-lt"/>
-                <a:ea typeface="+mn-ea"/>
-                <a:cs typeface="+mn-cs"/>
-              </a:defRPr>
-            </a:lvl1pPr>
-            <a:lvl2pPr marL="685800" indent="-228600" algn="l" defTabSz="914400" rtl="0" eaLnBrk="1" latinLnBrk="0" hangingPunct="1">
-              <a:lnSpc>
-                <a:spcPct val="90000"/>
-              </a:lnSpc>
-              <a:spcBef>
-                <a:spcPts val="500"/>
-              </a:spcBef>
-              <a:buFont typeface="Arial" panose="020B0604020202020204" pitchFamily="34" charset="0"/>
-              <a:buChar char="•"/>
-              <a:defRPr sz="2400" kern="1200">
-                <a:solidFill>
-                  <a:schemeClr val="tx1"/>
-                </a:solidFill>
-                <a:latin typeface="+mn-lt"/>
-                <a:ea typeface="+mn-ea"/>
-                <a:cs typeface="+mn-cs"/>
-              </a:defRPr>
-            </a:lvl2pPr>
-            <a:lvl3pPr marL="1143000" indent="-228600" algn="l" defTabSz="914400" rtl="0" eaLnBrk="1" latinLnBrk="0" hangingPunct="1">
-              <a:lnSpc>
-                <a:spcPct val="90000"/>
-              </a:lnSpc>
-              <a:spcBef>
-                <a:spcPts val="500"/>
-              </a:spcBef>
-              <a:buFont typeface="Arial" panose="020B0604020202020204" pitchFamily="34" charset="0"/>
-              <a:buChar char="•"/>
-              <a:defRPr sz="2000" kern="1200">
-                <a:solidFill>
-                  <a:schemeClr val="tx1"/>
-                </a:solidFill>
-                <a:latin typeface="+mn-lt"/>
-                <a:ea typeface="+mn-ea"/>
-                <a:cs typeface="+mn-cs"/>
-              </a:defRPr>
-            </a:lvl3pPr>
-            <a:lvl4pPr marL="1600200" indent="-228600" algn="l" defTabSz="914400" rtl="0" eaLnBrk="1" latinLnBrk="0" hangingPunct="1">
-              <a:lnSpc>
-                <a:spcPct val="90000"/>
-              </a:lnSpc>
-              <a:spcBef>
-                <a:spcPts val="500"/>
-              </a:spcBef>
-              <a:buFont typeface="Arial" panose="020B0604020202020204" pitchFamily="34" charset="0"/>
-              <a:buChar char="•"/>
-              <a:defRPr sz="1800" kern="1200">
-                <a:solidFill>
-                  <a:schemeClr val="tx1"/>
-                </a:solidFill>
-                <a:latin typeface="+mn-lt"/>
-                <a:ea typeface="+mn-ea"/>
-                <a:cs typeface="+mn-cs"/>
-              </a:defRPr>
-            </a:lvl4pPr>
-            <a:lvl5pPr marL="2057400" indent="-228600" algn="l" defTabSz="914400" rtl="0" eaLnBrk="1" latinLnBrk="0" hangingPunct="1">
-              <a:lnSpc>
-                <a:spcPct val="90000"/>
-              </a:lnSpc>
-              <a:spcBef>
-                <a:spcPts val="500"/>
-              </a:spcBef>
-              <a:buFont typeface="Arial" panose="020B0604020202020204" pitchFamily="34" charset="0"/>
-              <a:buChar char="•"/>
-              <a:defRPr sz="1800" kern="1200">
-                <a:solidFill>
-                  <a:schemeClr val="tx1"/>
-                </a:solidFill>
-                <a:latin typeface="+mn-lt"/>
-                <a:ea typeface="+mn-ea"/>
-                <a:cs typeface="+mn-cs"/>
-              </a:defRPr>
-            </a:lvl5pPr>
-            <a:lvl6pPr marL="2514600" indent="-228600" algn="l" defTabSz="914400" rtl="0" eaLnBrk="1" latinLnBrk="0" hangingPunct="1">
-              <a:lnSpc>
-                <a:spcPct val="90000"/>
-              </a:lnSpc>
-              <a:spcBef>
-                <a:spcPts val="500"/>
-              </a:spcBef>
-              <a:buFont typeface="Arial" panose="020B0604020202020204" pitchFamily="34" charset="0"/>
-              <a:buChar char="•"/>
-              <a:defRPr sz="1800" kern="1200">
-                <a:solidFill>
-                  <a:schemeClr val="tx1"/>
-                </a:solidFill>
-                <a:latin typeface="+mn-lt"/>
-                <a:ea typeface="+mn-ea"/>
-                <a:cs typeface="+mn-cs"/>
-              </a:defRPr>
-            </a:lvl6pPr>
-            <a:lvl7pPr marL="2971800" indent="-228600" algn="l" defTabSz="914400" rtl="0" eaLnBrk="1" latinLnBrk="0" hangingPunct="1">
-              <a:lnSpc>
-                <a:spcPct val="90000"/>
-              </a:lnSpc>
-              <a:spcBef>
-                <a:spcPts val="500"/>
-              </a:spcBef>
-              <a:buFont typeface="Arial" panose="020B0604020202020204" pitchFamily="34" charset="0"/>
-              <a:buChar char="•"/>
-              <a:defRPr sz="1800" kern="1200">
-                <a:solidFill>
-                  <a:schemeClr val="tx1"/>
-                </a:solidFill>
-                <a:latin typeface="+mn-lt"/>
-                <a:ea typeface="+mn-ea"/>
-                <a:cs typeface="+mn-cs"/>
-              </a:defRPr>
-            </a:lvl7pPr>
-            <a:lvl8pPr marL="3429000" indent="-228600" algn="l" defTabSz="914400" rtl="0" eaLnBrk="1" latinLnBrk="0" hangingPunct="1">
-              <a:lnSpc>
-                <a:spcPct val="90000"/>
-              </a:lnSpc>
-              <a:spcBef>
-                <a:spcPts val="500"/>
-              </a:spcBef>
-              <a:buFont typeface="Arial" panose="020B0604020202020204" pitchFamily="34" charset="0"/>
-              <a:buChar char="•"/>
-              <a:defRPr sz="1800" kern="1200">
-                <a:solidFill>
-                  <a:schemeClr val="tx1"/>
-                </a:solidFill>
-                <a:latin typeface="+mn-lt"/>
-                <a:ea typeface="+mn-ea"/>
-                <a:cs typeface="+mn-cs"/>
-              </a:defRPr>
-            </a:lvl8pPr>
-            <a:lvl9pPr marL="3886200" indent="-228600" algn="l" defTabSz="914400" rtl="0" eaLnBrk="1" latinLnBrk="0" hangingPunct="1">
-              <a:lnSpc>
-                <a:spcPct val="90000"/>
-              </a:lnSpc>
-              <a:spcBef>
-                <a:spcPts val="500"/>
-              </a:spcBef>
-              <a:buFont typeface="Arial" panose="020B0604020202020204" pitchFamily="34" charset="0"/>
-              <a:buChar char="•"/>
-              <a:defRPr sz="1800" kern="1200">
-                <a:solidFill>
-                  <a:schemeClr val="tx1"/>
-                </a:solidFill>
-                <a:latin typeface="+mn-lt"/>
-                <a:ea typeface="+mn-ea"/>
-                <a:cs typeface="+mn-cs"/>
-              </a:defRPr>
-            </a:lvl9pPr>
-          </a:lstStyle>
+          <a:lstStyle/>
           <a:p>
-            <a:r>
-              <a:rPr lang="ru-RU" sz="6000" dirty="0">
+            <a:pPr marL="0" indent="0">
+              <a:buNone/>
+            </a:pPr>
+            <a:r>
+              <a:rPr lang="ru-RU" sz="5400" dirty="0">
+                <a:solidFill>
+                  <a:srgbClr val="213233"/>
+                </a:solidFill>
+              </a:rPr>
+              <a:t>Хуже оптимального не более</a:t>
+            </a:r>
+            <a:r>
+              <a:rPr lang="en-US" sz="5400" dirty="0">
+                <a:solidFill>
+                  <a:srgbClr val="213233"/>
+                </a:solidFill>
+              </a:rPr>
+              <a:t> </a:t>
+            </a:r>
+            <a:r>
+              <a:rPr lang="ru-RU" sz="5400" dirty="0">
+                <a:solidFill>
+                  <a:srgbClr val="213233"/>
+                </a:solidFill>
+              </a:rPr>
+              <a:t>чем в </a:t>
+            </a:r>
+            <a:r>
+              <a:rPr lang="en-US" sz="5400" dirty="0">
                 <a:solidFill>
                   <a:srgbClr val="FF4800"/>
                 </a:solidFill>
               </a:rPr>
-              <a:t> </a:t>
-            </a:r>
-            <a:r>
-              <a:rPr lang="ru-RU" sz="6000" dirty="0">
+              <a:t>(</a:t>
+            </a:r>
+            <a:r>
+              <a:rPr lang="ru-RU" sz="5400" dirty="0">
+                <a:solidFill>
+                  <a:srgbClr val="FF4800"/>
+                </a:solidFill>
+              </a:rPr>
+              <a:t>1 + </a:t>
+            </a:r>
+            <a:r>
+              <a:rPr lang="en-US" sz="5400" dirty="0">
+                <a:solidFill>
+                  <a:srgbClr val="FF4800"/>
+                </a:solidFill>
+              </a:rPr>
+              <a:t>log</a:t>
+            </a:r>
+            <a:r>
+              <a:rPr lang="en-US" sz="5400" baseline="-25000" dirty="0">
+                <a:solidFill>
+                  <a:srgbClr val="FF4800"/>
+                </a:solidFill>
+              </a:rPr>
+              <a:t>2</a:t>
+            </a:r>
+            <a:r>
+              <a:rPr lang="en-US" sz="5400" dirty="0">
+                <a:solidFill>
+                  <a:srgbClr val="FF4800"/>
+                </a:solidFill>
+              </a:rPr>
+              <a:t>(n))/2 </a:t>
+            </a:r>
+            <a:r>
+              <a:rPr lang="ru-RU" sz="5400" dirty="0">
                 <a:solidFill>
                   <a:srgbClr val="213233"/>
                 </a:solidFill>
               </a:rPr>
-              <a:t>Время работы </a:t>
-            </a:r>
-            <a:r>
-              <a:rPr lang="en-US" sz="6000" dirty="0">
-                <a:solidFill>
-                  <a:srgbClr val="FF4800"/>
-                </a:solidFill>
-              </a:rPr>
-              <a:t>O</a:t>
-            </a:r>
-            <a:r>
-              <a:rPr lang="ru-RU" sz="6000" dirty="0">
-                <a:solidFill>
-                  <a:srgbClr val="FF4800"/>
-                </a:solidFill>
-              </a:rPr>
-              <a:t>(</a:t>
-            </a:r>
-            <a:r>
-              <a:rPr lang="en-US" sz="6000" dirty="0">
-                <a:solidFill>
-                  <a:srgbClr val="FF4800"/>
-                </a:solidFill>
-              </a:rPr>
-              <a:t>n</a:t>
-            </a:r>
-            <a:r>
-              <a:rPr lang="ru-RU" sz="6000" baseline="30000" dirty="0">
-                <a:solidFill>
-                  <a:srgbClr val="FF4800"/>
-                </a:solidFill>
-              </a:rPr>
-              <a:t>3</a:t>
-            </a:r>
-            <a:r>
-              <a:rPr lang="ru-RU" sz="6000" dirty="0">
-                <a:solidFill>
-                  <a:srgbClr val="FF4800"/>
-                </a:solidFill>
-              </a:rPr>
-              <a:t>)</a:t>
-            </a:r>
-            <a:endParaRPr lang="en-US" sz="6000" dirty="0">
-              <a:solidFill>
-                <a:srgbClr val="FF4800"/>
-              </a:solidFill>
-            </a:endParaRPr>
-          </a:p>
-          <a:p>
-            <a:r>
-              <a:rPr lang="en-US" sz="6000" dirty="0">
-                <a:solidFill>
-                  <a:srgbClr val="FF4800"/>
-                </a:solidFill>
-              </a:rPr>
-              <a:t> </a:t>
-            </a:r>
-            <a:r>
-              <a:rPr lang="ru-RU" sz="6000" dirty="0">
-                <a:solidFill>
-                  <a:srgbClr val="213233"/>
-                </a:solidFill>
-              </a:rPr>
-              <a:t>Затраты памяти </a:t>
-            </a:r>
-            <a:r>
-              <a:rPr lang="en-US" sz="6000" dirty="0">
-                <a:solidFill>
-                  <a:srgbClr val="FF4800"/>
-                </a:solidFill>
-              </a:rPr>
-              <a:t>O(n)</a:t>
-            </a:r>
-            <a:endParaRPr lang="ru-RU" sz="6000" dirty="0">
-              <a:solidFill>
-                <a:srgbClr val="FF4800"/>
-              </a:solidFill>
-            </a:endParaRPr>
+              <a:t>раз.</a:t>
+            </a:r>
           </a:p>
         </p:txBody>
       </p:sp>
     </p:spTree>
     <p:extLst>
       <p:ext uri="{BB962C8B-B14F-4D97-AF65-F5344CB8AC3E}">
-        <p14:creationId xmlns:p14="http://schemas.microsoft.com/office/powerpoint/2010/main" val="3183330877"/>
+        <p14:creationId xmlns:p14="http://schemas.microsoft.com/office/powerpoint/2010/main" val="3536988747"/>
       </p:ext>
     </p:extLst>
   </p:cSld>
@@ -32029,7 +31582,7 @@
         <p:spPr/>
         <p:txBody>
           <a:bodyPr>
-            <a:normAutofit/>
+            <a:noAutofit/>
           </a:bodyPr>
           <a:lstStyle/>
           <a:p>
@@ -32044,35 +31597,291 @@
           </a:p>
         </p:txBody>
       </p:sp>
-      <p:graphicFrame>
-        <p:nvGraphicFramePr>
-          <p:cNvPr id="6" name="Объект 5"/>
-          <p:cNvGraphicFramePr>
-            <a:graphicFrameLocks noGrp="1"/>
-          </p:cNvGraphicFramePr>
-          <p:nvPr>
-            <p:ph idx="1"/>
-            <p:extLst>
-              <p:ext uri="{D42A27DB-BD31-4B8C-83A1-F6EECF244321}">
-                <p14:modId xmlns:p14="http://schemas.microsoft.com/office/powerpoint/2010/main" val="3702787691"/>
-              </p:ext>
-            </p:extLst>
-          </p:nvPr>
-        </p:nvGraphicFramePr>
-        <p:xfrm>
-          <a:off x="838200" y="1825625"/>
-          <a:ext cx="10515600" cy="4351338"/>
-        </p:xfrm>
-        <a:graphic>
-          <a:graphicData uri="http://schemas.openxmlformats.org/drawingml/2006/chart">
-            <c:chart xmlns:c="http://schemas.openxmlformats.org/drawingml/2006/chart" xmlns:r="http://schemas.openxmlformats.org/officeDocument/2006/relationships" r:id="rId2"/>
-          </a:graphicData>
-        </a:graphic>
-      </p:graphicFrame>
+      <p:sp>
+        <p:nvSpPr>
+          <p:cNvPr id="5" name="Объект 2"/>
+          <p:cNvSpPr txBox="1">
+            <a:spLocks/>
+          </p:cNvSpPr>
+          <p:nvPr/>
+        </p:nvSpPr>
+        <p:spPr>
+          <a:xfrm>
+            <a:off x="838200" y="2600066"/>
+            <a:ext cx="10515600" cy="3278220"/>
+          </a:xfrm>
+          <a:prstGeom prst="rect">
+            <a:avLst/>
+          </a:prstGeom>
+        </p:spPr>
+        <p:txBody>
+          <a:bodyPr vert="horz" lIns="91440" tIns="45720" rIns="91440" bIns="45720" rtlCol="0">
+            <a:normAutofit/>
+          </a:bodyPr>
+          <a:lstStyle>
+            <a:lvl1pPr marL="228600" indent="-228600" algn="l" defTabSz="914400" rtl="0" eaLnBrk="1" latinLnBrk="0" hangingPunct="1">
+              <a:lnSpc>
+                <a:spcPct val="90000"/>
+              </a:lnSpc>
+              <a:spcBef>
+                <a:spcPts val="1000"/>
+              </a:spcBef>
+              <a:buFont typeface="Arial" panose="020B0604020202020204" pitchFamily="34" charset="0"/>
+              <a:buChar char="•"/>
+              <a:defRPr sz="2800" kern="1200">
+                <a:solidFill>
+                  <a:schemeClr val="tx1"/>
+                </a:solidFill>
+                <a:latin typeface="+mn-lt"/>
+                <a:ea typeface="+mn-ea"/>
+                <a:cs typeface="+mn-cs"/>
+              </a:defRPr>
+            </a:lvl1pPr>
+            <a:lvl2pPr marL="685800" indent="-228600" algn="l" defTabSz="914400" rtl="0" eaLnBrk="1" latinLnBrk="0" hangingPunct="1">
+              <a:lnSpc>
+                <a:spcPct val="90000"/>
+              </a:lnSpc>
+              <a:spcBef>
+                <a:spcPts val="500"/>
+              </a:spcBef>
+              <a:buFont typeface="Arial" panose="020B0604020202020204" pitchFamily="34" charset="0"/>
+              <a:buChar char="•"/>
+              <a:defRPr sz="2400" kern="1200">
+                <a:solidFill>
+                  <a:schemeClr val="tx1"/>
+                </a:solidFill>
+                <a:latin typeface="+mn-lt"/>
+                <a:ea typeface="+mn-ea"/>
+                <a:cs typeface="+mn-cs"/>
+              </a:defRPr>
+            </a:lvl2pPr>
+            <a:lvl3pPr marL="1143000" indent="-228600" algn="l" defTabSz="914400" rtl="0" eaLnBrk="1" latinLnBrk="0" hangingPunct="1">
+              <a:lnSpc>
+                <a:spcPct val="90000"/>
+              </a:lnSpc>
+              <a:spcBef>
+                <a:spcPts val="500"/>
+              </a:spcBef>
+              <a:buFont typeface="Arial" panose="020B0604020202020204" pitchFamily="34" charset="0"/>
+              <a:buChar char="•"/>
+              <a:defRPr sz="2000" kern="1200">
+                <a:solidFill>
+                  <a:schemeClr val="tx1"/>
+                </a:solidFill>
+                <a:latin typeface="+mn-lt"/>
+                <a:ea typeface="+mn-ea"/>
+                <a:cs typeface="+mn-cs"/>
+              </a:defRPr>
+            </a:lvl3pPr>
+            <a:lvl4pPr marL="1600200" indent="-228600" algn="l" defTabSz="914400" rtl="0" eaLnBrk="1" latinLnBrk="0" hangingPunct="1">
+              <a:lnSpc>
+                <a:spcPct val="90000"/>
+              </a:lnSpc>
+              <a:spcBef>
+                <a:spcPts val="500"/>
+              </a:spcBef>
+              <a:buFont typeface="Arial" panose="020B0604020202020204" pitchFamily="34" charset="0"/>
+              <a:buChar char="•"/>
+              <a:defRPr sz="1800" kern="1200">
+                <a:solidFill>
+                  <a:schemeClr val="tx1"/>
+                </a:solidFill>
+                <a:latin typeface="+mn-lt"/>
+                <a:ea typeface="+mn-ea"/>
+                <a:cs typeface="+mn-cs"/>
+              </a:defRPr>
+            </a:lvl4pPr>
+            <a:lvl5pPr marL="2057400" indent="-228600" algn="l" defTabSz="914400" rtl="0" eaLnBrk="1" latinLnBrk="0" hangingPunct="1">
+              <a:lnSpc>
+                <a:spcPct val="90000"/>
+              </a:lnSpc>
+              <a:spcBef>
+                <a:spcPts val="500"/>
+              </a:spcBef>
+              <a:buFont typeface="Arial" panose="020B0604020202020204" pitchFamily="34" charset="0"/>
+              <a:buChar char="•"/>
+              <a:defRPr sz="1800" kern="1200">
+                <a:solidFill>
+                  <a:schemeClr val="tx1"/>
+                </a:solidFill>
+                <a:latin typeface="+mn-lt"/>
+                <a:ea typeface="+mn-ea"/>
+                <a:cs typeface="+mn-cs"/>
+              </a:defRPr>
+            </a:lvl5pPr>
+            <a:lvl6pPr marL="2514600" indent="-228600" algn="l" defTabSz="914400" rtl="0" eaLnBrk="1" latinLnBrk="0" hangingPunct="1">
+              <a:lnSpc>
+                <a:spcPct val="90000"/>
+              </a:lnSpc>
+              <a:spcBef>
+                <a:spcPts val="500"/>
+              </a:spcBef>
+              <a:buFont typeface="Arial" panose="020B0604020202020204" pitchFamily="34" charset="0"/>
+              <a:buChar char="•"/>
+              <a:defRPr sz="1800" kern="1200">
+                <a:solidFill>
+                  <a:schemeClr val="tx1"/>
+                </a:solidFill>
+                <a:latin typeface="+mn-lt"/>
+                <a:ea typeface="+mn-ea"/>
+                <a:cs typeface="+mn-cs"/>
+              </a:defRPr>
+            </a:lvl6pPr>
+            <a:lvl7pPr marL="2971800" indent="-228600" algn="l" defTabSz="914400" rtl="0" eaLnBrk="1" latinLnBrk="0" hangingPunct="1">
+              <a:lnSpc>
+                <a:spcPct val="90000"/>
+              </a:lnSpc>
+              <a:spcBef>
+                <a:spcPts val="500"/>
+              </a:spcBef>
+              <a:buFont typeface="Arial" panose="020B0604020202020204" pitchFamily="34" charset="0"/>
+              <a:buChar char="•"/>
+              <a:defRPr sz="1800" kern="1200">
+                <a:solidFill>
+                  <a:schemeClr val="tx1"/>
+                </a:solidFill>
+                <a:latin typeface="+mn-lt"/>
+                <a:ea typeface="+mn-ea"/>
+                <a:cs typeface="+mn-cs"/>
+              </a:defRPr>
+            </a:lvl7pPr>
+            <a:lvl8pPr marL="3429000" indent="-228600" algn="l" defTabSz="914400" rtl="0" eaLnBrk="1" latinLnBrk="0" hangingPunct="1">
+              <a:lnSpc>
+                <a:spcPct val="90000"/>
+              </a:lnSpc>
+              <a:spcBef>
+                <a:spcPts val="500"/>
+              </a:spcBef>
+              <a:buFont typeface="Arial" panose="020B0604020202020204" pitchFamily="34" charset="0"/>
+              <a:buChar char="•"/>
+              <a:defRPr sz="1800" kern="1200">
+                <a:solidFill>
+                  <a:schemeClr val="tx1"/>
+                </a:solidFill>
+                <a:latin typeface="+mn-lt"/>
+                <a:ea typeface="+mn-ea"/>
+                <a:cs typeface="+mn-cs"/>
+              </a:defRPr>
+            </a:lvl8pPr>
+            <a:lvl9pPr marL="3886200" indent="-228600" algn="l" defTabSz="914400" rtl="0" eaLnBrk="1" latinLnBrk="0" hangingPunct="1">
+              <a:lnSpc>
+                <a:spcPct val="90000"/>
+              </a:lnSpc>
+              <a:spcBef>
+                <a:spcPts val="500"/>
+              </a:spcBef>
+              <a:buFont typeface="Arial" panose="020B0604020202020204" pitchFamily="34" charset="0"/>
+              <a:buChar char="•"/>
+              <a:defRPr sz="1800" kern="1200">
+                <a:solidFill>
+                  <a:schemeClr val="tx1"/>
+                </a:solidFill>
+                <a:latin typeface="+mn-lt"/>
+                <a:ea typeface="+mn-ea"/>
+                <a:cs typeface="+mn-cs"/>
+              </a:defRPr>
+            </a:lvl9pPr>
+          </a:lstStyle>
+          <a:p>
+            <a:r>
+              <a:rPr lang="ru-RU" sz="6000" dirty="0">
+                <a:solidFill>
+                  <a:srgbClr val="FF4800"/>
+                </a:solidFill>
+              </a:rPr>
+              <a:t> </a:t>
+            </a:r>
+            <a:r>
+              <a:rPr lang="ru-RU" sz="6000" dirty="0">
+                <a:solidFill>
+                  <a:srgbClr val="213233"/>
+                </a:solidFill>
+              </a:rPr>
+              <a:t>Время работы </a:t>
+            </a:r>
+            <a:r>
+              <a:rPr lang="en-US" sz="6000" dirty="0">
+                <a:solidFill>
+                  <a:srgbClr val="FF4800"/>
+                </a:solidFill>
+              </a:rPr>
+              <a:t>O</a:t>
+            </a:r>
+            <a:r>
+              <a:rPr lang="ru-RU" sz="6000" dirty="0">
+                <a:solidFill>
+                  <a:srgbClr val="FF4800"/>
+                </a:solidFill>
+              </a:rPr>
+              <a:t>(</a:t>
+            </a:r>
+            <a:r>
+              <a:rPr lang="en-US" sz="6000" dirty="0">
+                <a:solidFill>
+                  <a:srgbClr val="FF4800"/>
+                </a:solidFill>
+              </a:rPr>
+              <a:t>n</a:t>
+            </a:r>
+            <a:r>
+              <a:rPr lang="ru-RU" sz="6000" baseline="30000" dirty="0">
+                <a:solidFill>
+                  <a:srgbClr val="FF4800"/>
+                </a:solidFill>
+              </a:rPr>
+              <a:t>3</a:t>
+            </a:r>
+            <a:r>
+              <a:rPr lang="ru-RU" sz="6000" dirty="0">
+                <a:solidFill>
+                  <a:srgbClr val="FF4800"/>
+                </a:solidFill>
+              </a:rPr>
+              <a:t>)</a:t>
+            </a:r>
+            <a:endParaRPr lang="en-US" sz="6000" dirty="0">
+              <a:solidFill>
+                <a:srgbClr val="FF4800"/>
+              </a:solidFill>
+            </a:endParaRPr>
+          </a:p>
+          <a:p>
+            <a:r>
+              <a:rPr lang="en-US" sz="6000" dirty="0">
+                <a:solidFill>
+                  <a:srgbClr val="FF4800"/>
+                </a:solidFill>
+              </a:rPr>
+              <a:t> </a:t>
+            </a:r>
+            <a:r>
+              <a:rPr lang="ru-RU" sz="6000" dirty="0">
+                <a:solidFill>
+                  <a:srgbClr val="213233"/>
+                </a:solidFill>
+              </a:rPr>
+              <a:t>Затраты памяти </a:t>
+            </a:r>
+            <a:r>
+              <a:rPr lang="en-US" sz="6000" dirty="0">
+                <a:solidFill>
+                  <a:srgbClr val="FF4800"/>
+                </a:solidFill>
+              </a:rPr>
+              <a:t>O(n)</a:t>
+            </a:r>
+            <a:endParaRPr lang="ru-RU" sz="6000" dirty="0">
+              <a:solidFill>
+                <a:srgbClr val="FF4800"/>
+              </a:solidFill>
+            </a:endParaRPr>
+          </a:p>
+        </p:txBody>
+      </p:sp>
     </p:spTree>
     <p:extLst>
       <p:ext uri="{BB962C8B-B14F-4D97-AF65-F5344CB8AC3E}">
-        <p14:creationId xmlns:p14="http://schemas.microsoft.com/office/powerpoint/2010/main" val="1446183196"/>
+        <p14:creationId xmlns:p14="http://schemas.microsoft.com/office/powerpoint/2010/main" val="3183330877"/>
       </p:ext>
     </p:extLst>
   </p:cSld>
@@ -32137,6 +31946,386 @@
             <p:ph idx="1"/>
             <p:extLst>
               <p:ext uri="{D42A27DB-BD31-4B8C-83A1-F6EECF244321}">
+                <p14:modId xmlns:p14="http://schemas.microsoft.com/office/powerpoint/2010/main" val="3702787691"/>
+              </p:ext>
+            </p:extLst>
+          </p:nvPr>
+        </p:nvGraphicFramePr>
+        <p:xfrm>
+          <a:off x="838200" y="1825625"/>
+          <a:ext cx="10515600" cy="4351338"/>
+        </p:xfrm>
+        <a:graphic>
+          <a:graphicData uri="http://schemas.openxmlformats.org/drawingml/2006/chart">
+            <c:chart xmlns:c="http://schemas.openxmlformats.org/drawingml/2006/chart" xmlns:r="http://schemas.openxmlformats.org/officeDocument/2006/relationships" r:id="rId2"/>
+          </a:graphicData>
+        </a:graphic>
+      </p:graphicFrame>
+    </p:spTree>
+    <p:extLst>
+      <p:ext uri="{BB962C8B-B14F-4D97-AF65-F5344CB8AC3E}">
+        <p14:creationId xmlns:p14="http://schemas.microsoft.com/office/powerpoint/2010/main" val="1446183196"/>
+      </p:ext>
+    </p:extLst>
+  </p:cSld>
+  <p:clrMapOvr>
+    <a:masterClrMapping/>
+  </p:clrMapOvr>
+</p:sld>
+</file>
+
+<file path=ppt/slides/slide4.xml><?xml version="1.0" encoding="utf-8"?>
+<p:sld xmlns:a="http://schemas.openxmlformats.org/drawingml/2006/main" xmlns:r="http://schemas.openxmlformats.org/officeDocument/2006/relationships" xmlns:p="http://schemas.openxmlformats.org/presentationml/2006/main">
+  <p:cSld>
+    <p:spTree>
+      <p:nvGrpSpPr>
+        <p:cNvPr id="1" name=""/>
+        <p:cNvGrpSpPr/>
+        <p:nvPr/>
+      </p:nvGrpSpPr>
+      <p:grpSpPr>
+        <a:xfrm>
+          <a:off x="0" y="0"/>
+          <a:ext cx="0" cy="0"/>
+          <a:chOff x="0" y="0"/>
+          <a:chExt cx="0" cy="0"/>
+        </a:xfrm>
+      </p:grpSpPr>
+      <p:sp>
+        <p:nvSpPr>
+          <p:cNvPr id="3" name="Объект 2"/>
+          <p:cNvSpPr>
+            <a:spLocks noGrp="1"/>
+          </p:cNvSpPr>
+          <p:nvPr>
+            <p:ph idx="1"/>
+          </p:nvPr>
+        </p:nvSpPr>
+        <p:spPr>
+          <a:xfrm>
+            <a:off x="269032" y="2108717"/>
+            <a:ext cx="11653935" cy="3993502"/>
+          </a:xfrm>
+        </p:spPr>
+        <p:txBody>
+          <a:bodyPr>
+            <a:noAutofit/>
+          </a:bodyPr>
+          <a:lstStyle/>
+          <a:p>
+            <a:pPr marL="0" indent="0" algn="just">
+              <a:buNone/>
+            </a:pPr>
+            <a:r>
+              <a:rPr lang="en-US" sz="4800" dirty="0">
+                <a:solidFill>
+                  <a:srgbClr val="FF4800"/>
+                </a:solidFill>
+              </a:rPr>
+              <a:t>P </a:t>
+            </a:r>
+            <a:r>
+              <a:rPr lang="en-US" sz="4800" dirty="0">
+                <a:solidFill>
+                  <a:srgbClr val="213233"/>
+                </a:solidFill>
+              </a:rPr>
+              <a:t>– </a:t>
+            </a:r>
+            <a:r>
+              <a:rPr lang="ru-RU" sz="4800" dirty="0">
+                <a:solidFill>
+                  <a:srgbClr val="213233"/>
+                </a:solidFill>
+              </a:rPr>
+              <a:t>существует полиномиальное решение</a:t>
+            </a:r>
+          </a:p>
+          <a:p>
+            <a:pPr marL="0" indent="0" algn="just">
+              <a:buNone/>
+            </a:pPr>
+            <a:r>
+              <a:rPr lang="en-US" sz="4800" dirty="0">
+                <a:solidFill>
+                  <a:srgbClr val="FF4800"/>
+                </a:solidFill>
+              </a:rPr>
+              <a:t>NP </a:t>
+            </a:r>
+            <a:r>
+              <a:rPr lang="ru-RU" sz="4800" dirty="0">
+                <a:solidFill>
+                  <a:srgbClr val="213233"/>
+                </a:solidFill>
+              </a:rPr>
+              <a:t>– существует недетерминированное полиномиальное решение</a:t>
+            </a:r>
+            <a:endParaRPr lang="en-US" sz="4800" dirty="0">
+              <a:solidFill>
+                <a:srgbClr val="213233"/>
+              </a:solidFill>
+            </a:endParaRPr>
+          </a:p>
+          <a:p>
+            <a:pPr marL="0" indent="0" algn="just">
+              <a:buNone/>
+            </a:pPr>
+            <a:r>
+              <a:rPr lang="en-US" sz="4800" dirty="0">
+                <a:solidFill>
+                  <a:srgbClr val="FF4800"/>
+                </a:solidFill>
+              </a:rPr>
+              <a:t>NP-complete </a:t>
+            </a:r>
+            <a:r>
+              <a:rPr lang="en-US" sz="4800" dirty="0">
+                <a:solidFill>
+                  <a:srgbClr val="213233"/>
+                </a:solidFill>
+              </a:rPr>
+              <a:t>– </a:t>
+            </a:r>
+            <a:r>
+              <a:rPr lang="ru-RU" sz="4800" dirty="0">
+                <a:solidFill>
+                  <a:srgbClr val="213233"/>
+                </a:solidFill>
+              </a:rPr>
+              <a:t>одновременно</a:t>
+            </a:r>
+            <a:r>
+              <a:rPr lang="en-US" sz="4800" dirty="0">
+                <a:solidFill>
+                  <a:srgbClr val="213233"/>
+                </a:solidFill>
+              </a:rPr>
+              <a:t> </a:t>
+            </a:r>
+            <a:r>
+              <a:rPr lang="en-US" sz="4800" dirty="0">
+                <a:solidFill>
+                  <a:srgbClr val="854A44"/>
+                </a:solidFill>
+              </a:rPr>
+              <a:t>NP</a:t>
+            </a:r>
+            <a:r>
+              <a:rPr lang="en-US" sz="4800" dirty="0">
+                <a:solidFill>
+                  <a:srgbClr val="213233"/>
+                </a:solidFill>
+              </a:rPr>
+              <a:t> </a:t>
+            </a:r>
+            <a:r>
+              <a:rPr lang="ru-RU" sz="4800" dirty="0">
+                <a:solidFill>
+                  <a:srgbClr val="213233"/>
+                </a:solidFill>
+              </a:rPr>
+              <a:t>и</a:t>
+            </a:r>
+            <a:r>
+              <a:rPr lang="en-US" sz="4800" dirty="0">
+                <a:solidFill>
+                  <a:srgbClr val="213233"/>
+                </a:solidFill>
+              </a:rPr>
+              <a:t> </a:t>
+            </a:r>
+            <a:r>
+              <a:rPr lang="en-US" sz="4800" dirty="0">
+                <a:solidFill>
+                  <a:srgbClr val="854A44"/>
+                </a:solidFill>
+              </a:rPr>
+              <a:t>NP-hard</a:t>
+            </a:r>
+            <a:endParaRPr lang="ru-RU" sz="4800" dirty="0">
+              <a:solidFill>
+                <a:srgbClr val="854A44"/>
+              </a:solidFill>
+            </a:endParaRPr>
+          </a:p>
+          <a:p>
+            <a:pPr marL="0" indent="0" algn="just">
+              <a:buNone/>
+            </a:pPr>
+            <a:r>
+              <a:rPr lang="en-US" sz="4800" dirty="0">
+                <a:solidFill>
+                  <a:srgbClr val="FF4800"/>
+                </a:solidFill>
+              </a:rPr>
+              <a:t>NP-hard</a:t>
+            </a:r>
+            <a:r>
+              <a:rPr lang="ru-RU" sz="4800" dirty="0">
+                <a:solidFill>
+                  <a:srgbClr val="FF4800"/>
+                </a:solidFill>
+              </a:rPr>
+              <a:t> </a:t>
+            </a:r>
+            <a:r>
+              <a:rPr lang="en-US" sz="4800" dirty="0">
+                <a:solidFill>
+                  <a:srgbClr val="213233"/>
+                </a:solidFill>
+              </a:rPr>
+              <a:t>–</a:t>
+            </a:r>
+            <a:r>
+              <a:rPr lang="ru-RU" sz="4800" dirty="0">
+                <a:solidFill>
+                  <a:srgbClr val="213233"/>
+                </a:solidFill>
+              </a:rPr>
+              <a:t> к ней сводится</a:t>
+            </a:r>
+            <a:r>
+              <a:rPr lang="en-US" sz="4800" dirty="0">
+                <a:solidFill>
+                  <a:srgbClr val="213233"/>
+                </a:solidFill>
+              </a:rPr>
+              <a:t> </a:t>
+            </a:r>
+            <a:r>
+              <a:rPr lang="ru-RU" sz="4800" dirty="0">
+                <a:solidFill>
+                  <a:srgbClr val="213233"/>
+                </a:solidFill>
+              </a:rPr>
+              <a:t>любая </a:t>
+            </a:r>
+            <a:r>
+              <a:rPr lang="en-US" sz="4800" dirty="0">
+                <a:solidFill>
+                  <a:srgbClr val="854A44"/>
+                </a:solidFill>
+              </a:rPr>
+              <a:t>NP</a:t>
+            </a:r>
+            <a:r>
+              <a:rPr lang="ru-RU" sz="4800" dirty="0">
+                <a:solidFill>
+                  <a:srgbClr val="213233"/>
+                </a:solidFill>
+              </a:rPr>
+              <a:t> задача</a:t>
+            </a:r>
+            <a:endParaRPr lang="ru-RU" sz="4800" dirty="0">
+              <a:solidFill>
+                <a:srgbClr val="FF4800"/>
+              </a:solidFill>
+            </a:endParaRPr>
+          </a:p>
+        </p:txBody>
+      </p:sp>
+      <p:sp>
+        <p:nvSpPr>
+          <p:cNvPr id="4" name="Заголовок 1"/>
+          <p:cNvSpPr>
+            <a:spLocks noGrp="1"/>
+          </p:cNvSpPr>
+          <p:nvPr>
+            <p:ph type="title"/>
+          </p:nvPr>
+        </p:nvSpPr>
+        <p:spPr>
+          <a:xfrm>
+            <a:off x="838199" y="421109"/>
+            <a:ext cx="10515600" cy="1325563"/>
+          </a:xfrm>
+        </p:spPr>
+        <p:txBody>
+          <a:bodyPr>
+            <a:normAutofit/>
+          </a:bodyPr>
+          <a:lstStyle/>
+          <a:p>
+            <a:r>
+              <a:rPr lang="ru-RU" sz="8000" dirty="0">
+                <a:solidFill>
+                  <a:srgbClr val="213233"/>
+                </a:solidFill>
+              </a:rPr>
+              <a:t>Немного о сложности</a:t>
+            </a:r>
+          </a:p>
+        </p:txBody>
+      </p:sp>
+    </p:spTree>
+    <p:extLst>
+      <p:ext uri="{BB962C8B-B14F-4D97-AF65-F5344CB8AC3E}">
+        <p14:creationId xmlns:p14="http://schemas.microsoft.com/office/powerpoint/2010/main" val="724552698"/>
+      </p:ext>
+    </p:extLst>
+  </p:cSld>
+  <p:clrMapOvr>
+    <a:masterClrMapping/>
+  </p:clrMapOvr>
+</p:sld>
+</file>
+
+<file path=ppt/slides/slide40.xml><?xml version="1.0" encoding="utf-8"?>
+<p:sld xmlns:a="http://schemas.openxmlformats.org/drawingml/2006/main" xmlns:r="http://schemas.openxmlformats.org/officeDocument/2006/relationships" xmlns:p="http://schemas.openxmlformats.org/presentationml/2006/main">
+  <p:cSld>
+    <p:spTree>
+      <p:nvGrpSpPr>
+        <p:cNvPr id="1" name=""/>
+        <p:cNvGrpSpPr/>
+        <p:nvPr/>
+      </p:nvGrpSpPr>
+      <p:grpSpPr>
+        <a:xfrm>
+          <a:off x="0" y="0"/>
+          <a:ext cx="0" cy="0"/>
+          <a:chOff x="0" y="0"/>
+          <a:chExt cx="0" cy="0"/>
+        </a:xfrm>
+      </p:grpSpPr>
+      <p:sp>
+        <p:nvSpPr>
+          <p:cNvPr id="2" name="Заголовок 1"/>
+          <p:cNvSpPr>
+            <a:spLocks noGrp="1"/>
+          </p:cNvSpPr>
+          <p:nvPr>
+            <p:ph type="title"/>
+          </p:nvPr>
+        </p:nvSpPr>
+        <p:spPr/>
+        <p:txBody>
+          <a:bodyPr>
+            <a:normAutofit/>
+          </a:bodyPr>
+          <a:lstStyle/>
+          <a:p>
+            <a:r>
+              <a:rPr lang="ru-RU" sz="8000" dirty="0">
+                <a:solidFill>
+                  <a:srgbClr val="854A44"/>
+                </a:solidFill>
+              </a:rPr>
+              <a:t>Жадный алгоритм</a:t>
+            </a:r>
+          </a:p>
+        </p:txBody>
+      </p:sp>
+      <p:graphicFrame>
+        <p:nvGraphicFramePr>
+          <p:cNvPr id="6" name="Объект 5"/>
+          <p:cNvGraphicFramePr>
+            <a:graphicFrameLocks noGrp="1"/>
+          </p:cNvGraphicFramePr>
+          <p:nvPr>
+            <p:ph idx="1"/>
+            <p:extLst>
+              <p:ext uri="{D42A27DB-BD31-4B8C-83A1-F6EECF244321}">
                 <p14:modId xmlns:p14="http://schemas.microsoft.com/office/powerpoint/2010/main" val="64561504"/>
               </p:ext>
             </p:extLst>
@@ -32165,129 +32354,7 @@
 </p:sld>
 </file>
 
-<file path=ppt/slides/slide4.xml><?xml version="1.0" encoding="utf-8"?>
-<p:sld xmlns:a="http://schemas.openxmlformats.org/drawingml/2006/main" xmlns:r="http://schemas.openxmlformats.org/officeDocument/2006/relationships" xmlns:p="http://schemas.openxmlformats.org/presentationml/2006/main">
-  <p:cSld>
-    <p:spTree>
-      <p:nvGrpSpPr>
-        <p:cNvPr id="1" name=""/>
-        <p:cNvGrpSpPr/>
-        <p:nvPr/>
-      </p:nvGrpSpPr>
-      <p:grpSpPr>
-        <a:xfrm>
-          <a:off x="0" y="0"/>
-          <a:ext cx="0" cy="0"/>
-          <a:chOff x="0" y="0"/>
-          <a:chExt cx="0" cy="0"/>
-        </a:xfrm>
-      </p:grpSpPr>
-      <p:sp>
-        <p:nvSpPr>
-          <p:cNvPr id="2" name="Заголовок 1"/>
-          <p:cNvSpPr>
-            <a:spLocks noGrp="1"/>
-          </p:cNvSpPr>
-          <p:nvPr>
-            <p:ph type="title"/>
-          </p:nvPr>
-        </p:nvSpPr>
-        <p:spPr>
-          <a:xfrm>
-            <a:off x="838199" y="934292"/>
-            <a:ext cx="10515600" cy="1325563"/>
-          </a:xfrm>
-        </p:spPr>
-        <p:txBody>
-          <a:bodyPr>
-            <a:normAutofit/>
-          </a:bodyPr>
-          <a:lstStyle/>
-          <a:p>
-            <a:r>
-              <a:rPr lang="ru-RU" sz="8000" dirty="0">
-                <a:solidFill>
-                  <a:srgbClr val="213233"/>
-                </a:solidFill>
-              </a:rPr>
-              <a:t>Задача коммивояжера</a:t>
-            </a:r>
-          </a:p>
-        </p:txBody>
-      </p:sp>
-      <p:sp>
-        <p:nvSpPr>
-          <p:cNvPr id="3" name="Объект 2"/>
-          <p:cNvSpPr>
-            <a:spLocks noGrp="1"/>
-          </p:cNvSpPr>
-          <p:nvPr>
-            <p:ph idx="1"/>
-          </p:nvPr>
-        </p:nvSpPr>
-        <p:spPr>
-          <a:xfrm>
-            <a:off x="474305" y="2693371"/>
-            <a:ext cx="11243387" cy="2811689"/>
-          </a:xfrm>
-        </p:spPr>
-        <p:txBody>
-          <a:bodyPr/>
-          <a:lstStyle/>
-          <a:p>
-            <a:pPr marL="0" indent="0" algn="just">
-              <a:buNone/>
-            </a:pPr>
-            <a:r>
-              <a:rPr lang="ru-RU" sz="5400" dirty="0">
-                <a:solidFill>
-                  <a:srgbClr val="213233"/>
-                </a:solidFill>
-              </a:rPr>
-              <a:t>Найти кратчайший гамильтонов цикл в графе (проходящий по каждой вершине один раз)</a:t>
-            </a:r>
-            <a:endParaRPr lang="ru-RU" sz="4000" dirty="0">
-              <a:solidFill>
-                <a:srgbClr val="FF0000"/>
-              </a:solidFill>
-            </a:endParaRPr>
-          </a:p>
-          <a:p>
-            <a:pPr marL="0" indent="0">
-              <a:buNone/>
-            </a:pPr>
-            <a:endParaRPr lang="en-US" dirty="0">
-              <a:solidFill>
-                <a:srgbClr val="FF0000"/>
-              </a:solidFill>
-            </a:endParaRPr>
-          </a:p>
-          <a:p>
-            <a:pPr marL="0" indent="0">
-              <a:buNone/>
-            </a:pPr>
-            <a:endParaRPr lang="ru-RU" dirty="0">
-              <a:solidFill>
-                <a:srgbClr val="FF0000"/>
-              </a:solidFill>
-            </a:endParaRPr>
-          </a:p>
-        </p:txBody>
-      </p:sp>
-    </p:spTree>
-    <p:extLst>
-      <p:ext uri="{BB962C8B-B14F-4D97-AF65-F5344CB8AC3E}">
-        <p14:creationId xmlns:p14="http://schemas.microsoft.com/office/powerpoint/2010/main" val="4075698522"/>
-      </p:ext>
-    </p:extLst>
-  </p:cSld>
-  <p:clrMapOvr>
-    <a:masterClrMapping/>
-  </p:clrMapOvr>
-</p:sld>
-</file>
-
-<file path=ppt/slides/slide40.xml><?xml version="1.0" encoding="utf-8"?>
+<file path=ppt/slides/slide41.xml><?xml version="1.0" encoding="utf-8"?>
 <p:sld xmlns:a="http://schemas.openxmlformats.org/drawingml/2006/main" xmlns:r="http://schemas.openxmlformats.org/officeDocument/2006/relationships" xmlns:p="http://schemas.openxmlformats.org/presentationml/2006/main">
   <p:cSld>
     <p:spTree>
@@ -32364,7 +32431,7 @@
 </p:sld>
 </file>
 
-<file path=ppt/slides/slide41.xml><?xml version="1.0" encoding="utf-8"?>
+<file path=ppt/slides/slide42.xml><?xml version="1.0" encoding="utf-8"?>
 <p:sld xmlns:a="http://schemas.openxmlformats.org/drawingml/2006/main" xmlns:r="http://schemas.openxmlformats.org/officeDocument/2006/relationships" xmlns:p="http://schemas.openxmlformats.org/presentationml/2006/main">
   <p:cSld>
     <p:spTree>
@@ -32418,7 +32485,7 @@
 </p:sld>
 </file>
 
-<file path=ppt/slides/slide42.xml><?xml version="1.0" encoding="utf-8"?>
+<file path=ppt/slides/slide43.xml><?xml version="1.0" encoding="utf-8"?>
 <p:sld xmlns:a="http://schemas.openxmlformats.org/drawingml/2006/main" xmlns:r="http://schemas.openxmlformats.org/officeDocument/2006/relationships" xmlns:p="http://schemas.openxmlformats.org/presentationml/2006/main">
   <p:cSld>
     <p:spTree>
@@ -32606,7 +32673,7 @@
 </p:sld>
 </file>
 
-<file path=ppt/slides/slide43.xml><?xml version="1.0" encoding="utf-8"?>
+<file path=ppt/slides/slide44.xml><?xml version="1.0" encoding="utf-8"?>
 <p:sld xmlns:a="http://schemas.openxmlformats.org/drawingml/2006/main" xmlns:r="http://schemas.openxmlformats.org/officeDocument/2006/relationships" xmlns:p="http://schemas.openxmlformats.org/presentationml/2006/main">
   <p:cSld>
     <p:spTree>
@@ -32702,7 +32769,7 @@
 </p:sld>
 </file>
 
-<file path=ppt/slides/slide44.xml><?xml version="1.0" encoding="utf-8"?>
+<file path=ppt/slides/slide45.xml><?xml version="1.0" encoding="utf-8"?>
 <p:sld xmlns:a="http://schemas.openxmlformats.org/drawingml/2006/main" xmlns:r="http://schemas.openxmlformats.org/officeDocument/2006/relationships" xmlns:p="http://schemas.openxmlformats.org/presentationml/2006/main">
   <p:cSld>
     <p:spTree>
@@ -32798,7 +32865,7 @@
 </p:sld>
 </file>
 
-<file path=ppt/slides/slide45.xml><?xml version="1.0" encoding="utf-8"?>
+<file path=ppt/slides/slide46.xml><?xml version="1.0" encoding="utf-8"?>
 <p:sld xmlns:a="http://schemas.openxmlformats.org/drawingml/2006/main" xmlns:r="http://schemas.openxmlformats.org/officeDocument/2006/relationships" xmlns:p="http://schemas.openxmlformats.org/presentationml/2006/main">
   <p:cSld>
     <p:spTree>
@@ -32862,7 +32929,7 @@
 </p:sld>
 </file>
 
-<file path=ppt/slides/slide46.xml><?xml version="1.0" encoding="utf-8"?>
+<file path=ppt/slides/slide47.xml><?xml version="1.0" encoding="utf-8"?>
 <p:sld xmlns:a="http://schemas.openxmlformats.org/drawingml/2006/main" xmlns:r="http://schemas.openxmlformats.org/officeDocument/2006/relationships" xmlns:p="http://schemas.openxmlformats.org/presentationml/2006/main">
   <p:cSld>
     <p:spTree>
@@ -33096,7 +33163,7 @@
 </p:sld>
 </file>
 
-<file path=ppt/slides/slide47.xml><?xml version="1.0" encoding="utf-8"?>
+<file path=ppt/slides/slide48.xml><?xml version="1.0" encoding="utf-8"?>
 <p:sld xmlns:a="http://schemas.openxmlformats.org/drawingml/2006/main" xmlns:r="http://schemas.openxmlformats.org/officeDocument/2006/relationships" xmlns:p="http://schemas.openxmlformats.org/presentationml/2006/main">
   <p:cSld>
     <p:spTree>
@@ -33265,7 +33332,7 @@
 </p:sld>
 </file>
 
-<file path=ppt/slides/slide48.xml><?xml version="1.0" encoding="utf-8"?>
+<file path=ppt/slides/slide49.xml><?xml version="1.0" encoding="utf-8"?>
 <p:sld xmlns:a="http://schemas.openxmlformats.org/drawingml/2006/main" xmlns:r="http://schemas.openxmlformats.org/officeDocument/2006/relationships" xmlns:p="http://schemas.openxmlformats.org/presentationml/2006/main">
   <p:cSld>
     <p:spTree>
@@ -33319,7 +33386,129 @@
 </p:sld>
 </file>
 
-<file path=ppt/slides/slide49.xml><?xml version="1.0" encoding="utf-8"?>
+<file path=ppt/slides/slide5.xml><?xml version="1.0" encoding="utf-8"?>
+<p:sld xmlns:a="http://schemas.openxmlformats.org/drawingml/2006/main" xmlns:r="http://schemas.openxmlformats.org/officeDocument/2006/relationships" xmlns:p="http://schemas.openxmlformats.org/presentationml/2006/main">
+  <p:cSld>
+    <p:spTree>
+      <p:nvGrpSpPr>
+        <p:cNvPr id="1" name=""/>
+        <p:cNvGrpSpPr/>
+        <p:nvPr/>
+      </p:nvGrpSpPr>
+      <p:grpSpPr>
+        <a:xfrm>
+          <a:off x="0" y="0"/>
+          <a:ext cx="0" cy="0"/>
+          <a:chOff x="0" y="0"/>
+          <a:chExt cx="0" cy="0"/>
+        </a:xfrm>
+      </p:grpSpPr>
+      <p:sp>
+        <p:nvSpPr>
+          <p:cNvPr id="2" name="Заголовок 1"/>
+          <p:cNvSpPr>
+            <a:spLocks noGrp="1"/>
+          </p:cNvSpPr>
+          <p:nvPr>
+            <p:ph type="title"/>
+          </p:nvPr>
+        </p:nvSpPr>
+        <p:spPr>
+          <a:xfrm>
+            <a:off x="838199" y="934292"/>
+            <a:ext cx="10515600" cy="1325563"/>
+          </a:xfrm>
+        </p:spPr>
+        <p:txBody>
+          <a:bodyPr>
+            <a:normAutofit/>
+          </a:bodyPr>
+          <a:lstStyle/>
+          <a:p>
+            <a:r>
+              <a:rPr lang="ru-RU" sz="8000" dirty="0">
+                <a:solidFill>
+                  <a:srgbClr val="213233"/>
+                </a:solidFill>
+              </a:rPr>
+              <a:t>Задача коммивояжера</a:t>
+            </a:r>
+          </a:p>
+        </p:txBody>
+      </p:sp>
+      <p:sp>
+        <p:nvSpPr>
+          <p:cNvPr id="3" name="Объект 2"/>
+          <p:cNvSpPr>
+            <a:spLocks noGrp="1"/>
+          </p:cNvSpPr>
+          <p:nvPr>
+            <p:ph idx="1"/>
+          </p:nvPr>
+        </p:nvSpPr>
+        <p:spPr>
+          <a:xfrm>
+            <a:off x="474305" y="2693371"/>
+            <a:ext cx="11243387" cy="2811689"/>
+          </a:xfrm>
+        </p:spPr>
+        <p:txBody>
+          <a:bodyPr/>
+          <a:lstStyle/>
+          <a:p>
+            <a:pPr marL="0" indent="0" algn="just">
+              <a:buNone/>
+            </a:pPr>
+            <a:r>
+              <a:rPr lang="ru-RU" sz="5400" dirty="0">
+                <a:solidFill>
+                  <a:srgbClr val="213233"/>
+                </a:solidFill>
+              </a:rPr>
+              <a:t>Найти кратчайший гамильтонов цикл в графе (проходящий по каждой вершине один раз)</a:t>
+            </a:r>
+            <a:endParaRPr lang="ru-RU" sz="4000" dirty="0">
+              <a:solidFill>
+                <a:srgbClr val="FF0000"/>
+              </a:solidFill>
+            </a:endParaRPr>
+          </a:p>
+          <a:p>
+            <a:pPr marL="0" indent="0">
+              <a:buNone/>
+            </a:pPr>
+            <a:endParaRPr lang="en-US" dirty="0">
+              <a:solidFill>
+                <a:srgbClr val="FF0000"/>
+              </a:solidFill>
+            </a:endParaRPr>
+          </a:p>
+          <a:p>
+            <a:pPr marL="0" indent="0">
+              <a:buNone/>
+            </a:pPr>
+            <a:endParaRPr lang="ru-RU" dirty="0">
+              <a:solidFill>
+                <a:srgbClr val="FF0000"/>
+              </a:solidFill>
+            </a:endParaRPr>
+          </a:p>
+        </p:txBody>
+      </p:sp>
+    </p:spTree>
+    <p:extLst>
+      <p:ext uri="{BB962C8B-B14F-4D97-AF65-F5344CB8AC3E}">
+        <p14:creationId xmlns:p14="http://schemas.microsoft.com/office/powerpoint/2010/main" val="4075698522"/>
+      </p:ext>
+    </p:extLst>
+  </p:cSld>
+  <p:clrMapOvr>
+    <a:masterClrMapping/>
+  </p:clrMapOvr>
+</p:sld>
+</file>
+
+<file path=ppt/slides/slide50.xml><?xml version="1.0" encoding="utf-8"?>
 <p:sld xmlns:a="http://schemas.openxmlformats.org/drawingml/2006/main" xmlns:r="http://schemas.openxmlformats.org/officeDocument/2006/relationships" xmlns:p="http://schemas.openxmlformats.org/presentationml/2006/main">
   <p:cSld>
     <p:spTree>
@@ -33373,350 +33562,7 @@
 </p:sld>
 </file>
 
-<file path=ppt/slides/slide5.xml><?xml version="1.0" encoding="utf-8"?>
-<p:sld xmlns:a="http://schemas.openxmlformats.org/drawingml/2006/main" xmlns:r="http://schemas.openxmlformats.org/officeDocument/2006/relationships" xmlns:p="http://schemas.openxmlformats.org/presentationml/2006/main">
-  <p:cSld>
-    <p:spTree>
-      <p:nvGrpSpPr>
-        <p:cNvPr id="1" name=""/>
-        <p:cNvGrpSpPr/>
-        <p:nvPr/>
-      </p:nvGrpSpPr>
-      <p:grpSpPr>
-        <a:xfrm>
-          <a:off x="0" y="0"/>
-          <a:ext cx="0" cy="0"/>
-          <a:chOff x="0" y="0"/>
-          <a:chExt cx="0" cy="0"/>
-        </a:xfrm>
-      </p:grpSpPr>
-      <p:sp>
-        <p:nvSpPr>
-          <p:cNvPr id="2" name="Заголовок 1"/>
-          <p:cNvSpPr>
-            <a:spLocks noGrp="1"/>
-          </p:cNvSpPr>
-          <p:nvPr>
-            <p:ph type="title"/>
-          </p:nvPr>
-        </p:nvSpPr>
-        <p:spPr>
-          <a:xfrm>
-            <a:off x="838199" y="934292"/>
-            <a:ext cx="9892005" cy="1325563"/>
-          </a:xfrm>
-        </p:spPr>
-        <p:txBody>
-          <a:bodyPr>
-            <a:normAutofit/>
-          </a:bodyPr>
-          <a:lstStyle/>
-          <a:p>
-            <a:r>
-              <a:rPr lang="ru-RU" sz="8000" dirty="0">
-                <a:solidFill>
-                  <a:srgbClr val="213233"/>
-                </a:solidFill>
-              </a:rPr>
-              <a:t>Задача коммивояжера</a:t>
-            </a:r>
-          </a:p>
-        </p:txBody>
-      </p:sp>
-      <p:sp>
-        <p:nvSpPr>
-          <p:cNvPr id="4" name="Объект 2"/>
-          <p:cNvSpPr txBox="1">
-            <a:spLocks/>
-          </p:cNvSpPr>
-          <p:nvPr/>
-        </p:nvSpPr>
-        <p:spPr>
-          <a:xfrm>
-            <a:off x="617375" y="2976400"/>
-            <a:ext cx="10112830" cy="2811689"/>
-          </a:xfrm>
-          <a:prstGeom prst="rect">
-            <a:avLst/>
-          </a:prstGeom>
-        </p:spPr>
-        <p:txBody>
-          <a:bodyPr vert="horz" lIns="91440" tIns="45720" rIns="91440" bIns="45720" rtlCol="0">
-            <a:normAutofit/>
-          </a:bodyPr>
-          <a:lstStyle>
-            <a:lvl1pPr marL="228600" indent="-228600" algn="l" defTabSz="914400" rtl="0" eaLnBrk="1" latinLnBrk="0" hangingPunct="1">
-              <a:lnSpc>
-                <a:spcPct val="90000"/>
-              </a:lnSpc>
-              <a:spcBef>
-                <a:spcPts val="1000"/>
-              </a:spcBef>
-              <a:buFont typeface="Arial" panose="020B0604020202020204" pitchFamily="34" charset="0"/>
-              <a:buChar char="•"/>
-              <a:defRPr sz="2800" kern="1200">
-                <a:solidFill>
-                  <a:schemeClr val="tx1"/>
-                </a:solidFill>
-                <a:latin typeface="+mn-lt"/>
-                <a:ea typeface="+mn-ea"/>
-                <a:cs typeface="+mn-cs"/>
-              </a:defRPr>
-            </a:lvl1pPr>
-            <a:lvl2pPr marL="685800" indent="-228600" algn="l" defTabSz="914400" rtl="0" eaLnBrk="1" latinLnBrk="0" hangingPunct="1">
-              <a:lnSpc>
-                <a:spcPct val="90000"/>
-              </a:lnSpc>
-              <a:spcBef>
-                <a:spcPts val="500"/>
-              </a:spcBef>
-              <a:buFont typeface="Arial" panose="020B0604020202020204" pitchFamily="34" charset="0"/>
-              <a:buChar char="•"/>
-              <a:defRPr sz="2400" kern="1200">
-                <a:solidFill>
-                  <a:schemeClr val="tx1"/>
-                </a:solidFill>
-                <a:latin typeface="+mn-lt"/>
-                <a:ea typeface="+mn-ea"/>
-                <a:cs typeface="+mn-cs"/>
-              </a:defRPr>
-            </a:lvl2pPr>
-            <a:lvl3pPr marL="1143000" indent="-228600" algn="l" defTabSz="914400" rtl="0" eaLnBrk="1" latinLnBrk="0" hangingPunct="1">
-              <a:lnSpc>
-                <a:spcPct val="90000"/>
-              </a:lnSpc>
-              <a:spcBef>
-                <a:spcPts val="500"/>
-              </a:spcBef>
-              <a:buFont typeface="Arial" panose="020B0604020202020204" pitchFamily="34" charset="0"/>
-              <a:buChar char="•"/>
-              <a:defRPr sz="2000" kern="1200">
-                <a:solidFill>
-                  <a:schemeClr val="tx1"/>
-                </a:solidFill>
-                <a:latin typeface="+mn-lt"/>
-                <a:ea typeface="+mn-ea"/>
-                <a:cs typeface="+mn-cs"/>
-              </a:defRPr>
-            </a:lvl3pPr>
-            <a:lvl4pPr marL="1600200" indent="-228600" algn="l" defTabSz="914400" rtl="0" eaLnBrk="1" latinLnBrk="0" hangingPunct="1">
-              <a:lnSpc>
-                <a:spcPct val="90000"/>
-              </a:lnSpc>
-              <a:spcBef>
-                <a:spcPts val="500"/>
-              </a:spcBef>
-              <a:buFont typeface="Arial" panose="020B0604020202020204" pitchFamily="34" charset="0"/>
-              <a:buChar char="•"/>
-              <a:defRPr sz="1800" kern="1200">
-                <a:solidFill>
-                  <a:schemeClr val="tx1"/>
-                </a:solidFill>
-                <a:latin typeface="+mn-lt"/>
-                <a:ea typeface="+mn-ea"/>
-                <a:cs typeface="+mn-cs"/>
-              </a:defRPr>
-            </a:lvl4pPr>
-            <a:lvl5pPr marL="2057400" indent="-228600" algn="l" defTabSz="914400" rtl="0" eaLnBrk="1" latinLnBrk="0" hangingPunct="1">
-              <a:lnSpc>
-                <a:spcPct val="90000"/>
-              </a:lnSpc>
-              <a:spcBef>
-                <a:spcPts val="500"/>
-              </a:spcBef>
-              <a:buFont typeface="Arial" panose="020B0604020202020204" pitchFamily="34" charset="0"/>
-              <a:buChar char="•"/>
-              <a:defRPr sz="1800" kern="1200">
-                <a:solidFill>
-                  <a:schemeClr val="tx1"/>
-                </a:solidFill>
-                <a:latin typeface="+mn-lt"/>
-                <a:ea typeface="+mn-ea"/>
-                <a:cs typeface="+mn-cs"/>
-              </a:defRPr>
-            </a:lvl5pPr>
-            <a:lvl6pPr marL="2514600" indent="-228600" algn="l" defTabSz="914400" rtl="0" eaLnBrk="1" latinLnBrk="0" hangingPunct="1">
-              <a:lnSpc>
-                <a:spcPct val="90000"/>
-              </a:lnSpc>
-              <a:spcBef>
-                <a:spcPts val="500"/>
-              </a:spcBef>
-              <a:buFont typeface="Arial" panose="020B0604020202020204" pitchFamily="34" charset="0"/>
-              <a:buChar char="•"/>
-              <a:defRPr sz="1800" kern="1200">
-                <a:solidFill>
-                  <a:schemeClr val="tx1"/>
-                </a:solidFill>
-                <a:latin typeface="+mn-lt"/>
-                <a:ea typeface="+mn-ea"/>
-                <a:cs typeface="+mn-cs"/>
-              </a:defRPr>
-            </a:lvl6pPr>
-            <a:lvl7pPr marL="2971800" indent="-228600" algn="l" defTabSz="914400" rtl="0" eaLnBrk="1" latinLnBrk="0" hangingPunct="1">
-              <a:lnSpc>
-                <a:spcPct val="90000"/>
-              </a:lnSpc>
-              <a:spcBef>
-                <a:spcPts val="500"/>
-              </a:spcBef>
-              <a:buFont typeface="Arial" panose="020B0604020202020204" pitchFamily="34" charset="0"/>
-              <a:buChar char="•"/>
-              <a:defRPr sz="1800" kern="1200">
-                <a:solidFill>
-                  <a:schemeClr val="tx1"/>
-                </a:solidFill>
-                <a:latin typeface="+mn-lt"/>
-                <a:ea typeface="+mn-ea"/>
-                <a:cs typeface="+mn-cs"/>
-              </a:defRPr>
-            </a:lvl7pPr>
-            <a:lvl8pPr marL="3429000" indent="-228600" algn="l" defTabSz="914400" rtl="0" eaLnBrk="1" latinLnBrk="0" hangingPunct="1">
-              <a:lnSpc>
-                <a:spcPct val="90000"/>
-              </a:lnSpc>
-              <a:spcBef>
-                <a:spcPts val="500"/>
-              </a:spcBef>
-              <a:buFont typeface="Arial" panose="020B0604020202020204" pitchFamily="34" charset="0"/>
-              <a:buChar char="•"/>
-              <a:defRPr sz="1800" kern="1200">
-                <a:solidFill>
-                  <a:schemeClr val="tx1"/>
-                </a:solidFill>
-                <a:latin typeface="+mn-lt"/>
-                <a:ea typeface="+mn-ea"/>
-                <a:cs typeface="+mn-cs"/>
-              </a:defRPr>
-            </a:lvl8pPr>
-            <a:lvl9pPr marL="3886200" indent="-228600" algn="l" defTabSz="914400" rtl="0" eaLnBrk="1" latinLnBrk="0" hangingPunct="1">
-              <a:lnSpc>
-                <a:spcPct val="90000"/>
-              </a:lnSpc>
-              <a:spcBef>
-                <a:spcPts val="500"/>
-              </a:spcBef>
-              <a:buFont typeface="Arial" panose="020B0604020202020204" pitchFamily="34" charset="0"/>
-              <a:buChar char="•"/>
-              <a:defRPr sz="1800" kern="1200">
-                <a:solidFill>
-                  <a:schemeClr val="tx1"/>
-                </a:solidFill>
-                <a:latin typeface="+mn-lt"/>
-                <a:ea typeface="+mn-ea"/>
-                <a:cs typeface="+mn-cs"/>
-              </a:defRPr>
-            </a:lvl9pPr>
-          </a:lstStyle>
-          <a:p>
-            <a:pPr marL="0" indent="0" algn="ctr">
-              <a:buNone/>
-            </a:pPr>
-            <a:r>
-              <a:rPr lang="en-US" sz="6000" dirty="0">
-                <a:solidFill>
-                  <a:srgbClr val="FF4800"/>
-                </a:solidFill>
-              </a:rPr>
-              <a:t>P = NP  </a:t>
-            </a:r>
-            <a:r>
-              <a:rPr lang="ru-RU" sz="6000" dirty="0">
-                <a:solidFill>
-                  <a:srgbClr val="213233"/>
-                </a:solidFill>
-              </a:rPr>
-              <a:t>→</a:t>
-            </a:r>
-            <a:r>
-              <a:rPr lang="en-US" sz="6000" dirty="0">
-                <a:solidFill>
-                  <a:srgbClr val="FF4800"/>
-                </a:solidFill>
-              </a:rPr>
-              <a:t>   NP-complete</a:t>
-            </a:r>
-          </a:p>
-          <a:p>
-            <a:pPr marL="0" indent="0" algn="ctr">
-              <a:buNone/>
-            </a:pPr>
-            <a:r>
-              <a:rPr lang="en-US" sz="6000" dirty="0">
-                <a:solidFill>
-                  <a:srgbClr val="FF4800"/>
-                </a:solidFill>
-              </a:rPr>
-              <a:t>P </a:t>
-            </a:r>
-            <a:r>
-              <a:rPr lang="ru-RU" sz="6000" dirty="0">
-                <a:solidFill>
-                  <a:srgbClr val="FF4800"/>
-                </a:solidFill>
-              </a:rPr>
-              <a:t>≠</a:t>
-            </a:r>
-            <a:r>
-              <a:rPr lang="en-US" sz="6000" dirty="0">
-                <a:solidFill>
-                  <a:srgbClr val="FF4800"/>
-                </a:solidFill>
-              </a:rPr>
-              <a:t> NP  </a:t>
-            </a:r>
-            <a:r>
-              <a:rPr lang="ru-RU" sz="6000" dirty="0">
-                <a:solidFill>
-                  <a:srgbClr val="213233"/>
-                </a:solidFill>
-              </a:rPr>
-              <a:t>→</a:t>
-            </a:r>
-            <a:r>
-              <a:rPr lang="ru-RU" sz="6000" dirty="0">
-                <a:solidFill>
-                  <a:srgbClr val="FF4800"/>
-                </a:solidFill>
-              </a:rPr>
-              <a:t>   </a:t>
-            </a:r>
-            <a:r>
-              <a:rPr lang="en-US" sz="6000" dirty="0">
-                <a:solidFill>
-                  <a:srgbClr val="FF4800"/>
-                </a:solidFill>
-              </a:rPr>
-              <a:t>NP-hard</a:t>
-            </a:r>
-          </a:p>
-          <a:p>
-            <a:pPr marL="0" indent="0">
-              <a:buFont typeface="Arial" panose="020B0604020202020204" pitchFamily="34" charset="0"/>
-              <a:buNone/>
-            </a:pPr>
-            <a:endParaRPr lang="ru-RU" dirty="0">
-              <a:solidFill>
-                <a:srgbClr val="FF0000"/>
-              </a:solidFill>
-            </a:endParaRPr>
-          </a:p>
-        </p:txBody>
-      </p:sp>
-    </p:spTree>
-    <p:extLst>
-      <p:ext uri="{BB962C8B-B14F-4D97-AF65-F5344CB8AC3E}">
-        <p14:creationId xmlns:p14="http://schemas.microsoft.com/office/powerpoint/2010/main" val="2710197973"/>
-      </p:ext>
-    </p:extLst>
-  </p:cSld>
-  <p:clrMapOvr>
-    <a:masterClrMapping/>
-  </p:clrMapOvr>
-</p:sld>
-</file>
-
-<file path=ppt/slides/slide50.xml><?xml version="1.0" encoding="utf-8"?>
+<file path=ppt/slides/slide51.xml><?xml version="1.0" encoding="utf-8"?>
 <p:sld xmlns:a="http://schemas.openxmlformats.org/drawingml/2006/main" xmlns:r="http://schemas.openxmlformats.org/officeDocument/2006/relationships" xmlns:p="http://schemas.openxmlformats.org/presentationml/2006/main">
   <p:cSld>
     <p:spTree>
@@ -33842,7 +33688,7 @@
 </p:sld>
 </file>
 
-<file path=ppt/slides/slide51.xml><?xml version="1.0" encoding="utf-8"?>
+<file path=ppt/slides/slide52.xml><?xml version="1.0" encoding="utf-8"?>
 <p:sld xmlns:a="http://schemas.openxmlformats.org/drawingml/2006/main" xmlns:r="http://schemas.openxmlformats.org/officeDocument/2006/relationships" xmlns:p="http://schemas.openxmlformats.org/presentationml/2006/main">
   <p:cSld>
     <p:spTree>
@@ -33896,7 +33742,7 @@
 </p:sld>
 </file>
 
-<file path=ppt/slides/slide52.xml><?xml version="1.0" encoding="utf-8"?>
+<file path=ppt/slides/slide53.xml><?xml version="1.0" encoding="utf-8"?>
 <p:sld xmlns:a="http://schemas.openxmlformats.org/drawingml/2006/main" xmlns:r="http://schemas.openxmlformats.org/officeDocument/2006/relationships" xmlns:p="http://schemas.openxmlformats.org/presentationml/2006/main">
   <p:cSld>
     <p:spTree>
@@ -33950,7 +33796,7 @@
 </p:sld>
 </file>
 
-<file path=ppt/slides/slide53.xml><?xml version="1.0" encoding="utf-8"?>
+<file path=ppt/slides/slide54.xml><?xml version="1.0" encoding="utf-8"?>
 <p:sld xmlns:a="http://schemas.openxmlformats.org/drawingml/2006/main" xmlns:r="http://schemas.openxmlformats.org/officeDocument/2006/relationships" xmlns:p="http://schemas.openxmlformats.org/presentationml/2006/main">
   <p:cSld>
     <p:spTree>
@@ -34028,7 +33874,7 @@
 </p:sld>
 </file>
 
-<file path=ppt/slides/slide54.xml><?xml version="1.0" encoding="utf-8"?>
+<file path=ppt/slides/slide55.xml><?xml version="1.0" encoding="utf-8"?>
 <p:sld xmlns:a="http://schemas.openxmlformats.org/drawingml/2006/main" xmlns:r="http://schemas.openxmlformats.org/officeDocument/2006/relationships" xmlns:p="http://schemas.openxmlformats.org/presentationml/2006/main">
   <p:cSld>
     <p:spTree>
@@ -34153,7 +33999,7 @@
 </p:sld>
 </file>
 
-<file path=ppt/slides/slide55.xml><?xml version="1.0" encoding="utf-8"?>
+<file path=ppt/slides/slide56.xml><?xml version="1.0" encoding="utf-8"?>
 <p:sld xmlns:a="http://schemas.openxmlformats.org/drawingml/2006/main" xmlns:r="http://schemas.openxmlformats.org/officeDocument/2006/relationships" xmlns:p="http://schemas.openxmlformats.org/presentationml/2006/main">
   <p:cSld>
     <p:spTree>
@@ -34284,7 +34130,7 @@
 </p:sld>
 </file>
 
-<file path=ppt/slides/slide56.xml><?xml version="1.0" encoding="utf-8"?>
+<file path=ppt/slides/slide57.xml><?xml version="1.0" encoding="utf-8"?>
 <p:sld xmlns:a="http://schemas.openxmlformats.org/drawingml/2006/main" xmlns:r="http://schemas.openxmlformats.org/officeDocument/2006/relationships" xmlns:p="http://schemas.openxmlformats.org/presentationml/2006/main">
   <p:cSld>
     <p:spTree>
@@ -34472,7 +34318,7 @@
 </p:sld>
 </file>
 
-<file path=ppt/slides/slide57.xml><?xml version="1.0" encoding="utf-8"?>
+<file path=ppt/slides/slide58.xml><?xml version="1.0" encoding="utf-8"?>
 <p:sld xmlns:a="http://schemas.openxmlformats.org/drawingml/2006/main" xmlns:r="http://schemas.openxmlformats.org/officeDocument/2006/relationships" xmlns:p="http://schemas.openxmlformats.org/presentationml/2006/main">
   <p:cSld>
     <p:spTree>
@@ -34555,7 +34401,7 @@
 </p:sld>
 </file>
 
-<file path=ppt/slides/slide58.xml><?xml version="1.0" encoding="utf-8"?>
+<file path=ppt/slides/slide59.xml><?xml version="1.0" encoding="utf-8"?>
 <p:sld xmlns:a="http://schemas.openxmlformats.org/drawingml/2006/main" xmlns:r="http://schemas.openxmlformats.org/officeDocument/2006/relationships" xmlns:p="http://schemas.openxmlformats.org/presentationml/2006/main">
   <p:cSld>
     <p:spTree>
@@ -34638,7 +34484,350 @@
 </p:sld>
 </file>
 
-<file path=ppt/slides/slide59.xml><?xml version="1.0" encoding="utf-8"?>
+<file path=ppt/slides/slide6.xml><?xml version="1.0" encoding="utf-8"?>
+<p:sld xmlns:a="http://schemas.openxmlformats.org/drawingml/2006/main" xmlns:r="http://schemas.openxmlformats.org/officeDocument/2006/relationships" xmlns:p="http://schemas.openxmlformats.org/presentationml/2006/main">
+  <p:cSld>
+    <p:spTree>
+      <p:nvGrpSpPr>
+        <p:cNvPr id="1" name=""/>
+        <p:cNvGrpSpPr/>
+        <p:nvPr/>
+      </p:nvGrpSpPr>
+      <p:grpSpPr>
+        <a:xfrm>
+          <a:off x="0" y="0"/>
+          <a:ext cx="0" cy="0"/>
+          <a:chOff x="0" y="0"/>
+          <a:chExt cx="0" cy="0"/>
+        </a:xfrm>
+      </p:grpSpPr>
+      <p:sp>
+        <p:nvSpPr>
+          <p:cNvPr id="2" name="Заголовок 1"/>
+          <p:cNvSpPr>
+            <a:spLocks noGrp="1"/>
+          </p:cNvSpPr>
+          <p:nvPr>
+            <p:ph type="title"/>
+          </p:nvPr>
+        </p:nvSpPr>
+        <p:spPr>
+          <a:xfrm>
+            <a:off x="838199" y="934292"/>
+            <a:ext cx="9892005" cy="1325563"/>
+          </a:xfrm>
+        </p:spPr>
+        <p:txBody>
+          <a:bodyPr>
+            <a:normAutofit/>
+          </a:bodyPr>
+          <a:lstStyle/>
+          <a:p>
+            <a:r>
+              <a:rPr lang="ru-RU" sz="8000" dirty="0">
+                <a:solidFill>
+                  <a:srgbClr val="213233"/>
+                </a:solidFill>
+              </a:rPr>
+              <a:t>Задача коммивояжера</a:t>
+            </a:r>
+          </a:p>
+        </p:txBody>
+      </p:sp>
+      <p:sp>
+        <p:nvSpPr>
+          <p:cNvPr id="4" name="Объект 2"/>
+          <p:cNvSpPr txBox="1">
+            <a:spLocks/>
+          </p:cNvSpPr>
+          <p:nvPr/>
+        </p:nvSpPr>
+        <p:spPr>
+          <a:xfrm>
+            <a:off x="617375" y="2976400"/>
+            <a:ext cx="10112830" cy="2811689"/>
+          </a:xfrm>
+          <a:prstGeom prst="rect">
+            <a:avLst/>
+          </a:prstGeom>
+        </p:spPr>
+        <p:txBody>
+          <a:bodyPr vert="horz" lIns="91440" tIns="45720" rIns="91440" bIns="45720" rtlCol="0">
+            <a:normAutofit/>
+          </a:bodyPr>
+          <a:lstStyle>
+            <a:lvl1pPr marL="228600" indent="-228600" algn="l" defTabSz="914400" rtl="0" eaLnBrk="1" latinLnBrk="0" hangingPunct="1">
+              <a:lnSpc>
+                <a:spcPct val="90000"/>
+              </a:lnSpc>
+              <a:spcBef>
+                <a:spcPts val="1000"/>
+              </a:spcBef>
+              <a:buFont typeface="Arial" panose="020B0604020202020204" pitchFamily="34" charset="0"/>
+              <a:buChar char="•"/>
+              <a:defRPr sz="2800" kern="1200">
+                <a:solidFill>
+                  <a:schemeClr val="tx1"/>
+                </a:solidFill>
+                <a:latin typeface="+mn-lt"/>
+                <a:ea typeface="+mn-ea"/>
+                <a:cs typeface="+mn-cs"/>
+              </a:defRPr>
+            </a:lvl1pPr>
+            <a:lvl2pPr marL="685800" indent="-228600" algn="l" defTabSz="914400" rtl="0" eaLnBrk="1" latinLnBrk="0" hangingPunct="1">
+              <a:lnSpc>
+                <a:spcPct val="90000"/>
+              </a:lnSpc>
+              <a:spcBef>
+                <a:spcPts val="500"/>
+              </a:spcBef>
+              <a:buFont typeface="Arial" panose="020B0604020202020204" pitchFamily="34" charset="0"/>
+              <a:buChar char="•"/>
+              <a:defRPr sz="2400" kern="1200">
+                <a:solidFill>
+                  <a:schemeClr val="tx1"/>
+                </a:solidFill>
+                <a:latin typeface="+mn-lt"/>
+                <a:ea typeface="+mn-ea"/>
+                <a:cs typeface="+mn-cs"/>
+              </a:defRPr>
+            </a:lvl2pPr>
+            <a:lvl3pPr marL="1143000" indent="-228600" algn="l" defTabSz="914400" rtl="0" eaLnBrk="1" latinLnBrk="0" hangingPunct="1">
+              <a:lnSpc>
+                <a:spcPct val="90000"/>
+              </a:lnSpc>
+              <a:spcBef>
+                <a:spcPts val="500"/>
+              </a:spcBef>
+              <a:buFont typeface="Arial" panose="020B0604020202020204" pitchFamily="34" charset="0"/>
+              <a:buChar char="•"/>
+              <a:defRPr sz="2000" kern="1200">
+                <a:solidFill>
+                  <a:schemeClr val="tx1"/>
+                </a:solidFill>
+                <a:latin typeface="+mn-lt"/>
+                <a:ea typeface="+mn-ea"/>
+                <a:cs typeface="+mn-cs"/>
+              </a:defRPr>
+            </a:lvl3pPr>
+            <a:lvl4pPr marL="1600200" indent="-228600" algn="l" defTabSz="914400" rtl="0" eaLnBrk="1" latinLnBrk="0" hangingPunct="1">
+              <a:lnSpc>
+                <a:spcPct val="90000"/>
+              </a:lnSpc>
+              <a:spcBef>
+                <a:spcPts val="500"/>
+              </a:spcBef>
+              <a:buFont typeface="Arial" panose="020B0604020202020204" pitchFamily="34" charset="0"/>
+              <a:buChar char="•"/>
+              <a:defRPr sz="1800" kern="1200">
+                <a:solidFill>
+                  <a:schemeClr val="tx1"/>
+                </a:solidFill>
+                <a:latin typeface="+mn-lt"/>
+                <a:ea typeface="+mn-ea"/>
+                <a:cs typeface="+mn-cs"/>
+              </a:defRPr>
+            </a:lvl4pPr>
+            <a:lvl5pPr marL="2057400" indent="-228600" algn="l" defTabSz="914400" rtl="0" eaLnBrk="1" latinLnBrk="0" hangingPunct="1">
+              <a:lnSpc>
+                <a:spcPct val="90000"/>
+              </a:lnSpc>
+              <a:spcBef>
+                <a:spcPts val="500"/>
+              </a:spcBef>
+              <a:buFont typeface="Arial" panose="020B0604020202020204" pitchFamily="34" charset="0"/>
+              <a:buChar char="•"/>
+              <a:defRPr sz="1800" kern="1200">
+                <a:solidFill>
+                  <a:schemeClr val="tx1"/>
+                </a:solidFill>
+                <a:latin typeface="+mn-lt"/>
+                <a:ea typeface="+mn-ea"/>
+                <a:cs typeface="+mn-cs"/>
+              </a:defRPr>
+            </a:lvl5pPr>
+            <a:lvl6pPr marL="2514600" indent="-228600" algn="l" defTabSz="914400" rtl="0" eaLnBrk="1" latinLnBrk="0" hangingPunct="1">
+              <a:lnSpc>
+                <a:spcPct val="90000"/>
+              </a:lnSpc>
+              <a:spcBef>
+                <a:spcPts val="500"/>
+              </a:spcBef>
+              <a:buFont typeface="Arial" panose="020B0604020202020204" pitchFamily="34" charset="0"/>
+              <a:buChar char="•"/>
+              <a:defRPr sz="1800" kern="1200">
+                <a:solidFill>
+                  <a:schemeClr val="tx1"/>
+                </a:solidFill>
+                <a:latin typeface="+mn-lt"/>
+                <a:ea typeface="+mn-ea"/>
+                <a:cs typeface="+mn-cs"/>
+              </a:defRPr>
+            </a:lvl6pPr>
+            <a:lvl7pPr marL="2971800" indent="-228600" algn="l" defTabSz="914400" rtl="0" eaLnBrk="1" latinLnBrk="0" hangingPunct="1">
+              <a:lnSpc>
+                <a:spcPct val="90000"/>
+              </a:lnSpc>
+              <a:spcBef>
+                <a:spcPts val="500"/>
+              </a:spcBef>
+              <a:buFont typeface="Arial" panose="020B0604020202020204" pitchFamily="34" charset="0"/>
+              <a:buChar char="•"/>
+              <a:defRPr sz="1800" kern="1200">
+                <a:solidFill>
+                  <a:schemeClr val="tx1"/>
+                </a:solidFill>
+                <a:latin typeface="+mn-lt"/>
+                <a:ea typeface="+mn-ea"/>
+                <a:cs typeface="+mn-cs"/>
+              </a:defRPr>
+            </a:lvl7pPr>
+            <a:lvl8pPr marL="3429000" indent="-228600" algn="l" defTabSz="914400" rtl="0" eaLnBrk="1" latinLnBrk="0" hangingPunct="1">
+              <a:lnSpc>
+                <a:spcPct val="90000"/>
+              </a:lnSpc>
+              <a:spcBef>
+                <a:spcPts val="500"/>
+              </a:spcBef>
+              <a:buFont typeface="Arial" panose="020B0604020202020204" pitchFamily="34" charset="0"/>
+              <a:buChar char="•"/>
+              <a:defRPr sz="1800" kern="1200">
+                <a:solidFill>
+                  <a:schemeClr val="tx1"/>
+                </a:solidFill>
+                <a:latin typeface="+mn-lt"/>
+                <a:ea typeface="+mn-ea"/>
+                <a:cs typeface="+mn-cs"/>
+              </a:defRPr>
+            </a:lvl8pPr>
+            <a:lvl9pPr marL="3886200" indent="-228600" algn="l" defTabSz="914400" rtl="0" eaLnBrk="1" latinLnBrk="0" hangingPunct="1">
+              <a:lnSpc>
+                <a:spcPct val="90000"/>
+              </a:lnSpc>
+              <a:spcBef>
+                <a:spcPts val="500"/>
+              </a:spcBef>
+              <a:buFont typeface="Arial" panose="020B0604020202020204" pitchFamily="34" charset="0"/>
+              <a:buChar char="•"/>
+              <a:defRPr sz="1800" kern="1200">
+                <a:solidFill>
+                  <a:schemeClr val="tx1"/>
+                </a:solidFill>
+                <a:latin typeface="+mn-lt"/>
+                <a:ea typeface="+mn-ea"/>
+                <a:cs typeface="+mn-cs"/>
+              </a:defRPr>
+            </a:lvl9pPr>
+          </a:lstStyle>
+          <a:p>
+            <a:pPr marL="0" indent="0" algn="ctr">
+              <a:buNone/>
+            </a:pPr>
+            <a:r>
+              <a:rPr lang="en-US" sz="6000" dirty="0">
+                <a:solidFill>
+                  <a:srgbClr val="FF4800"/>
+                </a:solidFill>
+              </a:rPr>
+              <a:t>P = NP  </a:t>
+            </a:r>
+            <a:r>
+              <a:rPr lang="ru-RU" sz="6000" dirty="0">
+                <a:solidFill>
+                  <a:srgbClr val="213233"/>
+                </a:solidFill>
+              </a:rPr>
+              <a:t>→</a:t>
+            </a:r>
+            <a:r>
+              <a:rPr lang="en-US" sz="6000" dirty="0">
+                <a:solidFill>
+                  <a:srgbClr val="FF4800"/>
+                </a:solidFill>
+              </a:rPr>
+              <a:t>   NP-complete</a:t>
+            </a:r>
+          </a:p>
+          <a:p>
+            <a:pPr marL="0" indent="0" algn="ctr">
+              <a:buNone/>
+            </a:pPr>
+            <a:r>
+              <a:rPr lang="en-US" sz="6000" dirty="0">
+                <a:solidFill>
+                  <a:srgbClr val="FF4800"/>
+                </a:solidFill>
+              </a:rPr>
+              <a:t>P </a:t>
+            </a:r>
+            <a:r>
+              <a:rPr lang="ru-RU" sz="6000" dirty="0">
+                <a:solidFill>
+                  <a:srgbClr val="FF4800"/>
+                </a:solidFill>
+              </a:rPr>
+              <a:t>≠</a:t>
+            </a:r>
+            <a:r>
+              <a:rPr lang="en-US" sz="6000" dirty="0">
+                <a:solidFill>
+                  <a:srgbClr val="FF4800"/>
+                </a:solidFill>
+              </a:rPr>
+              <a:t> NP  </a:t>
+            </a:r>
+            <a:r>
+              <a:rPr lang="ru-RU" sz="6000" dirty="0">
+                <a:solidFill>
+                  <a:srgbClr val="213233"/>
+                </a:solidFill>
+              </a:rPr>
+              <a:t>→</a:t>
+            </a:r>
+            <a:r>
+              <a:rPr lang="ru-RU" sz="6000" dirty="0">
+                <a:solidFill>
+                  <a:srgbClr val="FF4800"/>
+                </a:solidFill>
+              </a:rPr>
+              <a:t>   </a:t>
+            </a:r>
+            <a:r>
+              <a:rPr lang="en-US" sz="6000" dirty="0">
+                <a:solidFill>
+                  <a:srgbClr val="FF4800"/>
+                </a:solidFill>
+              </a:rPr>
+              <a:t>NP-hard</a:t>
+            </a:r>
+          </a:p>
+          <a:p>
+            <a:pPr marL="0" indent="0">
+              <a:buFont typeface="Arial" panose="020B0604020202020204" pitchFamily="34" charset="0"/>
+              <a:buNone/>
+            </a:pPr>
+            <a:endParaRPr lang="ru-RU" dirty="0">
+              <a:solidFill>
+                <a:srgbClr val="FF0000"/>
+              </a:solidFill>
+            </a:endParaRPr>
+          </a:p>
+        </p:txBody>
+      </p:sp>
+    </p:spTree>
+    <p:extLst>
+      <p:ext uri="{BB962C8B-B14F-4D97-AF65-F5344CB8AC3E}">
+        <p14:creationId xmlns:p14="http://schemas.microsoft.com/office/powerpoint/2010/main" val="2710197973"/>
+      </p:ext>
+    </p:extLst>
+  </p:cSld>
+  <p:clrMapOvr>
+    <a:masterClrMapping/>
+  </p:clrMapOvr>
+</p:sld>
+</file>
+
+<file path=ppt/slides/slide60.xml><?xml version="1.0" encoding="utf-8"?>
 <p:sld xmlns:a="http://schemas.openxmlformats.org/drawingml/2006/main" xmlns:r="http://schemas.openxmlformats.org/officeDocument/2006/relationships" xmlns:p="http://schemas.openxmlformats.org/presentationml/2006/main">
   <p:cSld>
     <p:spTree>
@@ -34721,147 +34910,7 @@
 </p:sld>
 </file>
 
-<file path=ppt/slides/slide6.xml><?xml version="1.0" encoding="utf-8"?>
-<p:sld xmlns:a="http://schemas.openxmlformats.org/drawingml/2006/main" xmlns:r="http://schemas.openxmlformats.org/officeDocument/2006/relationships" xmlns:p="http://schemas.openxmlformats.org/presentationml/2006/main">
-  <p:cSld>
-    <p:spTree>
-      <p:nvGrpSpPr>
-        <p:cNvPr id="1" name=""/>
-        <p:cNvGrpSpPr/>
-        <p:nvPr/>
-      </p:nvGrpSpPr>
-      <p:grpSpPr>
-        <a:xfrm>
-          <a:off x="0" y="0"/>
-          <a:ext cx="0" cy="0"/>
-          <a:chOff x="0" y="0"/>
-          <a:chExt cx="0" cy="0"/>
-        </a:xfrm>
-      </p:grpSpPr>
-      <p:sp>
-        <p:nvSpPr>
-          <p:cNvPr id="2" name="Заголовок 1"/>
-          <p:cNvSpPr>
-            <a:spLocks noGrp="1"/>
-          </p:cNvSpPr>
-          <p:nvPr>
-            <p:ph type="title"/>
-          </p:nvPr>
-        </p:nvSpPr>
-        <p:spPr>
-          <a:xfrm>
-            <a:off x="838200" y="505084"/>
-            <a:ext cx="10515600" cy="1325563"/>
-          </a:xfrm>
-        </p:spPr>
-        <p:txBody>
-          <a:bodyPr>
-            <a:noAutofit/>
-          </a:bodyPr>
-          <a:lstStyle/>
-          <a:p>
-            <a:r>
-              <a:rPr lang="ru-RU" sz="8000" dirty="0">
-                <a:solidFill>
-                  <a:srgbClr val="213233"/>
-                </a:solidFill>
-              </a:rPr>
-              <a:t>Что же делать?</a:t>
-            </a:r>
-          </a:p>
-        </p:txBody>
-      </p:sp>
-      <p:sp>
-        <p:nvSpPr>
-          <p:cNvPr id="3" name="Объект 2"/>
-          <p:cNvSpPr>
-            <a:spLocks noGrp="1"/>
-          </p:cNvSpPr>
-          <p:nvPr>
-            <p:ph idx="1"/>
-          </p:nvPr>
-        </p:nvSpPr>
-        <p:spPr>
-          <a:xfrm>
-            <a:off x="838200" y="2600066"/>
-            <a:ext cx="10515600" cy="3278220"/>
-          </a:xfrm>
-        </p:spPr>
-        <p:txBody>
-          <a:bodyPr>
-            <a:normAutofit/>
-          </a:bodyPr>
-          <a:lstStyle/>
-          <a:p>
-            <a:r>
-              <a:rPr lang="ru-RU" sz="5400" dirty="0">
-                <a:solidFill>
-                  <a:srgbClr val="FF4800"/>
-                </a:solidFill>
-              </a:rPr>
-              <a:t> </a:t>
-            </a:r>
-            <a:r>
-              <a:rPr lang="ru-RU" sz="5400" dirty="0">
-                <a:solidFill>
-                  <a:srgbClr val="213233"/>
-                </a:solidFill>
-              </a:rPr>
-              <a:t>Точные алгоритмы с эвристиками</a:t>
-            </a:r>
-          </a:p>
-          <a:p>
-            <a:r>
-              <a:rPr lang="ru-RU" sz="5400" dirty="0">
-                <a:solidFill>
-                  <a:srgbClr val="FF4800"/>
-                </a:solidFill>
-              </a:rPr>
-              <a:t> </a:t>
-            </a:r>
-            <a:r>
-              <a:rPr lang="ru-RU" sz="5400" dirty="0">
-                <a:solidFill>
-                  <a:srgbClr val="213233"/>
-                </a:solidFill>
-              </a:rPr>
-              <a:t>Приближенные алгоритмы</a:t>
-            </a:r>
-          </a:p>
-          <a:p>
-            <a:r>
-              <a:rPr lang="ru-RU" sz="5400" dirty="0">
-                <a:solidFill>
-                  <a:srgbClr val="FF4800"/>
-                </a:solidFill>
-              </a:rPr>
-              <a:t> </a:t>
-            </a:r>
-            <a:r>
-              <a:rPr lang="ru-RU" sz="5400" dirty="0">
-                <a:solidFill>
-                  <a:srgbClr val="213233"/>
-                </a:solidFill>
-              </a:rPr>
-              <a:t>Рандомизированные алгоритмы</a:t>
-            </a:r>
-          </a:p>
-        </p:txBody>
-      </p:sp>
-    </p:spTree>
-    <p:extLst>
-      <p:ext uri="{BB962C8B-B14F-4D97-AF65-F5344CB8AC3E}">
-        <p14:creationId xmlns:p14="http://schemas.microsoft.com/office/powerpoint/2010/main" val="2261685067"/>
-      </p:ext>
-    </p:extLst>
-  </p:cSld>
-  <p:clrMapOvr>
-    <a:masterClrMapping/>
-  </p:clrMapOvr>
-</p:sld>
-</file>
-
-<file path=ppt/slides/slide60.xml><?xml version="1.0" encoding="utf-8"?>
+<file path=ppt/slides/slide61.xml><?xml version="1.0" encoding="utf-8"?>
 <p:sld xmlns:a="http://schemas.openxmlformats.org/drawingml/2006/main" xmlns:r="http://schemas.openxmlformats.org/officeDocument/2006/relationships" xmlns:p="http://schemas.openxmlformats.org/presentationml/2006/main">
   <p:cSld>
     <p:spTree>
@@ -34933,7 +34982,7 @@
 </p:sld>
 </file>
 
-<file path=ppt/slides/slide61.xml><?xml version="1.0" encoding="utf-8"?>
+<file path=ppt/slides/slide62.xml><?xml version="1.0" encoding="utf-8"?>
 <p:sld xmlns:a="http://schemas.openxmlformats.org/drawingml/2006/main" xmlns:r="http://schemas.openxmlformats.org/officeDocument/2006/relationships" xmlns:p="http://schemas.openxmlformats.org/presentationml/2006/main">
   <p:cSld>
     <p:spTree>
@@ -34987,7 +35036,7 @@
 </p:sld>
 </file>
 
-<file path=ppt/slides/slide62.xml><?xml version="1.0" encoding="utf-8"?>
+<file path=ppt/slides/slide63.xml><?xml version="1.0" encoding="utf-8"?>
 <p:sld xmlns:a="http://schemas.openxmlformats.org/drawingml/2006/main" xmlns:r="http://schemas.openxmlformats.org/officeDocument/2006/relationships" xmlns:p="http://schemas.openxmlformats.org/presentationml/2006/main">
   <p:cSld>
     <p:spTree>
@@ -35176,7 +35225,7 @@
 </p:sld>
 </file>
 
-<file path=ppt/slides/slide63.xml><?xml version="1.0" encoding="utf-8"?>
+<file path=ppt/slides/slide64.xml><?xml version="1.0" encoding="utf-8"?>
 <p:sld xmlns:a="http://schemas.openxmlformats.org/drawingml/2006/main" xmlns:r="http://schemas.openxmlformats.org/officeDocument/2006/relationships" xmlns:p="http://schemas.openxmlformats.org/presentationml/2006/main">
   <p:cSld>
     <p:spTree>
@@ -35230,7 +35279,7 @@
 </p:sld>
 </file>
 
-<file path=ppt/slides/slide64.xml><?xml version="1.0" encoding="utf-8"?>
+<file path=ppt/slides/slide65.xml><?xml version="1.0" encoding="utf-8"?>
 <p:sld xmlns:a="http://schemas.openxmlformats.org/drawingml/2006/main" xmlns:r="http://schemas.openxmlformats.org/officeDocument/2006/relationships" xmlns:p="http://schemas.openxmlformats.org/presentationml/2006/main">
   <p:cSld>
     <p:spTree>
@@ -35373,7 +35422,7 @@
 </p:sld>
 </file>
 
-<file path=ppt/slides/slide65.xml><?xml version="1.0" encoding="utf-8"?>
+<file path=ppt/slides/slide66.xml><?xml version="1.0" encoding="utf-8"?>
 <p:sld xmlns:a="http://schemas.openxmlformats.org/drawingml/2006/main" xmlns:r="http://schemas.openxmlformats.org/officeDocument/2006/relationships" xmlns:p="http://schemas.openxmlformats.org/presentationml/2006/main">
   <p:cSld>
     <p:spTree>
@@ -35427,7 +35476,7 @@
 </p:sld>
 </file>
 
-<file path=ppt/slides/slide66.xml><?xml version="1.0" encoding="utf-8"?>
+<file path=ppt/slides/slide67.xml><?xml version="1.0" encoding="utf-8"?>
 <p:sld xmlns:a="http://schemas.openxmlformats.org/drawingml/2006/main" xmlns:r="http://schemas.openxmlformats.org/officeDocument/2006/relationships" xmlns:p="http://schemas.openxmlformats.org/presentationml/2006/main">
   <p:cSld>
     <p:spTree>
@@ -35481,7 +35530,7 @@
 </p:sld>
 </file>
 
-<file path=ppt/slides/slide67.xml><?xml version="1.0" encoding="utf-8"?>
+<file path=ppt/slides/slide68.xml><?xml version="1.0" encoding="utf-8"?>
 <p:sld xmlns:a="http://schemas.openxmlformats.org/drawingml/2006/main" xmlns:r="http://schemas.openxmlformats.org/officeDocument/2006/relationships" xmlns:p="http://schemas.openxmlformats.org/presentationml/2006/main">
   <p:cSld>
     <p:spTree>
@@ -35619,164 +35668,6 @@
     <p:extLst>
       <p:ext uri="{BB962C8B-B14F-4D97-AF65-F5344CB8AC3E}">
         <p14:creationId xmlns:p14="http://schemas.microsoft.com/office/powerpoint/2010/main" val="3718664738"/>
-      </p:ext>
-    </p:extLst>
-  </p:cSld>
-  <p:clrMapOvr>
-    <a:masterClrMapping/>
-  </p:clrMapOvr>
-</p:sld>
-</file>
-
-<file path=ppt/slides/slide68.xml><?xml version="1.0" encoding="utf-8"?>
-<p:sld xmlns:a="http://schemas.openxmlformats.org/drawingml/2006/main" xmlns:r="http://schemas.openxmlformats.org/officeDocument/2006/relationships" xmlns:p="http://schemas.openxmlformats.org/presentationml/2006/main">
-  <p:cSld>
-    <p:spTree>
-      <p:nvGrpSpPr>
-        <p:cNvPr id="1" name=""/>
-        <p:cNvGrpSpPr/>
-        <p:nvPr/>
-      </p:nvGrpSpPr>
-      <p:grpSpPr>
-        <a:xfrm>
-          <a:off x="0" y="0"/>
-          <a:ext cx="0" cy="0"/>
-          <a:chOff x="0" y="0"/>
-          <a:chExt cx="0" cy="0"/>
-        </a:xfrm>
-      </p:grpSpPr>
-      <p:sp>
-        <p:nvSpPr>
-          <p:cNvPr id="2" name="Заголовок 1"/>
-          <p:cNvSpPr>
-            <a:spLocks noGrp="1"/>
-          </p:cNvSpPr>
-          <p:nvPr>
-            <p:ph type="title"/>
-          </p:nvPr>
-        </p:nvSpPr>
-        <p:spPr/>
-        <p:txBody>
-          <a:bodyPr>
-            <a:normAutofit/>
-          </a:bodyPr>
-          <a:lstStyle/>
-          <a:p>
-            <a:r>
-              <a:rPr lang="en-US" sz="7200" dirty="0">
-                <a:solidFill>
-                  <a:srgbClr val="854A44"/>
-                </a:solidFill>
-              </a:rPr>
-              <a:t>1.5 </a:t>
-            </a:r>
-            <a:r>
-              <a:rPr lang="ru-RU" sz="7200" dirty="0">
-                <a:solidFill>
-                  <a:srgbClr val="854A44"/>
-                </a:solidFill>
-              </a:rPr>
-              <a:t>приближенный</a:t>
-            </a:r>
-            <a:endParaRPr lang="ru-RU" sz="7200" dirty="0"/>
-          </a:p>
-        </p:txBody>
-      </p:sp>
-      <p:sp>
-        <p:nvSpPr>
-          <p:cNvPr id="3" name="Объект 2"/>
-          <p:cNvSpPr>
-            <a:spLocks noGrp="1"/>
-          </p:cNvSpPr>
-          <p:nvPr>
-            <p:ph idx="1"/>
-          </p:nvPr>
-        </p:nvSpPr>
-        <p:spPr>
-          <a:xfrm>
-            <a:off x="838200" y="2338808"/>
-            <a:ext cx="10515600" cy="3212906"/>
-          </a:xfrm>
-        </p:spPr>
-        <p:txBody>
-          <a:bodyPr>
-            <a:normAutofit/>
-          </a:bodyPr>
-          <a:lstStyle/>
-          <a:p>
-            <a:r>
-              <a:rPr lang="ru-RU" sz="4400" dirty="0">
-                <a:solidFill>
-                  <a:srgbClr val="FF4800"/>
-                </a:solidFill>
-              </a:rPr>
-              <a:t> </a:t>
-            </a:r>
-            <a:r>
-              <a:rPr lang="ru-RU" sz="4400" dirty="0">
-                <a:solidFill>
-                  <a:srgbClr val="213233"/>
-                </a:solidFill>
-              </a:rPr>
-              <a:t>Искать </a:t>
-            </a:r>
-            <a:r>
-              <a:rPr lang="ru-RU" sz="4400" dirty="0" err="1">
-                <a:solidFill>
-                  <a:srgbClr val="213233"/>
-                </a:solidFill>
-              </a:rPr>
-              <a:t>паросочетания</a:t>
-            </a:r>
-            <a:r>
-              <a:rPr lang="ru-RU" sz="4400" dirty="0">
-                <a:solidFill>
-                  <a:srgbClr val="213233"/>
-                </a:solidFill>
-              </a:rPr>
-              <a:t> жадно</a:t>
-            </a:r>
-          </a:p>
-          <a:p>
-            <a:r>
-              <a:rPr lang="ru-RU" sz="4400" dirty="0">
-                <a:solidFill>
-                  <a:srgbClr val="FF4800"/>
-                </a:solidFill>
-              </a:rPr>
-              <a:t> </a:t>
-            </a:r>
-            <a:r>
-              <a:rPr lang="ru-RU" sz="4400" dirty="0">
-                <a:solidFill>
-                  <a:srgbClr val="213233"/>
-                </a:solidFill>
-              </a:rPr>
-              <a:t>Улучшить найденное </a:t>
-            </a:r>
-            <a:r>
-              <a:rPr lang="ru-RU" sz="4400" dirty="0" err="1">
-                <a:solidFill>
-                  <a:srgbClr val="213233"/>
-                </a:solidFill>
-              </a:rPr>
-              <a:t>паросочетание</a:t>
-            </a:r>
-            <a:r>
-              <a:rPr lang="ru-RU" sz="4400" dirty="0">
-                <a:solidFill>
-                  <a:srgbClr val="213233"/>
-                </a:solidFill>
-              </a:rPr>
-              <a:t> при помощи техники поиска отрицательных циклов</a:t>
-            </a:r>
-          </a:p>
-        </p:txBody>
-      </p:sp>
-    </p:spTree>
-    <p:extLst>
-      <p:ext uri="{BB962C8B-B14F-4D97-AF65-F5344CB8AC3E}">
-        <p14:creationId xmlns:p14="http://schemas.microsoft.com/office/powerpoint/2010/main" val="4277325739"/>
       </p:ext>
     </p:extLst>
   </p:cSld>
@@ -35821,26 +35712,22 @@
           <a:lstStyle/>
           <a:p>
             <a:r>
+              <a:rPr lang="en-US" sz="7200" dirty="0">
+                <a:solidFill>
+                  <a:srgbClr val="854A44"/>
+                </a:solidFill>
+              </a:rPr>
+              <a:t>1.5 </a:t>
+            </a:r>
+            <a:r>
               <a:rPr lang="ru-RU" sz="7200" dirty="0">
                 <a:solidFill>
                   <a:srgbClr val="854A44"/>
                 </a:solidFill>
               </a:rPr>
-              <a:t>Поиск </a:t>
-            </a:r>
-            <a:r>
-              <a:rPr lang="ru-RU" sz="7200" dirty="0" err="1">
-                <a:solidFill>
-                  <a:srgbClr val="854A44"/>
-                </a:solidFill>
-              </a:rPr>
-              <a:t>паросочетания</a:t>
-            </a:r>
-            <a:endParaRPr lang="ru-RU" sz="7200" dirty="0">
-              <a:solidFill>
-                <a:srgbClr val="854A44"/>
-              </a:solidFill>
-            </a:endParaRPr>
+              <a:t>приближенный</a:t>
+            </a:r>
+            <a:endParaRPr lang="ru-RU" sz="7200" dirty="0"/>
           </a:p>
         </p:txBody>
       </p:sp>
@@ -35854,7 +35741,12 @@
             <p:ph idx="1"/>
           </p:nvPr>
         </p:nvSpPr>
-        <p:spPr/>
+        <p:spPr>
+          <a:xfrm>
+            <a:off x="838200" y="2338808"/>
+            <a:ext cx="10515600" cy="3212906"/>
+          </a:xfrm>
+        </p:spPr>
         <p:txBody>
           <a:bodyPr>
             <a:normAutofit/>
@@ -35862,7 +35754,7 @@
           <a:lstStyle/>
           <a:p>
             <a:r>
-              <a:rPr lang="ru-RU" sz="4000" dirty="0">
+              <a:rPr lang="ru-RU" sz="4400" dirty="0">
                 <a:solidFill>
                   <a:srgbClr val="FF4800"/>
                 </a:solidFill>
@@ -35870,33 +35762,33 @@
               <a:t> </a:t>
             </a:r>
             <a:r>
-              <a:rPr lang="ru-RU" sz="4000" dirty="0">
+              <a:rPr lang="ru-RU" sz="4400" dirty="0">
                 <a:solidFill>
                   <a:srgbClr val="213233"/>
                 </a:solidFill>
               </a:rPr>
-              <a:t>Ребра, не вошедшие в </a:t>
-            </a:r>
-            <a:r>
-              <a:rPr lang="ru-RU" sz="4000" dirty="0" err="1">
+              <a:t>Искать </a:t>
+            </a:r>
+            <a:r>
+              <a:rPr lang="ru-RU" sz="4400" dirty="0" err="1">
                 <a:solidFill>
                   <a:srgbClr val="213233"/>
                 </a:solidFill>
               </a:rPr>
-              <a:t>паросочетание</a:t>
-            </a:r>
-            <a:r>
-              <a:rPr lang="ru-RU" sz="4000" dirty="0">
+              <a:t>паросочетания</a:t>
+            </a:r>
+            <a:r>
+              <a:rPr lang="ru-RU" sz="4400" dirty="0">
                 <a:solidFill>
                   <a:srgbClr val="213233"/>
                 </a:solidFill>
               </a:rPr>
-              <a:t> имеют отрицательный вес</a:t>
+              <a:t> жадно</a:t>
             </a:r>
           </a:p>
           <a:p>
             <a:r>
-              <a:rPr lang="ru-RU" sz="4000" dirty="0">
+              <a:rPr lang="ru-RU" sz="4400" dirty="0">
                 <a:solidFill>
                   <a:srgbClr val="FF4800"/>
                 </a:solidFill>
@@ -35904,62 +35796,28 @@
               <a:t> </a:t>
             </a:r>
             <a:r>
-              <a:rPr lang="ru-RU" sz="4000" dirty="0">
+              <a:rPr lang="ru-RU" sz="4400" dirty="0">
                 <a:solidFill>
                   <a:srgbClr val="213233"/>
                 </a:solidFill>
               </a:rPr>
-              <a:t>Ребра </a:t>
-            </a:r>
-            <a:r>
-              <a:rPr lang="ru-RU" sz="4000" dirty="0" err="1">
+              <a:t>Улучшить найденное </a:t>
+            </a:r>
+            <a:r>
+              <a:rPr lang="ru-RU" sz="4400" dirty="0" err="1">
                 <a:solidFill>
                   <a:srgbClr val="213233"/>
                 </a:solidFill>
               </a:rPr>
-              <a:t>паросочетания</a:t>
-            </a:r>
-            <a:r>
-              <a:rPr lang="ru-RU" sz="4000" dirty="0">
+              <a:t>паросочетание</a:t>
+            </a:r>
+            <a:r>
+              <a:rPr lang="ru-RU" sz="4400" dirty="0">
                 <a:solidFill>
                   <a:srgbClr val="213233"/>
                 </a:solidFill>
               </a:rPr>
-              <a:t> – положительный</a:t>
-            </a:r>
-          </a:p>
-          <a:p>
-            <a:r>
-              <a:rPr lang="ru-RU" sz="4000" dirty="0">
-                <a:solidFill>
-                  <a:srgbClr val="FF4800"/>
-                </a:solidFill>
-              </a:rPr>
-              <a:t> </a:t>
-            </a:r>
-            <a:r>
-              <a:rPr lang="ru-RU" sz="4000" dirty="0">
-                <a:solidFill>
-                  <a:srgbClr val="213233"/>
-                </a:solidFill>
-              </a:rPr>
-              <a:t>Алгоритмом Форда-</a:t>
-            </a:r>
-            <a:r>
-              <a:rPr lang="ru-RU" sz="4000" dirty="0" err="1">
-                <a:solidFill>
-                  <a:srgbClr val="213233"/>
-                </a:solidFill>
-              </a:rPr>
-              <a:t>Фалкерсона</a:t>
-            </a:r>
-            <a:r>
-              <a:rPr lang="ru-RU" sz="4000" dirty="0">
-                <a:solidFill>
-                  <a:srgbClr val="213233"/>
-                </a:solidFill>
-              </a:rPr>
-              <a:t> будем искать минимальную циклическую чередующуюся цепь</a:t>
+              <a:t> при помощи техники поиска отрицательных циклов</a:t>
             </a:r>
           </a:p>
         </p:txBody>
@@ -35967,7 +35825,7 @@
     </p:spTree>
     <p:extLst>
       <p:ext uri="{BB962C8B-B14F-4D97-AF65-F5344CB8AC3E}">
-        <p14:creationId xmlns:p14="http://schemas.microsoft.com/office/powerpoint/2010/main" val="3736059853"/>
+        <p14:creationId xmlns:p14="http://schemas.microsoft.com/office/powerpoint/2010/main" val="4277325739"/>
       </p:ext>
     </p:extLst>
   </p:cSld>
@@ -36006,8 +35864,8 @@
         </p:nvSpPr>
         <p:spPr>
           <a:xfrm>
-            <a:off x="642256" y="1408923"/>
-            <a:ext cx="11123645" cy="3666930"/>
+            <a:off x="838200" y="505084"/>
+            <a:ext cx="10515600" cy="1325563"/>
           </a:xfrm>
         </p:spPr>
         <p:txBody>
@@ -36016,14 +35874,90 @@
           </a:bodyPr>
           <a:lstStyle/>
           <a:p>
-            <a:pPr algn="ctr"/>
             <a:r>
               <a:rPr lang="ru-RU" sz="8000" dirty="0">
                 <a:solidFill>
+                  <a:srgbClr val="213233"/>
+                </a:solidFill>
+              </a:rPr>
+              <a:t>Что же делать?</a:t>
+            </a:r>
+          </a:p>
+        </p:txBody>
+      </p:sp>
+      <p:sp>
+        <p:nvSpPr>
+          <p:cNvPr id="3" name="Объект 2"/>
+          <p:cNvSpPr>
+            <a:spLocks noGrp="1"/>
+          </p:cNvSpPr>
+          <p:nvPr>
+            <p:ph idx="1"/>
+          </p:nvPr>
+        </p:nvSpPr>
+        <p:spPr>
+          <a:xfrm>
+            <a:off x="838200" y="2600066"/>
+            <a:ext cx="10515600" cy="3278220"/>
+          </a:xfrm>
+        </p:spPr>
+        <p:txBody>
+          <a:bodyPr>
+            <a:normAutofit/>
+          </a:bodyPr>
+          <a:lstStyle/>
+          <a:p>
+            <a:r>
+              <a:rPr lang="ru-RU" sz="5400" dirty="0">
+                <a:solidFill>
                   <a:srgbClr val="FF4800"/>
                 </a:solidFill>
               </a:rPr>
-              <a:t>Динамическое программирование</a:t>
+              <a:t> </a:t>
+            </a:r>
+            <a:r>
+              <a:rPr lang="ru-RU" sz="5400" dirty="0">
+                <a:solidFill>
+                  <a:srgbClr val="213233"/>
+                </a:solidFill>
+              </a:rPr>
+              <a:t>Точные алгоритмы с эвристиками</a:t>
+            </a:r>
+          </a:p>
+          <a:p>
+            <a:r>
+              <a:rPr lang="ru-RU" sz="5400" dirty="0">
+                <a:solidFill>
+                  <a:srgbClr val="FF4800"/>
+                </a:solidFill>
+              </a:rPr>
+              <a:t> </a:t>
+            </a:r>
+            <a:r>
+              <a:rPr lang="ru-RU" sz="5400" dirty="0">
+                <a:solidFill>
+                  <a:srgbClr val="213233"/>
+                </a:solidFill>
+              </a:rPr>
+              <a:t>Приближенные алгоритмы</a:t>
+            </a:r>
+          </a:p>
+          <a:p>
+            <a:r>
+              <a:rPr lang="ru-RU" sz="5400" dirty="0">
+                <a:solidFill>
+                  <a:srgbClr val="FF4800"/>
+                </a:solidFill>
+              </a:rPr>
+              <a:t> </a:t>
+            </a:r>
+            <a:r>
+              <a:rPr lang="ru-RU" sz="5400" dirty="0">
+                <a:solidFill>
+                  <a:srgbClr val="213233"/>
+                </a:solidFill>
+              </a:rPr>
+              <a:t>Рандомизированные алгоритмы</a:t>
             </a:r>
           </a:p>
         </p:txBody>
@@ -36031,7 +35965,7 @@
     </p:spTree>
     <p:extLst>
       <p:ext uri="{BB962C8B-B14F-4D97-AF65-F5344CB8AC3E}">
-        <p14:creationId xmlns:p14="http://schemas.microsoft.com/office/powerpoint/2010/main" val="3659755038"/>
+        <p14:creationId xmlns:p14="http://schemas.microsoft.com/office/powerpoint/2010/main" val="2261685067"/>
       </p:ext>
     </p:extLst>
   </p:cSld>
@@ -36042,6 +35976,197 @@
 </file>
 
 <file path=ppt/slides/slide70.xml><?xml version="1.0" encoding="utf-8"?>
+<p:sld xmlns:a="http://schemas.openxmlformats.org/drawingml/2006/main" xmlns:r="http://schemas.openxmlformats.org/officeDocument/2006/relationships" xmlns:p="http://schemas.openxmlformats.org/presentationml/2006/main">
+  <p:cSld>
+    <p:spTree>
+      <p:nvGrpSpPr>
+        <p:cNvPr id="1" name=""/>
+        <p:cNvGrpSpPr/>
+        <p:nvPr/>
+      </p:nvGrpSpPr>
+      <p:grpSpPr>
+        <a:xfrm>
+          <a:off x="0" y="0"/>
+          <a:ext cx="0" cy="0"/>
+          <a:chOff x="0" y="0"/>
+          <a:chExt cx="0" cy="0"/>
+        </a:xfrm>
+      </p:grpSpPr>
+      <p:sp>
+        <p:nvSpPr>
+          <p:cNvPr id="2" name="Заголовок 1"/>
+          <p:cNvSpPr>
+            <a:spLocks noGrp="1"/>
+          </p:cNvSpPr>
+          <p:nvPr>
+            <p:ph type="title"/>
+          </p:nvPr>
+        </p:nvSpPr>
+        <p:spPr/>
+        <p:txBody>
+          <a:bodyPr>
+            <a:normAutofit/>
+          </a:bodyPr>
+          <a:lstStyle/>
+          <a:p>
+            <a:r>
+              <a:rPr lang="ru-RU" sz="7200" dirty="0">
+                <a:solidFill>
+                  <a:srgbClr val="854A44"/>
+                </a:solidFill>
+              </a:rPr>
+              <a:t>Поиск </a:t>
+            </a:r>
+            <a:r>
+              <a:rPr lang="ru-RU" sz="7200" dirty="0" err="1">
+                <a:solidFill>
+                  <a:srgbClr val="854A44"/>
+                </a:solidFill>
+              </a:rPr>
+              <a:t>паросочетания</a:t>
+            </a:r>
+            <a:endParaRPr lang="ru-RU" sz="7200" dirty="0">
+              <a:solidFill>
+                <a:srgbClr val="854A44"/>
+              </a:solidFill>
+            </a:endParaRPr>
+          </a:p>
+        </p:txBody>
+      </p:sp>
+      <p:sp>
+        <p:nvSpPr>
+          <p:cNvPr id="3" name="Объект 2"/>
+          <p:cNvSpPr>
+            <a:spLocks noGrp="1"/>
+          </p:cNvSpPr>
+          <p:nvPr>
+            <p:ph idx="1"/>
+          </p:nvPr>
+        </p:nvSpPr>
+        <p:spPr/>
+        <p:txBody>
+          <a:bodyPr>
+            <a:normAutofit/>
+          </a:bodyPr>
+          <a:lstStyle/>
+          <a:p>
+            <a:r>
+              <a:rPr lang="ru-RU" sz="4000" dirty="0">
+                <a:solidFill>
+                  <a:srgbClr val="FF4800"/>
+                </a:solidFill>
+              </a:rPr>
+              <a:t> </a:t>
+            </a:r>
+            <a:r>
+              <a:rPr lang="ru-RU" sz="4000" dirty="0">
+                <a:solidFill>
+                  <a:srgbClr val="213233"/>
+                </a:solidFill>
+              </a:rPr>
+              <a:t>Ребра, не вошедшие в </a:t>
+            </a:r>
+            <a:r>
+              <a:rPr lang="ru-RU" sz="4000" dirty="0" err="1">
+                <a:solidFill>
+                  <a:srgbClr val="213233"/>
+                </a:solidFill>
+              </a:rPr>
+              <a:t>паросочетание</a:t>
+            </a:r>
+            <a:r>
+              <a:rPr lang="ru-RU" sz="4000" dirty="0">
+                <a:solidFill>
+                  <a:srgbClr val="213233"/>
+                </a:solidFill>
+              </a:rPr>
+              <a:t> имеют отрицательный вес</a:t>
+            </a:r>
+          </a:p>
+          <a:p>
+            <a:r>
+              <a:rPr lang="ru-RU" sz="4000" dirty="0">
+                <a:solidFill>
+                  <a:srgbClr val="FF4800"/>
+                </a:solidFill>
+              </a:rPr>
+              <a:t> </a:t>
+            </a:r>
+            <a:r>
+              <a:rPr lang="ru-RU" sz="4000" dirty="0">
+                <a:solidFill>
+                  <a:srgbClr val="213233"/>
+                </a:solidFill>
+              </a:rPr>
+              <a:t>Ребра </a:t>
+            </a:r>
+            <a:r>
+              <a:rPr lang="ru-RU" sz="4000" dirty="0" err="1">
+                <a:solidFill>
+                  <a:srgbClr val="213233"/>
+                </a:solidFill>
+              </a:rPr>
+              <a:t>паросочетания</a:t>
+            </a:r>
+            <a:r>
+              <a:rPr lang="ru-RU" sz="4000" dirty="0">
+                <a:solidFill>
+                  <a:srgbClr val="213233"/>
+                </a:solidFill>
+              </a:rPr>
+              <a:t> – положительный</a:t>
+            </a:r>
+          </a:p>
+          <a:p>
+            <a:r>
+              <a:rPr lang="ru-RU" sz="4000" dirty="0">
+                <a:solidFill>
+                  <a:srgbClr val="FF4800"/>
+                </a:solidFill>
+              </a:rPr>
+              <a:t> </a:t>
+            </a:r>
+            <a:r>
+              <a:rPr lang="ru-RU" sz="4000" dirty="0">
+                <a:solidFill>
+                  <a:srgbClr val="213233"/>
+                </a:solidFill>
+              </a:rPr>
+              <a:t>Алгоритмом Форда-</a:t>
+            </a:r>
+            <a:r>
+              <a:rPr lang="ru-RU" sz="4000" dirty="0" err="1">
+                <a:solidFill>
+                  <a:srgbClr val="213233"/>
+                </a:solidFill>
+              </a:rPr>
+              <a:t>Белмана</a:t>
+            </a:r>
+            <a:r>
+              <a:rPr lang="ru-RU" sz="4000" dirty="0">
+                <a:solidFill>
+                  <a:srgbClr val="213233"/>
+                </a:solidFill>
+              </a:rPr>
+              <a:t> будем искать минимальную циклическую чередующуюся цепь</a:t>
+            </a:r>
+          </a:p>
+        </p:txBody>
+      </p:sp>
+    </p:spTree>
+    <p:extLst>
+      <p:ext uri="{BB962C8B-B14F-4D97-AF65-F5344CB8AC3E}">
+        <p14:creationId xmlns:p14="http://schemas.microsoft.com/office/powerpoint/2010/main" val="3736059853"/>
+      </p:ext>
+    </p:extLst>
+  </p:cSld>
+  <p:clrMapOvr>
+    <a:masterClrMapping/>
+  </p:clrMapOvr>
+</p:sld>
+</file>
+
+<file path=ppt/slides/slide71.xml><?xml version="1.0" encoding="utf-8"?>
 <p:sld xmlns:a="http://schemas.openxmlformats.org/drawingml/2006/main" xmlns:r="http://schemas.openxmlformats.org/officeDocument/2006/relationships" xmlns:p="http://schemas.openxmlformats.org/presentationml/2006/main">
   <p:cSld>
     <p:spTree>
@@ -36095,7 +36220,7 @@
 </p:sld>
 </file>
 
-<file path=ppt/slides/slide71.xml><?xml version="1.0" encoding="utf-8"?>
+<file path=ppt/slides/slide72.xml><?xml version="1.0" encoding="utf-8"?>
 <p:sld xmlns:a="http://schemas.openxmlformats.org/drawingml/2006/main" xmlns:r="http://schemas.openxmlformats.org/officeDocument/2006/relationships" xmlns:p="http://schemas.openxmlformats.org/presentationml/2006/main">
   <p:cSld>
     <p:spTree>
@@ -36149,7 +36274,7 @@
 </p:sld>
 </file>
 
-<file path=ppt/slides/slide72.xml><?xml version="1.0" encoding="utf-8"?>
+<file path=ppt/slides/slide73.xml><?xml version="1.0" encoding="utf-8"?>
 <p:sld xmlns:a="http://schemas.openxmlformats.org/drawingml/2006/main" xmlns:r="http://schemas.openxmlformats.org/officeDocument/2006/relationships" xmlns:p="http://schemas.openxmlformats.org/presentationml/2006/main">
   <p:cSld>
     <p:spTree>
@@ -36360,89 +36485,6 @@
     <p:extLst>
       <p:ext uri="{BB962C8B-B14F-4D97-AF65-F5344CB8AC3E}">
         <p14:creationId xmlns:p14="http://schemas.microsoft.com/office/powerpoint/2010/main" val="3445661962"/>
-      </p:ext>
-    </p:extLst>
-  </p:cSld>
-  <p:clrMapOvr>
-    <a:masterClrMapping/>
-  </p:clrMapOvr>
-</p:sld>
-</file>
-
-<file path=ppt/slides/slide73.xml><?xml version="1.0" encoding="utf-8"?>
-<p:sld xmlns:a="http://schemas.openxmlformats.org/drawingml/2006/main" xmlns:r="http://schemas.openxmlformats.org/officeDocument/2006/relationships" xmlns:p="http://schemas.openxmlformats.org/presentationml/2006/main">
-  <p:cSld>
-    <p:spTree>
-      <p:nvGrpSpPr>
-        <p:cNvPr id="1" name=""/>
-        <p:cNvGrpSpPr/>
-        <p:nvPr/>
-      </p:nvGrpSpPr>
-      <p:grpSpPr>
-        <a:xfrm>
-          <a:off x="0" y="0"/>
-          <a:ext cx="0" cy="0"/>
-          <a:chOff x="0" y="0"/>
-          <a:chExt cx="0" cy="0"/>
-        </a:xfrm>
-      </p:grpSpPr>
-      <p:sp>
-        <p:nvSpPr>
-          <p:cNvPr id="2" name="Заголовок 1"/>
-          <p:cNvSpPr>
-            <a:spLocks noGrp="1"/>
-          </p:cNvSpPr>
-          <p:nvPr>
-            <p:ph type="title"/>
-          </p:nvPr>
-        </p:nvSpPr>
-        <p:spPr/>
-        <p:txBody>
-          <a:bodyPr>
-            <a:normAutofit/>
-          </a:bodyPr>
-          <a:lstStyle/>
-          <a:p>
-            <a:r>
-              <a:rPr lang="ru-RU" sz="8000" dirty="0">
-                <a:solidFill>
-                  <a:srgbClr val="854A44"/>
-                </a:solidFill>
-              </a:rPr>
-              <a:t>1.5 приближенный</a:t>
-            </a:r>
-          </a:p>
-        </p:txBody>
-      </p:sp>
-      <p:graphicFrame>
-        <p:nvGraphicFramePr>
-          <p:cNvPr id="6" name="Объект 5"/>
-          <p:cNvGraphicFramePr>
-            <a:graphicFrameLocks noGrp="1"/>
-          </p:cNvGraphicFramePr>
-          <p:nvPr>
-            <p:ph idx="1"/>
-            <p:extLst>
-              <p:ext uri="{D42A27DB-BD31-4B8C-83A1-F6EECF244321}">
-                <p14:modId xmlns:p14="http://schemas.microsoft.com/office/powerpoint/2010/main" val="2053567088"/>
-              </p:ext>
-            </p:extLst>
-          </p:nvPr>
-        </p:nvGraphicFramePr>
-        <p:xfrm>
-          <a:off x="838200" y="1825625"/>
-          <a:ext cx="10515600" cy="4351338"/>
-        </p:xfrm>
-        <a:graphic>
-          <a:graphicData uri="http://schemas.openxmlformats.org/drawingml/2006/chart">
-            <c:chart xmlns:c="http://schemas.openxmlformats.org/drawingml/2006/chart" xmlns:r="http://schemas.openxmlformats.org/officeDocument/2006/relationships" r:id="rId2"/>
-          </a:graphicData>
-        </a:graphic>
-      </p:graphicFrame>
-    </p:spTree>
-    <p:extLst>
-      <p:ext uri="{BB962C8B-B14F-4D97-AF65-F5344CB8AC3E}">
-        <p14:creationId xmlns:p14="http://schemas.microsoft.com/office/powerpoint/2010/main" val="107918459"/>
       </p:ext>
     </p:extLst>
   </p:cSld>
@@ -36482,12 +36524,12 @@
         <p:spPr/>
         <p:txBody>
           <a:bodyPr>
-            <a:noAutofit/>
+            <a:normAutofit/>
           </a:bodyPr>
           <a:lstStyle/>
           <a:p>
             <a:r>
-              <a:rPr lang="ru-RU" sz="5400" dirty="0">
+              <a:rPr lang="ru-RU" sz="8000" dirty="0">
                 <a:solidFill>
                   <a:srgbClr val="854A44"/>
                 </a:solidFill>
@@ -36507,7 +36549,7 @@
             <p:ph idx="1"/>
             <p:extLst>
               <p:ext uri="{D42A27DB-BD31-4B8C-83A1-F6EECF244321}">
-                <p14:modId xmlns:p14="http://schemas.microsoft.com/office/powerpoint/2010/main" val="972368111"/>
+                <p14:modId xmlns:p14="http://schemas.microsoft.com/office/powerpoint/2010/main" val="2053567088"/>
               </p:ext>
             </p:extLst>
           </p:nvPr>
@@ -36525,7 +36567,7 @@
     </p:spTree>
     <p:extLst>
       <p:ext uri="{BB962C8B-B14F-4D97-AF65-F5344CB8AC3E}">
-        <p14:creationId xmlns:p14="http://schemas.microsoft.com/office/powerpoint/2010/main" val="2643814969"/>
+        <p14:creationId xmlns:p14="http://schemas.microsoft.com/office/powerpoint/2010/main" val="107918459"/>
       </p:ext>
     </p:extLst>
   </p:cSld>
@@ -36590,6 +36632,89 @@
             <p:ph idx="1"/>
             <p:extLst>
               <p:ext uri="{D42A27DB-BD31-4B8C-83A1-F6EECF244321}">
+                <p14:modId xmlns:p14="http://schemas.microsoft.com/office/powerpoint/2010/main" val="972368111"/>
+              </p:ext>
+            </p:extLst>
+          </p:nvPr>
+        </p:nvGraphicFramePr>
+        <p:xfrm>
+          <a:off x="838200" y="1825625"/>
+          <a:ext cx="10515600" cy="4351338"/>
+        </p:xfrm>
+        <a:graphic>
+          <a:graphicData uri="http://schemas.openxmlformats.org/drawingml/2006/chart">
+            <c:chart xmlns:c="http://schemas.openxmlformats.org/drawingml/2006/chart" xmlns:r="http://schemas.openxmlformats.org/officeDocument/2006/relationships" r:id="rId2"/>
+          </a:graphicData>
+        </a:graphic>
+      </p:graphicFrame>
+    </p:spTree>
+    <p:extLst>
+      <p:ext uri="{BB962C8B-B14F-4D97-AF65-F5344CB8AC3E}">
+        <p14:creationId xmlns:p14="http://schemas.microsoft.com/office/powerpoint/2010/main" val="2643814969"/>
+      </p:ext>
+    </p:extLst>
+  </p:cSld>
+  <p:clrMapOvr>
+    <a:masterClrMapping/>
+  </p:clrMapOvr>
+</p:sld>
+</file>
+
+<file path=ppt/slides/slide76.xml><?xml version="1.0" encoding="utf-8"?>
+<p:sld xmlns:a="http://schemas.openxmlformats.org/drawingml/2006/main" xmlns:r="http://schemas.openxmlformats.org/officeDocument/2006/relationships" xmlns:p="http://schemas.openxmlformats.org/presentationml/2006/main">
+  <p:cSld>
+    <p:spTree>
+      <p:nvGrpSpPr>
+        <p:cNvPr id="1" name=""/>
+        <p:cNvGrpSpPr/>
+        <p:nvPr/>
+      </p:nvGrpSpPr>
+      <p:grpSpPr>
+        <a:xfrm>
+          <a:off x="0" y="0"/>
+          <a:ext cx="0" cy="0"/>
+          <a:chOff x="0" y="0"/>
+          <a:chExt cx="0" cy="0"/>
+        </a:xfrm>
+      </p:grpSpPr>
+      <p:sp>
+        <p:nvSpPr>
+          <p:cNvPr id="2" name="Заголовок 1"/>
+          <p:cNvSpPr>
+            <a:spLocks noGrp="1"/>
+          </p:cNvSpPr>
+          <p:nvPr>
+            <p:ph type="title"/>
+          </p:nvPr>
+        </p:nvSpPr>
+        <p:spPr/>
+        <p:txBody>
+          <a:bodyPr>
+            <a:noAutofit/>
+          </a:bodyPr>
+          <a:lstStyle/>
+          <a:p>
+            <a:r>
+              <a:rPr lang="ru-RU" sz="5400" dirty="0">
+                <a:solidFill>
+                  <a:srgbClr val="854A44"/>
+                </a:solidFill>
+              </a:rPr>
+              <a:t>1.5 приближенный</a:t>
+            </a:r>
+          </a:p>
+        </p:txBody>
+      </p:sp>
+      <p:graphicFrame>
+        <p:nvGraphicFramePr>
+          <p:cNvPr id="6" name="Объект 5"/>
+          <p:cNvGraphicFramePr>
+            <a:graphicFrameLocks noGrp="1"/>
+          </p:cNvGraphicFramePr>
+          <p:nvPr>
+            <p:ph idx="1"/>
+            <p:extLst>
+              <p:ext uri="{D42A27DB-BD31-4B8C-83A1-F6EECF244321}">
                 <p14:modId xmlns:p14="http://schemas.microsoft.com/office/powerpoint/2010/main" val="1086710925"/>
               </p:ext>
             </p:extLst>
@@ -36618,7 +36743,7 @@
 </p:sld>
 </file>
 
-<file path=ppt/slides/slide76.xml><?xml version="1.0" encoding="utf-8"?>
+<file path=ppt/slides/slide77.xml><?xml version="1.0" encoding="utf-8"?>
 <p:sld xmlns:a="http://schemas.openxmlformats.org/drawingml/2006/main" xmlns:r="http://schemas.openxmlformats.org/officeDocument/2006/relationships" xmlns:p="http://schemas.openxmlformats.org/presentationml/2006/main">
   <p:cSld>
     <p:spTree>
@@ -36673,226 +36798,6 @@
     <p:extLst>
       <p:ext uri="{BB962C8B-B14F-4D97-AF65-F5344CB8AC3E}">
         <p14:creationId xmlns:p14="http://schemas.microsoft.com/office/powerpoint/2010/main" val="3662349626"/>
-      </p:ext>
-    </p:extLst>
-  </p:cSld>
-  <p:clrMapOvr>
-    <a:masterClrMapping/>
-  </p:clrMapOvr>
-</p:sld>
-</file>
-
-<file path=ppt/slides/slide77.xml><?xml version="1.0" encoding="utf-8"?>
-<p:sld xmlns:a="http://schemas.openxmlformats.org/drawingml/2006/main" xmlns:r="http://schemas.openxmlformats.org/officeDocument/2006/relationships" xmlns:p="http://schemas.openxmlformats.org/presentationml/2006/main">
-  <p:cSld>
-    <p:spTree>
-      <p:nvGrpSpPr>
-        <p:cNvPr id="1" name=""/>
-        <p:cNvGrpSpPr/>
-        <p:nvPr/>
-      </p:nvGrpSpPr>
-      <p:grpSpPr>
-        <a:xfrm>
-          <a:off x="0" y="0"/>
-          <a:ext cx="0" cy="0"/>
-          <a:chOff x="0" y="0"/>
-          <a:chExt cx="0" cy="0"/>
-        </a:xfrm>
-      </p:grpSpPr>
-      <p:sp>
-        <p:nvSpPr>
-          <p:cNvPr id="2" name="Заголовок 1"/>
-          <p:cNvSpPr>
-            <a:spLocks noGrp="1"/>
-          </p:cNvSpPr>
-          <p:nvPr>
-            <p:ph type="title"/>
-          </p:nvPr>
-        </p:nvSpPr>
-        <p:spPr/>
-        <p:txBody>
-          <a:bodyPr>
-            <a:normAutofit/>
-          </a:bodyPr>
-          <a:lstStyle/>
-          <a:p>
-            <a:r>
-              <a:rPr lang="ru-RU" sz="8000" dirty="0">
-                <a:solidFill>
-                  <a:srgbClr val="854A44"/>
-                </a:solidFill>
-              </a:rPr>
-              <a:t>Градиентный спуск</a:t>
-            </a:r>
-          </a:p>
-        </p:txBody>
-      </p:sp>
-      <p:sp>
-        <p:nvSpPr>
-          <p:cNvPr id="3" name="Объект 2"/>
-          <p:cNvSpPr>
-            <a:spLocks noGrp="1"/>
-          </p:cNvSpPr>
-          <p:nvPr>
-            <p:ph idx="1"/>
-          </p:nvPr>
-        </p:nvSpPr>
-        <p:spPr>
-          <a:xfrm>
-            <a:off x="838200" y="2152196"/>
-            <a:ext cx="10515600" cy="3324873"/>
-          </a:xfrm>
-        </p:spPr>
-        <p:txBody>
-          <a:bodyPr>
-            <a:normAutofit/>
-          </a:bodyPr>
-          <a:lstStyle/>
-          <a:p>
-            <a:pPr marL="0" indent="0">
-              <a:buNone/>
-            </a:pPr>
-            <a:r>
-              <a:rPr lang="en-US" sz="4000" dirty="0">
-                <a:solidFill>
-                  <a:srgbClr val="FF4800"/>
-                </a:solidFill>
-              </a:rPr>
-              <a:t>F(x</a:t>
-            </a:r>
-            <a:r>
-              <a:rPr lang="en-US" sz="4000" baseline="-25000" dirty="0">
-                <a:solidFill>
-                  <a:srgbClr val="FF4800"/>
-                </a:solidFill>
-              </a:rPr>
-              <a:t>1</a:t>
-            </a:r>
-            <a:r>
-              <a:rPr lang="en-US" sz="4000" dirty="0">
-                <a:solidFill>
-                  <a:srgbClr val="FF4800"/>
-                </a:solidFill>
-              </a:rPr>
-              <a:t>, x</a:t>
-            </a:r>
-            <a:r>
-              <a:rPr lang="en-US" sz="4000" baseline="-25000" dirty="0">
-                <a:solidFill>
-                  <a:srgbClr val="FF4800"/>
-                </a:solidFill>
-              </a:rPr>
-              <a:t>2</a:t>
-            </a:r>
-            <a:r>
-              <a:rPr lang="en-US" sz="4000" dirty="0">
-                <a:solidFill>
-                  <a:srgbClr val="FF4800"/>
-                </a:solidFill>
-              </a:rPr>
-              <a:t>, …. , x</a:t>
-            </a:r>
-            <a:r>
-              <a:rPr lang="en-US" sz="4000" baseline="-25000" dirty="0">
-                <a:solidFill>
-                  <a:srgbClr val="FF4800"/>
-                </a:solidFill>
-              </a:rPr>
-              <a:t>n</a:t>
-            </a:r>
-            <a:r>
-              <a:rPr lang="en-US" sz="4000" dirty="0">
-                <a:solidFill>
-                  <a:srgbClr val="FF4800"/>
-                </a:solidFill>
-              </a:rPr>
-              <a:t>) </a:t>
-            </a:r>
-            <a:r>
-              <a:rPr lang="en-US" sz="4000" dirty="0"/>
-              <a:t>– </a:t>
-            </a:r>
-            <a:r>
-              <a:rPr lang="ru-RU" sz="4000" dirty="0"/>
-              <a:t>ф-</a:t>
-            </a:r>
-            <a:r>
-              <a:rPr lang="ru-RU" sz="4000" dirty="0" err="1"/>
-              <a:t>ция</a:t>
-            </a:r>
-            <a:r>
-              <a:rPr lang="ru-RU" sz="4000" dirty="0"/>
-              <a:t> длинны гамильтонова цикла</a:t>
-            </a:r>
-          </a:p>
-          <a:p>
-            <a:pPr marL="0" indent="0">
-              <a:buNone/>
-            </a:pPr>
-            <a:r>
-              <a:rPr lang="en-US" sz="4000" dirty="0">
-                <a:solidFill>
-                  <a:srgbClr val="FF4800"/>
-                </a:solidFill>
-              </a:rPr>
-              <a:t>X</a:t>
-            </a:r>
-            <a:r>
-              <a:rPr lang="en-US" sz="4000" baseline="-25000" dirty="0">
-                <a:solidFill>
-                  <a:srgbClr val="FF4800"/>
-                </a:solidFill>
-              </a:rPr>
-              <a:t>1</a:t>
-            </a:r>
-            <a:r>
-              <a:rPr lang="en-US" sz="4000" baseline="-25000" dirty="0"/>
-              <a:t> </a:t>
-            </a:r>
-            <a:r>
-              <a:rPr lang="en-US" sz="4000" dirty="0"/>
-              <a:t> - </a:t>
-            </a:r>
-            <a:r>
-              <a:rPr lang="ru-RU" sz="4000" dirty="0"/>
-              <a:t>стартовая вершина</a:t>
-            </a:r>
-          </a:p>
-          <a:p>
-            <a:pPr marL="0" indent="0">
-              <a:buNone/>
-            </a:pPr>
-            <a:r>
-              <a:rPr lang="en-US" sz="4000" dirty="0">
-                <a:solidFill>
-                  <a:srgbClr val="FF4800"/>
-                </a:solidFill>
-              </a:rPr>
-              <a:t>X</a:t>
-            </a:r>
-            <a:r>
-              <a:rPr lang="en-US" sz="4000" baseline="-25000" dirty="0">
-                <a:solidFill>
-                  <a:srgbClr val="FF4800"/>
-                </a:solidFill>
-              </a:rPr>
-              <a:t>2</a:t>
-            </a:r>
-            <a:r>
-              <a:rPr lang="ru-RU" sz="4000" baseline="-25000" dirty="0"/>
-              <a:t> </a:t>
-            </a:r>
-            <a:r>
-              <a:rPr lang="ru-RU" sz="4000" dirty="0"/>
-              <a:t> - вершина, посещенная второй и т.д.</a:t>
-            </a:r>
-          </a:p>
-        </p:txBody>
-      </p:sp>
-    </p:spTree>
-    <p:extLst>
-      <p:ext uri="{BB962C8B-B14F-4D97-AF65-F5344CB8AC3E}">
-        <p14:creationId xmlns:p14="http://schemas.microsoft.com/office/powerpoint/2010/main" val="1286188110"/>
       </p:ext>
     </p:extLst>
   </p:cSld>
@@ -36959,8 +36864,8 @@
         </p:nvSpPr>
         <p:spPr>
           <a:xfrm>
-            <a:off x="838200" y="2945299"/>
-            <a:ext cx="10515600" cy="1897290"/>
+            <a:off x="838200" y="2152196"/>
+            <a:ext cx="10515600" cy="3324873"/>
           </a:xfrm>
         </p:spPr>
         <p:txBody>
@@ -36973,18 +36878,77 @@
               <a:buNone/>
             </a:pPr>
             <a:r>
-              <a:rPr lang="ru-RU" sz="4000" dirty="0">
-                <a:solidFill>
-                  <a:srgbClr val="213233"/>
-                </a:solidFill>
-              </a:rPr>
-              <a:t>Определим возможные переходы</a:t>
-            </a:r>
-            <a:endParaRPr lang="en-US" sz="4000" dirty="0">
-              <a:solidFill>
-                <a:srgbClr val="213233"/>
-              </a:solidFill>
-            </a:endParaRPr>
+              <a:rPr lang="en-US" sz="4000" dirty="0">
+                <a:solidFill>
+                  <a:srgbClr val="FF4800"/>
+                </a:solidFill>
+              </a:rPr>
+              <a:t>F(x</a:t>
+            </a:r>
+            <a:r>
+              <a:rPr lang="en-US" sz="4000" baseline="-25000" dirty="0">
+                <a:solidFill>
+                  <a:srgbClr val="FF4800"/>
+                </a:solidFill>
+              </a:rPr>
+              <a:t>1</a:t>
+            </a:r>
+            <a:r>
+              <a:rPr lang="en-US" sz="4000" dirty="0">
+                <a:solidFill>
+                  <a:srgbClr val="FF4800"/>
+                </a:solidFill>
+              </a:rPr>
+              <a:t>, x</a:t>
+            </a:r>
+            <a:r>
+              <a:rPr lang="en-US" sz="4000" baseline="-25000" dirty="0">
+                <a:solidFill>
+                  <a:srgbClr val="FF4800"/>
+                </a:solidFill>
+              </a:rPr>
+              <a:t>2</a:t>
+            </a:r>
+            <a:r>
+              <a:rPr lang="en-US" sz="4000" dirty="0">
+                <a:solidFill>
+                  <a:srgbClr val="FF4800"/>
+                </a:solidFill>
+              </a:rPr>
+              <a:t>, …. , x</a:t>
+            </a:r>
+            <a:r>
+              <a:rPr lang="en-US" sz="4000" baseline="-25000" dirty="0">
+                <a:solidFill>
+                  <a:srgbClr val="FF4800"/>
+                </a:solidFill>
+              </a:rPr>
+              <a:t>n</a:t>
+            </a:r>
+            <a:r>
+              <a:rPr lang="en-US" sz="4000" dirty="0">
+                <a:solidFill>
+                  <a:srgbClr val="FF4800"/>
+                </a:solidFill>
+              </a:rPr>
+              <a:t>) </a:t>
+            </a:r>
+            <a:r>
+              <a:rPr lang="en-US" sz="4000" dirty="0"/>
+              <a:t>– </a:t>
+            </a:r>
+            <a:r>
+              <a:rPr lang="ru-RU" sz="4000" dirty="0"/>
+              <a:t>ф-</a:t>
+            </a:r>
+            <a:r>
+              <a:rPr lang="ru-RU" sz="4000" dirty="0" err="1"/>
+              <a:t>ция</a:t>
+            </a:r>
+            <a:r>
+              <a:rPr lang="ru-RU" sz="4000" dirty="0"/>
+              <a:t> длинны гамильтонова цикла</a:t>
+            </a:r>
           </a:p>
           <a:p>
             <a:pPr marL="0" indent="0">
@@ -36996,7 +36960,7 @@
                   <a:srgbClr val="FF4800"/>
                 </a:solidFill>
               </a:rPr>
-              <a:t>{x</a:t>
+              <a:t>X</a:t>
             </a:r>
             <a:r>
               <a:rPr lang="en-US" sz="4000" baseline="-25000" dirty="0">
@@ -37007,12 +36971,29 @@
               <a:t>1</a:t>
             </a:r>
             <a:r>
+              <a:rPr lang="en-US" sz="4000" baseline="-25000" dirty="0"/>
+              <a:t> </a:t>
+            </a:r>
+            <a:r>
+              <a:rPr lang="en-US" sz="4000" dirty="0"/>
+              <a:t> - </a:t>
+            </a:r>
+            <a:r>
+              <a:rPr lang="ru-RU" sz="4000" dirty="0"/>
+              <a:t>стартовая вершина</a:t>
+            </a:r>
+          </a:p>
+          <a:p>
+            <a:pPr marL="0" indent="0">
+              <a:buNone/>
+            </a:pPr>
+            <a:r>
               <a:rPr lang="en-US" sz="4000" dirty="0">
                 <a:solidFill>
                   <a:srgbClr val="FF4800"/>
                 </a:solidFill>
               </a:rPr>
-              <a:t>, x</a:t>
+              <a:t>X</a:t>
             </a:r>
             <a:r>
               <a:rPr lang="en-US" sz="4000" baseline="-25000" dirty="0">
@@ -37023,113 +37004,20 @@
               <a:t>2</a:t>
             </a:r>
             <a:r>
-              <a:rPr lang="en-US" sz="4000" dirty="0">
-                <a:solidFill>
-                  <a:srgbClr val="FF4800"/>
-                </a:solidFill>
-              </a:rPr>
-              <a:t>, …, x</a:t>
-            </a:r>
-            <a:r>
-              <a:rPr lang="en-US" sz="4000" baseline="-25000" dirty="0">
-                <a:solidFill>
-                  <a:srgbClr val="FF4800"/>
-                </a:solidFill>
-              </a:rPr>
-              <a:t>n</a:t>
-            </a:r>
-            <a:r>
-              <a:rPr lang="en-US" sz="4000" dirty="0">
-                <a:solidFill>
-                  <a:srgbClr val="FF4800"/>
-                </a:solidFill>
-              </a:rPr>
-              <a:t>}  </a:t>
-            </a:r>
-            <a:r>
-              <a:rPr lang="ru-RU" dirty="0"/>
-              <a:t>→</a:t>
-            </a:r>
-            <a:r>
-              <a:rPr lang="en-US" dirty="0"/>
-              <a:t>  </a:t>
-            </a:r>
-            <a:r>
-              <a:rPr lang="en-US" sz="4000" dirty="0">
-                <a:solidFill>
-                  <a:srgbClr val="FF4800"/>
-                </a:solidFill>
-              </a:rPr>
-              <a:t>{y</a:t>
-            </a:r>
-            <a:r>
-              <a:rPr lang="en-US" sz="4000" baseline="-25000" dirty="0">
-                <a:solidFill>
-                  <a:srgbClr val="FF4800"/>
-                </a:solidFill>
-              </a:rPr>
-              <a:t>1</a:t>
-            </a:r>
-            <a:r>
-              <a:rPr lang="en-US" sz="4000" dirty="0">
-                <a:solidFill>
-                  <a:srgbClr val="FF4800"/>
-                </a:solidFill>
-              </a:rPr>
-              <a:t>, y</a:t>
-            </a:r>
-            <a:r>
-              <a:rPr lang="en-US" sz="4000" baseline="-25000" dirty="0">
-                <a:solidFill>
-                  <a:srgbClr val="FF4800"/>
-                </a:solidFill>
-              </a:rPr>
-              <a:t>2</a:t>
-            </a:r>
-            <a:r>
-              <a:rPr lang="en-US" sz="4000" dirty="0">
-                <a:solidFill>
-                  <a:srgbClr val="FF4800"/>
-                </a:solidFill>
-              </a:rPr>
-              <a:t>, …, </a:t>
-            </a:r>
-            <a:r>
-              <a:rPr lang="en-US" sz="4000" dirty="0" err="1">
-                <a:solidFill>
-                  <a:srgbClr val="FF4800"/>
-                </a:solidFill>
-              </a:rPr>
-              <a:t>y</a:t>
-            </a:r>
-            <a:r>
-              <a:rPr lang="en-US" sz="4000" baseline="-25000" dirty="0" err="1">
-                <a:solidFill>
-                  <a:srgbClr val="FF4800"/>
-                </a:solidFill>
-              </a:rPr>
-              <a:t>n</a:t>
-            </a:r>
-            <a:r>
-              <a:rPr lang="en-US" sz="4000" dirty="0">
-                <a:solidFill>
-                  <a:srgbClr val="FF4800"/>
-                </a:solidFill>
-              </a:rPr>
-              <a:t>} </a:t>
-            </a:r>
-            <a:endParaRPr lang="ru-RU" sz="4000" dirty="0">
-              <a:solidFill>
-                <a:srgbClr val="213233"/>
-              </a:solidFill>
-            </a:endParaRPr>
+              <a:rPr lang="ru-RU" sz="4000" baseline="-25000" dirty="0"/>
+              <a:t> </a:t>
+            </a:r>
+            <a:r>
+              <a:rPr lang="ru-RU" sz="4000" dirty="0"/>
+              <a:t> - вершина, посещенная второй и т.д.</a:t>
+            </a:r>
           </a:p>
         </p:txBody>
       </p:sp>
     </p:spTree>
     <p:extLst>
       <p:ext uri="{BB962C8B-B14F-4D97-AF65-F5344CB8AC3E}">
-        <p14:creationId xmlns:p14="http://schemas.microsoft.com/office/powerpoint/2010/main" val="3720233747"/>
+        <p14:creationId xmlns:p14="http://schemas.microsoft.com/office/powerpoint/2010/main" val="1286188110"/>
       </p:ext>
     </p:extLst>
   </p:cSld>
@@ -37196,6 +37084,307 @@
         </p:nvSpPr>
         <p:spPr>
           <a:xfrm>
+            <a:off x="838200" y="2945299"/>
+            <a:ext cx="10515600" cy="1897290"/>
+          </a:xfrm>
+        </p:spPr>
+        <p:txBody>
+          <a:bodyPr>
+            <a:normAutofit/>
+          </a:bodyPr>
+          <a:lstStyle/>
+          <a:p>
+            <a:pPr marL="0" indent="0">
+              <a:buNone/>
+            </a:pPr>
+            <a:r>
+              <a:rPr lang="ru-RU" sz="4000" dirty="0">
+                <a:solidFill>
+                  <a:srgbClr val="213233"/>
+                </a:solidFill>
+              </a:rPr>
+              <a:t>Определим возможные переходы</a:t>
+            </a:r>
+            <a:endParaRPr lang="en-US" sz="4000" dirty="0">
+              <a:solidFill>
+                <a:srgbClr val="213233"/>
+              </a:solidFill>
+            </a:endParaRPr>
+          </a:p>
+          <a:p>
+            <a:pPr marL="0" indent="0">
+              <a:buNone/>
+            </a:pPr>
+            <a:r>
+              <a:rPr lang="en-US" sz="4000" dirty="0">
+                <a:solidFill>
+                  <a:srgbClr val="FF4800"/>
+                </a:solidFill>
+              </a:rPr>
+              <a:t>{x</a:t>
+            </a:r>
+            <a:r>
+              <a:rPr lang="en-US" sz="4000" baseline="-25000" dirty="0">
+                <a:solidFill>
+                  <a:srgbClr val="FF4800"/>
+                </a:solidFill>
+              </a:rPr>
+              <a:t>1</a:t>
+            </a:r>
+            <a:r>
+              <a:rPr lang="en-US" sz="4000" dirty="0">
+                <a:solidFill>
+                  <a:srgbClr val="FF4800"/>
+                </a:solidFill>
+              </a:rPr>
+              <a:t>, x</a:t>
+            </a:r>
+            <a:r>
+              <a:rPr lang="en-US" sz="4000" baseline="-25000" dirty="0">
+                <a:solidFill>
+                  <a:srgbClr val="FF4800"/>
+                </a:solidFill>
+              </a:rPr>
+              <a:t>2</a:t>
+            </a:r>
+            <a:r>
+              <a:rPr lang="en-US" sz="4000" dirty="0">
+                <a:solidFill>
+                  <a:srgbClr val="FF4800"/>
+                </a:solidFill>
+              </a:rPr>
+              <a:t>, …, x</a:t>
+            </a:r>
+            <a:r>
+              <a:rPr lang="en-US" sz="4000" baseline="-25000" dirty="0">
+                <a:solidFill>
+                  <a:srgbClr val="FF4800"/>
+                </a:solidFill>
+              </a:rPr>
+              <a:t>n</a:t>
+            </a:r>
+            <a:r>
+              <a:rPr lang="en-US" sz="4000" dirty="0">
+                <a:solidFill>
+                  <a:srgbClr val="FF4800"/>
+                </a:solidFill>
+              </a:rPr>
+              <a:t>}  </a:t>
+            </a:r>
+            <a:r>
+              <a:rPr lang="ru-RU" dirty="0"/>
+              <a:t>→</a:t>
+            </a:r>
+            <a:r>
+              <a:rPr lang="en-US" dirty="0"/>
+              <a:t>  </a:t>
+            </a:r>
+            <a:r>
+              <a:rPr lang="en-US" sz="4000" dirty="0">
+                <a:solidFill>
+                  <a:srgbClr val="FF4800"/>
+                </a:solidFill>
+              </a:rPr>
+              <a:t>{y</a:t>
+            </a:r>
+            <a:r>
+              <a:rPr lang="en-US" sz="4000" baseline="-25000" dirty="0">
+                <a:solidFill>
+                  <a:srgbClr val="FF4800"/>
+                </a:solidFill>
+              </a:rPr>
+              <a:t>1</a:t>
+            </a:r>
+            <a:r>
+              <a:rPr lang="en-US" sz="4000" dirty="0">
+                <a:solidFill>
+                  <a:srgbClr val="FF4800"/>
+                </a:solidFill>
+              </a:rPr>
+              <a:t>, y</a:t>
+            </a:r>
+            <a:r>
+              <a:rPr lang="en-US" sz="4000" baseline="-25000" dirty="0">
+                <a:solidFill>
+                  <a:srgbClr val="FF4800"/>
+                </a:solidFill>
+              </a:rPr>
+              <a:t>2</a:t>
+            </a:r>
+            <a:r>
+              <a:rPr lang="en-US" sz="4000" dirty="0">
+                <a:solidFill>
+                  <a:srgbClr val="FF4800"/>
+                </a:solidFill>
+              </a:rPr>
+              <a:t>, …, </a:t>
+            </a:r>
+            <a:r>
+              <a:rPr lang="en-US" sz="4000" dirty="0" err="1">
+                <a:solidFill>
+                  <a:srgbClr val="FF4800"/>
+                </a:solidFill>
+              </a:rPr>
+              <a:t>y</a:t>
+            </a:r>
+            <a:r>
+              <a:rPr lang="en-US" sz="4000" baseline="-25000" dirty="0" err="1">
+                <a:solidFill>
+                  <a:srgbClr val="FF4800"/>
+                </a:solidFill>
+              </a:rPr>
+              <a:t>n</a:t>
+            </a:r>
+            <a:r>
+              <a:rPr lang="en-US" sz="4000" dirty="0">
+                <a:solidFill>
+                  <a:srgbClr val="FF4800"/>
+                </a:solidFill>
+              </a:rPr>
+              <a:t>} </a:t>
+            </a:r>
+            <a:endParaRPr lang="ru-RU" sz="4000" dirty="0">
+              <a:solidFill>
+                <a:srgbClr val="213233"/>
+              </a:solidFill>
+            </a:endParaRPr>
+          </a:p>
+        </p:txBody>
+      </p:sp>
+    </p:spTree>
+    <p:extLst>
+      <p:ext uri="{BB962C8B-B14F-4D97-AF65-F5344CB8AC3E}">
+        <p14:creationId xmlns:p14="http://schemas.microsoft.com/office/powerpoint/2010/main" val="3720233747"/>
+      </p:ext>
+    </p:extLst>
+  </p:cSld>
+  <p:clrMapOvr>
+    <a:masterClrMapping/>
+  </p:clrMapOvr>
+</p:sld>
+</file>
+
+<file path=ppt/slides/slide8.xml><?xml version="1.0" encoding="utf-8"?>
+<p:sld xmlns:a="http://schemas.openxmlformats.org/drawingml/2006/main" xmlns:r="http://schemas.openxmlformats.org/officeDocument/2006/relationships" xmlns:p="http://schemas.openxmlformats.org/presentationml/2006/main">
+  <p:cSld>
+    <p:spTree>
+      <p:nvGrpSpPr>
+        <p:cNvPr id="1" name=""/>
+        <p:cNvGrpSpPr/>
+        <p:nvPr/>
+      </p:nvGrpSpPr>
+      <p:grpSpPr>
+        <a:xfrm>
+          <a:off x="0" y="0"/>
+          <a:ext cx="0" cy="0"/>
+          <a:chOff x="0" y="0"/>
+          <a:chExt cx="0" cy="0"/>
+        </a:xfrm>
+      </p:grpSpPr>
+      <p:sp>
+        <p:nvSpPr>
+          <p:cNvPr id="2" name="Заголовок 1"/>
+          <p:cNvSpPr>
+            <a:spLocks noGrp="1"/>
+          </p:cNvSpPr>
+          <p:nvPr>
+            <p:ph type="title"/>
+          </p:nvPr>
+        </p:nvSpPr>
+        <p:spPr>
+          <a:xfrm>
+            <a:off x="642256" y="1408923"/>
+            <a:ext cx="11123645" cy="3666930"/>
+          </a:xfrm>
+        </p:spPr>
+        <p:txBody>
+          <a:bodyPr>
+            <a:noAutofit/>
+          </a:bodyPr>
+          <a:lstStyle/>
+          <a:p>
+            <a:pPr algn="ctr"/>
+            <a:r>
+              <a:rPr lang="ru-RU" sz="8000" dirty="0">
+                <a:solidFill>
+                  <a:srgbClr val="FF4800"/>
+                </a:solidFill>
+              </a:rPr>
+              <a:t>Динамическое программирование</a:t>
+            </a:r>
+          </a:p>
+        </p:txBody>
+      </p:sp>
+    </p:spTree>
+    <p:extLst>
+      <p:ext uri="{BB962C8B-B14F-4D97-AF65-F5344CB8AC3E}">
+        <p14:creationId xmlns:p14="http://schemas.microsoft.com/office/powerpoint/2010/main" val="3659755038"/>
+      </p:ext>
+    </p:extLst>
+  </p:cSld>
+  <p:clrMapOvr>
+    <a:masterClrMapping/>
+  </p:clrMapOvr>
+</p:sld>
+</file>
+
+<file path=ppt/slides/slide80.xml><?xml version="1.0" encoding="utf-8"?>
+<p:sld xmlns:a="http://schemas.openxmlformats.org/drawingml/2006/main" xmlns:r="http://schemas.openxmlformats.org/officeDocument/2006/relationships" xmlns:p="http://schemas.openxmlformats.org/presentationml/2006/main">
+  <p:cSld>
+    <p:spTree>
+      <p:nvGrpSpPr>
+        <p:cNvPr id="1" name=""/>
+        <p:cNvGrpSpPr/>
+        <p:nvPr/>
+      </p:nvGrpSpPr>
+      <p:grpSpPr>
+        <a:xfrm>
+          <a:off x="0" y="0"/>
+          <a:ext cx="0" cy="0"/>
+          <a:chOff x="0" y="0"/>
+          <a:chExt cx="0" cy="0"/>
+        </a:xfrm>
+      </p:grpSpPr>
+      <p:sp>
+        <p:nvSpPr>
+          <p:cNvPr id="2" name="Заголовок 1"/>
+          <p:cNvSpPr>
+            <a:spLocks noGrp="1"/>
+          </p:cNvSpPr>
+          <p:nvPr>
+            <p:ph type="title"/>
+          </p:nvPr>
+        </p:nvSpPr>
+        <p:spPr/>
+        <p:txBody>
+          <a:bodyPr>
+            <a:normAutofit/>
+          </a:bodyPr>
+          <a:lstStyle/>
+          <a:p>
+            <a:r>
+              <a:rPr lang="ru-RU" sz="8000" dirty="0">
+                <a:solidFill>
+                  <a:srgbClr val="854A44"/>
+                </a:solidFill>
+              </a:rPr>
+              <a:t>Градиентный спуск</a:t>
+            </a:r>
+          </a:p>
+        </p:txBody>
+      </p:sp>
+      <p:sp>
+        <p:nvSpPr>
+          <p:cNvPr id="3" name="Объект 2"/>
+          <p:cNvSpPr>
+            <a:spLocks noGrp="1"/>
+          </p:cNvSpPr>
+          <p:nvPr>
+            <p:ph idx="1"/>
+          </p:nvPr>
+        </p:nvSpPr>
+        <p:spPr>
+          <a:xfrm>
             <a:off x="838200" y="3271870"/>
             <a:ext cx="10515600" cy="1710677"/>
           </a:xfrm>
@@ -37408,7 +37597,969 @@
 </p:sld>
 </file>
 
-<file path=ppt/slides/slide8.xml><?xml version="1.0" encoding="utf-8"?>
+<file path=ppt/slides/slide81.xml><?xml version="1.0" encoding="utf-8"?>
+<p:sld xmlns:a="http://schemas.openxmlformats.org/drawingml/2006/main" xmlns:r="http://schemas.openxmlformats.org/officeDocument/2006/relationships" xmlns:p="http://schemas.openxmlformats.org/presentationml/2006/main">
+  <p:cSld>
+    <p:spTree>
+      <p:nvGrpSpPr>
+        <p:cNvPr id="1" name=""/>
+        <p:cNvGrpSpPr/>
+        <p:nvPr/>
+      </p:nvGrpSpPr>
+      <p:grpSpPr>
+        <a:xfrm>
+          <a:off x="0" y="0"/>
+          <a:ext cx="0" cy="0"/>
+          <a:chOff x="0" y="0"/>
+          <a:chExt cx="0" cy="0"/>
+        </a:xfrm>
+      </p:grpSpPr>
+      <p:pic>
+        <p:nvPicPr>
+          <p:cNvPr id="7" name="Объект 6"/>
+          <p:cNvPicPr>
+            <a:picLocks noGrp="1" noChangeAspect="1"/>
+          </p:cNvPicPr>
+          <p:nvPr>
+            <p:ph idx="1"/>
+          </p:nvPr>
+        </p:nvPicPr>
+        <p:blipFill>
+          <a:blip r:embed="rId2"/>
+          <a:stretch>
+            <a:fillRect/>
+          </a:stretch>
+        </p:blipFill>
+        <p:spPr>
+          <a:xfrm>
+            <a:off x="2111877" y="1088507"/>
+            <a:ext cx="8192183" cy="4351338"/>
+          </a:xfrm>
+          <a:prstGeom prst="rect">
+            <a:avLst/>
+          </a:prstGeom>
+        </p:spPr>
+      </p:pic>
+    </p:spTree>
+    <p:extLst>
+      <p:ext uri="{BB962C8B-B14F-4D97-AF65-F5344CB8AC3E}">
+        <p14:creationId xmlns:p14="http://schemas.microsoft.com/office/powerpoint/2010/main" val="3869120795"/>
+      </p:ext>
+    </p:extLst>
+  </p:cSld>
+  <p:clrMapOvr>
+    <a:masterClrMapping/>
+  </p:clrMapOvr>
+</p:sld>
+</file>
+
+<file path=ppt/slides/slide82.xml><?xml version="1.0" encoding="utf-8"?>
+<p:sld xmlns:a="http://schemas.openxmlformats.org/drawingml/2006/main" xmlns:r="http://schemas.openxmlformats.org/officeDocument/2006/relationships" xmlns:p="http://schemas.openxmlformats.org/presentationml/2006/main">
+  <p:cSld>
+    <p:spTree>
+      <p:nvGrpSpPr>
+        <p:cNvPr id="1" name=""/>
+        <p:cNvGrpSpPr/>
+        <p:nvPr/>
+      </p:nvGrpSpPr>
+      <p:grpSpPr>
+        <a:xfrm>
+          <a:off x="0" y="0"/>
+          <a:ext cx="0" cy="0"/>
+          <a:chOff x="0" y="0"/>
+          <a:chExt cx="0" cy="0"/>
+        </a:xfrm>
+      </p:grpSpPr>
+      <p:sp>
+        <p:nvSpPr>
+          <p:cNvPr id="2" name="Заголовок 1"/>
+          <p:cNvSpPr>
+            <a:spLocks noGrp="1"/>
+          </p:cNvSpPr>
+          <p:nvPr>
+            <p:ph type="title"/>
+          </p:nvPr>
+        </p:nvSpPr>
+        <p:spPr/>
+        <p:txBody>
+          <a:bodyPr>
+            <a:normAutofit/>
+          </a:bodyPr>
+          <a:lstStyle/>
+          <a:p>
+            <a:r>
+              <a:rPr lang="ru-RU" sz="8000" dirty="0">
+                <a:solidFill>
+                  <a:srgbClr val="854A44"/>
+                </a:solidFill>
+              </a:rPr>
+              <a:t>2-</a:t>
+            </a:r>
+            <a:r>
+              <a:rPr lang="en-US" sz="8000" dirty="0">
+                <a:solidFill>
+                  <a:srgbClr val="854A44"/>
+                </a:solidFill>
+              </a:rPr>
+              <a:t>opt</a:t>
+            </a:r>
+            <a:endParaRPr lang="ru-RU" sz="8000" dirty="0">
+              <a:solidFill>
+                <a:srgbClr val="854A44"/>
+              </a:solidFill>
+            </a:endParaRPr>
+          </a:p>
+        </p:txBody>
+      </p:sp>
+      <p:sp>
+        <p:nvSpPr>
+          <p:cNvPr id="3" name="Объект 2"/>
+          <p:cNvSpPr>
+            <a:spLocks noGrp="1"/>
+          </p:cNvSpPr>
+          <p:nvPr>
+            <p:ph idx="1"/>
+          </p:nvPr>
+        </p:nvSpPr>
+        <p:spPr>
+          <a:xfrm>
+            <a:off x="838200" y="2677887"/>
+            <a:ext cx="10515600" cy="1978090"/>
+          </a:xfrm>
+        </p:spPr>
+        <p:txBody>
+          <a:bodyPr>
+            <a:normAutofit/>
+          </a:bodyPr>
+          <a:lstStyle/>
+          <a:p>
+            <a:pPr marL="0" indent="0">
+              <a:buNone/>
+            </a:pPr>
+            <a:r>
+              <a:rPr lang="ru-RU" sz="5400" dirty="0">
+                <a:solidFill>
+                  <a:srgbClr val="213233"/>
+                </a:solidFill>
+              </a:rPr>
+              <a:t>Выберем два индекса </a:t>
+            </a:r>
+            <a:r>
+              <a:rPr lang="en-US" sz="5400" dirty="0" err="1">
+                <a:solidFill>
+                  <a:srgbClr val="FF4800"/>
+                </a:solidFill>
+              </a:rPr>
+              <a:t>i</a:t>
+            </a:r>
+            <a:r>
+              <a:rPr lang="ru-RU" sz="5400" dirty="0">
+                <a:solidFill>
+                  <a:srgbClr val="213233"/>
+                </a:solidFill>
+              </a:rPr>
+              <a:t>, </a:t>
+            </a:r>
+            <a:r>
+              <a:rPr lang="en-US" sz="5400" dirty="0">
+                <a:solidFill>
+                  <a:srgbClr val="FF4800"/>
+                </a:solidFill>
+              </a:rPr>
+              <a:t>j</a:t>
+            </a:r>
+            <a:r>
+              <a:rPr lang="ru-RU" sz="5400" dirty="0">
+                <a:solidFill>
+                  <a:srgbClr val="213233"/>
+                </a:solidFill>
+              </a:rPr>
+              <a:t> и перевернем </a:t>
+            </a:r>
+            <a:r>
+              <a:rPr lang="ru-RU" sz="5400" dirty="0" err="1">
+                <a:solidFill>
+                  <a:srgbClr val="213233"/>
+                </a:solidFill>
+              </a:rPr>
+              <a:t>подмасив</a:t>
+            </a:r>
+            <a:r>
+              <a:rPr lang="ru-RU" sz="5400" dirty="0">
+                <a:solidFill>
+                  <a:srgbClr val="213233"/>
+                </a:solidFill>
+              </a:rPr>
+              <a:t> </a:t>
+            </a:r>
+            <a:r>
+              <a:rPr lang="en-US" sz="5400" dirty="0">
+                <a:solidFill>
+                  <a:srgbClr val="FF4800"/>
+                </a:solidFill>
+              </a:rPr>
+              <a:t>x</a:t>
+            </a:r>
+            <a:r>
+              <a:rPr lang="en-US" sz="5400" baseline="-25000" dirty="0">
+                <a:solidFill>
+                  <a:srgbClr val="FF4800"/>
+                </a:solidFill>
+              </a:rPr>
+              <a:t>i</a:t>
+            </a:r>
+            <a:r>
+              <a:rPr lang="en-US" sz="5400" dirty="0">
+                <a:solidFill>
+                  <a:srgbClr val="FF4800"/>
+                </a:solidFill>
+              </a:rPr>
+              <a:t>, x</a:t>
+            </a:r>
+            <a:r>
+              <a:rPr lang="en-US" sz="5400" baseline="-25000" dirty="0">
+                <a:solidFill>
+                  <a:srgbClr val="FF4800"/>
+                </a:solidFill>
+              </a:rPr>
+              <a:t>i+1</a:t>
+            </a:r>
+            <a:r>
+              <a:rPr lang="en-US" sz="5400" dirty="0">
+                <a:solidFill>
+                  <a:srgbClr val="FF4800"/>
+                </a:solidFill>
+              </a:rPr>
+              <a:t>, …., x</a:t>
+            </a:r>
+            <a:r>
+              <a:rPr lang="en-US" sz="5400" baseline="-25000" dirty="0">
+                <a:solidFill>
+                  <a:srgbClr val="FF4800"/>
+                </a:solidFill>
+              </a:rPr>
+              <a:t>j</a:t>
+            </a:r>
+            <a:endParaRPr lang="ru-RU" sz="5400" baseline="-25000" dirty="0">
+              <a:solidFill>
+                <a:srgbClr val="FF4800"/>
+              </a:solidFill>
+            </a:endParaRPr>
+          </a:p>
+        </p:txBody>
+      </p:sp>
+    </p:spTree>
+    <p:extLst>
+      <p:ext uri="{BB962C8B-B14F-4D97-AF65-F5344CB8AC3E}">
+        <p14:creationId xmlns:p14="http://schemas.microsoft.com/office/powerpoint/2010/main" val="2400798322"/>
+      </p:ext>
+    </p:extLst>
+  </p:cSld>
+  <p:clrMapOvr>
+    <a:masterClrMapping/>
+  </p:clrMapOvr>
+</p:sld>
+</file>
+
+<file path=ppt/slides/slide83.xml><?xml version="1.0" encoding="utf-8"?>
+<p:sld xmlns:a="http://schemas.openxmlformats.org/drawingml/2006/main" xmlns:r="http://schemas.openxmlformats.org/officeDocument/2006/relationships" xmlns:p="http://schemas.openxmlformats.org/presentationml/2006/main">
+  <p:cSld>
+    <p:spTree>
+      <p:nvGrpSpPr>
+        <p:cNvPr id="1" name=""/>
+        <p:cNvGrpSpPr/>
+        <p:nvPr/>
+      </p:nvGrpSpPr>
+      <p:grpSpPr>
+        <a:xfrm>
+          <a:off x="0" y="0"/>
+          <a:ext cx="0" cy="0"/>
+          <a:chOff x="0" y="0"/>
+          <a:chExt cx="0" cy="0"/>
+        </a:xfrm>
+      </p:grpSpPr>
+      <p:pic>
+        <p:nvPicPr>
+          <p:cNvPr id="4" name="Рисунок 3"/>
+          <p:cNvPicPr>
+            <a:picLocks noChangeAspect="1"/>
+          </p:cNvPicPr>
+          <p:nvPr/>
+        </p:nvPicPr>
+        <p:blipFill>
+          <a:blip r:embed="rId2"/>
+          <a:stretch>
+            <a:fillRect/>
+          </a:stretch>
+        </p:blipFill>
+        <p:spPr>
+          <a:xfrm>
+            <a:off x="442912" y="385762"/>
+            <a:ext cx="11306175" cy="6086475"/>
+          </a:xfrm>
+          <a:prstGeom prst="rect">
+            <a:avLst/>
+          </a:prstGeom>
+        </p:spPr>
+      </p:pic>
+    </p:spTree>
+    <p:extLst>
+      <p:ext uri="{BB962C8B-B14F-4D97-AF65-F5344CB8AC3E}">
+        <p14:creationId xmlns:p14="http://schemas.microsoft.com/office/powerpoint/2010/main" val="3876440033"/>
+      </p:ext>
+    </p:extLst>
+  </p:cSld>
+  <p:clrMapOvr>
+    <a:masterClrMapping/>
+  </p:clrMapOvr>
+</p:sld>
+</file>
+
+<file path=ppt/slides/slide84.xml><?xml version="1.0" encoding="utf-8"?>
+<p:sld xmlns:a="http://schemas.openxmlformats.org/drawingml/2006/main" xmlns:r="http://schemas.openxmlformats.org/officeDocument/2006/relationships" xmlns:p="http://schemas.openxmlformats.org/presentationml/2006/main">
+  <p:cSld>
+    <p:spTree>
+      <p:nvGrpSpPr>
+        <p:cNvPr id="1" name=""/>
+        <p:cNvGrpSpPr/>
+        <p:nvPr/>
+      </p:nvGrpSpPr>
+      <p:grpSpPr>
+        <a:xfrm>
+          <a:off x="0" y="0"/>
+          <a:ext cx="0" cy="0"/>
+          <a:chOff x="0" y="0"/>
+          <a:chExt cx="0" cy="0"/>
+        </a:xfrm>
+      </p:grpSpPr>
+      <p:sp>
+        <p:nvSpPr>
+          <p:cNvPr id="2" name="Заголовок 1"/>
+          <p:cNvSpPr>
+            <a:spLocks noGrp="1"/>
+          </p:cNvSpPr>
+          <p:nvPr>
+            <p:ph type="title"/>
+          </p:nvPr>
+        </p:nvSpPr>
+        <p:spPr/>
+        <p:txBody>
+          <a:bodyPr>
+            <a:normAutofit/>
+          </a:bodyPr>
+          <a:lstStyle/>
+          <a:p>
+            <a:r>
+              <a:rPr lang="en-US" sz="8000" dirty="0">
+                <a:solidFill>
+                  <a:srgbClr val="854A44"/>
+                </a:solidFill>
+              </a:rPr>
+              <a:t>3</a:t>
+            </a:r>
+            <a:r>
+              <a:rPr lang="ru-RU" sz="8000" dirty="0">
+                <a:solidFill>
+                  <a:srgbClr val="854A44"/>
+                </a:solidFill>
+              </a:rPr>
+              <a:t>-</a:t>
+            </a:r>
+            <a:r>
+              <a:rPr lang="en-US" sz="8000" dirty="0">
+                <a:solidFill>
+                  <a:srgbClr val="854A44"/>
+                </a:solidFill>
+              </a:rPr>
+              <a:t>opt</a:t>
+            </a:r>
+            <a:endParaRPr lang="ru-RU" sz="8000" dirty="0">
+              <a:solidFill>
+                <a:srgbClr val="854A44"/>
+              </a:solidFill>
+            </a:endParaRPr>
+          </a:p>
+        </p:txBody>
+      </p:sp>
+      <p:sp>
+        <p:nvSpPr>
+          <p:cNvPr id="3" name="Объект 2"/>
+          <p:cNvSpPr>
+            <a:spLocks noGrp="1"/>
+          </p:cNvSpPr>
+          <p:nvPr>
+            <p:ph idx="1"/>
+          </p:nvPr>
+        </p:nvSpPr>
+        <p:spPr>
+          <a:xfrm>
+            <a:off x="838200" y="2677887"/>
+            <a:ext cx="10515600" cy="1978090"/>
+          </a:xfrm>
+        </p:spPr>
+        <p:txBody>
+          <a:bodyPr>
+            <a:normAutofit/>
+          </a:bodyPr>
+          <a:lstStyle/>
+          <a:p>
+            <a:pPr marL="0" indent="0">
+              <a:buNone/>
+            </a:pPr>
+            <a:r>
+              <a:rPr lang="ru-RU" sz="5400" dirty="0">
+                <a:solidFill>
+                  <a:srgbClr val="213233"/>
+                </a:solidFill>
+              </a:rPr>
+              <a:t>Выберем два индекса </a:t>
+            </a:r>
+            <a:r>
+              <a:rPr lang="en-US" sz="5400" dirty="0" err="1">
+                <a:solidFill>
+                  <a:srgbClr val="FF4800"/>
+                </a:solidFill>
+              </a:rPr>
+              <a:t>i</a:t>
+            </a:r>
+            <a:r>
+              <a:rPr lang="ru-RU" sz="5400" dirty="0">
+                <a:solidFill>
+                  <a:srgbClr val="213233"/>
+                </a:solidFill>
+              </a:rPr>
+              <a:t>, </a:t>
+            </a:r>
+            <a:r>
+              <a:rPr lang="en-US" sz="5400" dirty="0">
+                <a:solidFill>
+                  <a:srgbClr val="FF4800"/>
+                </a:solidFill>
+              </a:rPr>
+              <a:t>j</a:t>
+            </a:r>
+            <a:r>
+              <a:rPr lang="ru-RU" sz="5400" dirty="0">
+                <a:solidFill>
+                  <a:srgbClr val="213233"/>
+                </a:solidFill>
+              </a:rPr>
+              <a:t> и вставим </a:t>
+            </a:r>
+            <a:r>
+              <a:rPr lang="en-US" sz="5400" dirty="0">
+                <a:solidFill>
+                  <a:srgbClr val="FF4800"/>
+                </a:solidFill>
+              </a:rPr>
+              <a:t>x</a:t>
+            </a:r>
+            <a:r>
+              <a:rPr lang="en-US" sz="5400" baseline="-25000" dirty="0">
+                <a:solidFill>
+                  <a:srgbClr val="FF4800"/>
+                </a:solidFill>
+              </a:rPr>
+              <a:t>j</a:t>
+            </a:r>
+            <a:r>
+              <a:rPr lang="ru-RU" sz="5400" baseline="-25000" dirty="0">
+                <a:solidFill>
+                  <a:srgbClr val="FF4800"/>
+                </a:solidFill>
+              </a:rPr>
+              <a:t> </a:t>
+            </a:r>
+            <a:r>
+              <a:rPr lang="ru-RU" sz="5400" dirty="0">
+                <a:solidFill>
+                  <a:srgbClr val="213233"/>
+                </a:solidFill>
+              </a:rPr>
+              <a:t>после </a:t>
+            </a:r>
+            <a:r>
+              <a:rPr lang="en-US" sz="5400" dirty="0">
+                <a:solidFill>
+                  <a:srgbClr val="FF4800"/>
+                </a:solidFill>
+              </a:rPr>
+              <a:t>x</a:t>
+            </a:r>
+            <a:r>
+              <a:rPr lang="en-US" sz="5400" baseline="-25000" dirty="0">
+                <a:solidFill>
+                  <a:srgbClr val="FF4800"/>
+                </a:solidFill>
+              </a:rPr>
+              <a:t>i </a:t>
+            </a:r>
+            <a:r>
+              <a:rPr lang="ru-RU" sz="5400" dirty="0">
+                <a:solidFill>
+                  <a:srgbClr val="213233"/>
+                </a:solidFill>
+              </a:rPr>
+              <a:t>так, что </a:t>
+            </a:r>
+            <a:r>
+              <a:rPr lang="en-US" sz="5400" dirty="0">
+                <a:solidFill>
+                  <a:srgbClr val="FF4800"/>
+                </a:solidFill>
+              </a:rPr>
+              <a:t>…x</a:t>
+            </a:r>
+            <a:r>
+              <a:rPr lang="en-US" sz="5400" baseline="-25000" dirty="0">
+                <a:solidFill>
+                  <a:srgbClr val="FF4800"/>
+                </a:solidFill>
+              </a:rPr>
+              <a:t>i</a:t>
+            </a:r>
+            <a:r>
+              <a:rPr lang="en-US" sz="5400" dirty="0">
+                <a:solidFill>
+                  <a:srgbClr val="FF4800"/>
+                </a:solidFill>
+              </a:rPr>
+              <a:t>, x</a:t>
+            </a:r>
+            <a:r>
+              <a:rPr lang="en-US" sz="5400" baseline="-25000" dirty="0">
+                <a:solidFill>
+                  <a:srgbClr val="FF4800"/>
+                </a:solidFill>
+              </a:rPr>
+              <a:t>j</a:t>
+            </a:r>
+            <a:r>
+              <a:rPr lang="en-US" sz="5400" dirty="0">
+                <a:solidFill>
+                  <a:srgbClr val="FF4800"/>
+                </a:solidFill>
+              </a:rPr>
+              <a:t>, x</a:t>
+            </a:r>
+            <a:r>
+              <a:rPr lang="en-US" sz="5400" baseline="-25000" dirty="0">
+                <a:solidFill>
+                  <a:srgbClr val="FF4800"/>
+                </a:solidFill>
+              </a:rPr>
+              <a:t>i+1</a:t>
+            </a:r>
+            <a:r>
+              <a:rPr lang="en-US" sz="5400" dirty="0">
+                <a:solidFill>
+                  <a:srgbClr val="FF4800"/>
+                </a:solidFill>
+              </a:rPr>
+              <a:t>…</a:t>
+            </a:r>
+            <a:endParaRPr lang="ru-RU" sz="5400" dirty="0">
+              <a:solidFill>
+                <a:srgbClr val="FF4800"/>
+              </a:solidFill>
+            </a:endParaRPr>
+          </a:p>
+        </p:txBody>
+      </p:sp>
+    </p:spTree>
+    <p:extLst>
+      <p:ext uri="{BB962C8B-B14F-4D97-AF65-F5344CB8AC3E}">
+        <p14:creationId xmlns:p14="http://schemas.microsoft.com/office/powerpoint/2010/main" val="383421330"/>
+      </p:ext>
+    </p:extLst>
+  </p:cSld>
+  <p:clrMapOvr>
+    <a:masterClrMapping/>
+  </p:clrMapOvr>
+</p:sld>
+</file>
+
+<file path=ppt/slides/slide85.xml><?xml version="1.0" encoding="utf-8"?>
+<p:sld xmlns:a="http://schemas.openxmlformats.org/drawingml/2006/main" xmlns:r="http://schemas.openxmlformats.org/officeDocument/2006/relationships" xmlns:p="http://schemas.openxmlformats.org/presentationml/2006/main">
+  <p:cSld>
+    <p:spTree>
+      <p:nvGrpSpPr>
+        <p:cNvPr id="1" name=""/>
+        <p:cNvGrpSpPr/>
+        <p:nvPr/>
+      </p:nvGrpSpPr>
+      <p:grpSpPr>
+        <a:xfrm>
+          <a:off x="0" y="0"/>
+          <a:ext cx="0" cy="0"/>
+          <a:chOff x="0" y="0"/>
+          <a:chExt cx="0" cy="0"/>
+        </a:xfrm>
+      </p:grpSpPr>
+      <p:pic>
+        <p:nvPicPr>
+          <p:cNvPr id="2" name="Рисунок 1"/>
+          <p:cNvPicPr>
+            <a:picLocks noChangeAspect="1"/>
+          </p:cNvPicPr>
+          <p:nvPr/>
+        </p:nvPicPr>
+        <p:blipFill>
+          <a:blip r:embed="rId2"/>
+          <a:stretch>
+            <a:fillRect/>
+          </a:stretch>
+        </p:blipFill>
+        <p:spPr>
+          <a:xfrm>
+            <a:off x="309562" y="1071562"/>
+            <a:ext cx="11572875" cy="4714875"/>
+          </a:xfrm>
+          <a:prstGeom prst="rect">
+            <a:avLst/>
+          </a:prstGeom>
+        </p:spPr>
+      </p:pic>
+    </p:spTree>
+    <p:extLst>
+      <p:ext uri="{BB962C8B-B14F-4D97-AF65-F5344CB8AC3E}">
+        <p14:creationId xmlns:p14="http://schemas.microsoft.com/office/powerpoint/2010/main" val="126625500"/>
+      </p:ext>
+    </p:extLst>
+  </p:cSld>
+  <p:clrMapOvr>
+    <a:masterClrMapping/>
+  </p:clrMapOvr>
+</p:sld>
+</file>
+
+<file path=ppt/slides/slide86.xml><?xml version="1.0" encoding="utf-8"?>
+<p:sld xmlns:a="http://schemas.openxmlformats.org/drawingml/2006/main" xmlns:r="http://schemas.openxmlformats.org/officeDocument/2006/relationships" xmlns:p="http://schemas.openxmlformats.org/presentationml/2006/main">
+  <p:cSld>
+    <p:spTree>
+      <p:nvGrpSpPr>
+        <p:cNvPr id="1" name=""/>
+        <p:cNvGrpSpPr/>
+        <p:nvPr/>
+      </p:nvGrpSpPr>
+      <p:grpSpPr>
+        <a:xfrm>
+          <a:off x="0" y="0"/>
+          <a:ext cx="0" cy="0"/>
+          <a:chOff x="0" y="0"/>
+          <a:chExt cx="0" cy="0"/>
+        </a:xfrm>
+      </p:grpSpPr>
+      <p:sp>
+        <p:nvSpPr>
+          <p:cNvPr id="2" name="Заголовок 1"/>
+          <p:cNvSpPr>
+            <a:spLocks noGrp="1"/>
+          </p:cNvSpPr>
+          <p:nvPr>
+            <p:ph type="title"/>
+          </p:nvPr>
+        </p:nvSpPr>
+        <p:spPr/>
+        <p:txBody>
+          <a:bodyPr>
+            <a:normAutofit/>
+          </a:bodyPr>
+          <a:lstStyle/>
+          <a:p>
+            <a:r>
+              <a:rPr lang="ru-RU" sz="8000" dirty="0">
+                <a:solidFill>
+                  <a:srgbClr val="854A44"/>
+                </a:solidFill>
+              </a:rPr>
+              <a:t>Градиентный спуск</a:t>
+            </a:r>
+          </a:p>
+        </p:txBody>
+      </p:sp>
+      <p:sp>
+        <p:nvSpPr>
+          <p:cNvPr id="3" name="Объект 2"/>
+          <p:cNvSpPr>
+            <a:spLocks noGrp="1"/>
+          </p:cNvSpPr>
+          <p:nvPr>
+            <p:ph idx="1"/>
+          </p:nvPr>
+        </p:nvSpPr>
+        <p:spPr>
+          <a:xfrm>
+            <a:off x="838200" y="3163078"/>
+            <a:ext cx="10515600" cy="1828799"/>
+          </a:xfrm>
+        </p:spPr>
+        <p:txBody>
+          <a:bodyPr>
+            <a:normAutofit/>
+          </a:bodyPr>
+          <a:lstStyle/>
+          <a:p>
+            <a:pPr marL="0" indent="0">
+              <a:buNone/>
+            </a:pPr>
+            <a:r>
+              <a:rPr lang="ru-RU" sz="4000" dirty="0">
+                <a:solidFill>
+                  <a:srgbClr val="213233"/>
+                </a:solidFill>
+              </a:rPr>
+              <a:t>В качестве начальной точки можно выбрать любой гамильтонов цикл.</a:t>
+            </a:r>
+          </a:p>
+        </p:txBody>
+      </p:sp>
+    </p:spTree>
+    <p:extLst>
+      <p:ext uri="{BB962C8B-B14F-4D97-AF65-F5344CB8AC3E}">
+        <p14:creationId xmlns:p14="http://schemas.microsoft.com/office/powerpoint/2010/main" val="2943246969"/>
+      </p:ext>
+    </p:extLst>
+  </p:cSld>
+  <p:clrMapOvr>
+    <a:masterClrMapping/>
+  </p:clrMapOvr>
+</p:sld>
+</file>
+
+<file path=ppt/slides/slide87.xml><?xml version="1.0" encoding="utf-8"?>
+<p:sld xmlns:a="http://schemas.openxmlformats.org/drawingml/2006/main" xmlns:r="http://schemas.openxmlformats.org/officeDocument/2006/relationships" xmlns:p="http://schemas.openxmlformats.org/presentationml/2006/main">
+  <p:cSld>
+    <p:spTree>
+      <p:nvGrpSpPr>
+        <p:cNvPr id="1" name=""/>
+        <p:cNvGrpSpPr/>
+        <p:nvPr/>
+      </p:nvGrpSpPr>
+      <p:grpSpPr>
+        <a:xfrm>
+          <a:off x="0" y="0"/>
+          <a:ext cx="0" cy="0"/>
+          <a:chOff x="0" y="0"/>
+          <a:chExt cx="0" cy="0"/>
+        </a:xfrm>
+      </p:grpSpPr>
+      <p:sp>
+        <p:nvSpPr>
+          <p:cNvPr id="2" name="Заголовок 1"/>
+          <p:cNvSpPr>
+            <a:spLocks noGrp="1"/>
+          </p:cNvSpPr>
+          <p:nvPr>
+            <p:ph type="title"/>
+          </p:nvPr>
+        </p:nvSpPr>
+        <p:spPr/>
+        <p:txBody>
+          <a:bodyPr>
+            <a:normAutofit/>
+          </a:bodyPr>
+          <a:lstStyle/>
+          <a:p>
+            <a:r>
+              <a:rPr lang="ru-RU" sz="8000" dirty="0">
+                <a:solidFill>
+                  <a:srgbClr val="854A44"/>
+                </a:solidFill>
+              </a:rPr>
+              <a:t>Градиентный спуск</a:t>
+            </a:r>
+            <a:endParaRPr lang="ru-RU" sz="8000" dirty="0"/>
+          </a:p>
+        </p:txBody>
+      </p:sp>
+      <p:graphicFrame>
+        <p:nvGraphicFramePr>
+          <p:cNvPr id="6" name="Объект 5"/>
+          <p:cNvGraphicFramePr>
+            <a:graphicFrameLocks noGrp="1"/>
+          </p:cNvGraphicFramePr>
+          <p:nvPr>
+            <p:ph idx="1"/>
+            <p:extLst>
+              <p:ext uri="{D42A27DB-BD31-4B8C-83A1-F6EECF244321}">
+                <p14:modId xmlns:p14="http://schemas.microsoft.com/office/powerpoint/2010/main" val="3170353712"/>
+              </p:ext>
+            </p:extLst>
+          </p:nvPr>
+        </p:nvGraphicFramePr>
+        <p:xfrm>
+          <a:off x="838200" y="1825625"/>
+          <a:ext cx="10515600" cy="4351338"/>
+        </p:xfrm>
+        <a:graphic>
+          <a:graphicData uri="http://schemas.openxmlformats.org/drawingml/2006/chart">
+            <c:chart xmlns:c="http://schemas.openxmlformats.org/drawingml/2006/chart" xmlns:r="http://schemas.openxmlformats.org/officeDocument/2006/relationships" r:id="rId2"/>
+          </a:graphicData>
+        </a:graphic>
+      </p:graphicFrame>
+    </p:spTree>
+    <p:extLst>
+      <p:ext uri="{BB962C8B-B14F-4D97-AF65-F5344CB8AC3E}">
+        <p14:creationId xmlns:p14="http://schemas.microsoft.com/office/powerpoint/2010/main" val="3576697760"/>
+      </p:ext>
+    </p:extLst>
+  </p:cSld>
+  <p:clrMapOvr>
+    <a:masterClrMapping/>
+  </p:clrMapOvr>
+</p:sld>
+</file>
+
+<file path=ppt/slides/slide88.xml><?xml version="1.0" encoding="utf-8"?>
+<p:sld xmlns:a="http://schemas.openxmlformats.org/drawingml/2006/main" xmlns:r="http://schemas.openxmlformats.org/officeDocument/2006/relationships" xmlns:p="http://schemas.openxmlformats.org/presentationml/2006/main">
+  <p:cSld>
+    <p:spTree>
+      <p:nvGrpSpPr>
+        <p:cNvPr id="1" name=""/>
+        <p:cNvGrpSpPr/>
+        <p:nvPr/>
+      </p:nvGrpSpPr>
+      <p:grpSpPr>
+        <a:xfrm>
+          <a:off x="0" y="0"/>
+          <a:ext cx="0" cy="0"/>
+          <a:chOff x="0" y="0"/>
+          <a:chExt cx="0" cy="0"/>
+        </a:xfrm>
+      </p:grpSpPr>
+      <p:sp>
+        <p:nvSpPr>
+          <p:cNvPr id="2" name="Заголовок 1"/>
+          <p:cNvSpPr>
+            <a:spLocks noGrp="1"/>
+          </p:cNvSpPr>
+          <p:nvPr>
+            <p:ph type="title"/>
+          </p:nvPr>
+        </p:nvSpPr>
+        <p:spPr/>
+        <p:txBody>
+          <a:bodyPr>
+            <a:normAutofit/>
+          </a:bodyPr>
+          <a:lstStyle/>
+          <a:p>
+            <a:r>
+              <a:rPr lang="ru-RU" sz="8000" dirty="0">
+                <a:solidFill>
+                  <a:srgbClr val="854A44"/>
+                </a:solidFill>
+              </a:rPr>
+              <a:t>Градиентный спуск</a:t>
+            </a:r>
+            <a:endParaRPr lang="ru-RU" sz="8000" dirty="0"/>
+          </a:p>
+        </p:txBody>
+      </p:sp>
+      <p:graphicFrame>
+        <p:nvGraphicFramePr>
+          <p:cNvPr id="6" name="Объект 5"/>
+          <p:cNvGraphicFramePr>
+            <a:graphicFrameLocks noGrp="1"/>
+          </p:cNvGraphicFramePr>
+          <p:nvPr>
+            <p:ph idx="1"/>
+            <p:extLst>
+              <p:ext uri="{D42A27DB-BD31-4B8C-83A1-F6EECF244321}">
+                <p14:modId xmlns:p14="http://schemas.microsoft.com/office/powerpoint/2010/main" val="2792456130"/>
+              </p:ext>
+            </p:extLst>
+          </p:nvPr>
+        </p:nvGraphicFramePr>
+        <p:xfrm>
+          <a:off x="838200" y="1825625"/>
+          <a:ext cx="10515600" cy="4351338"/>
+        </p:xfrm>
+        <a:graphic>
+          <a:graphicData uri="http://schemas.openxmlformats.org/drawingml/2006/chart">
+            <c:chart xmlns:c="http://schemas.openxmlformats.org/drawingml/2006/chart" xmlns:r="http://schemas.openxmlformats.org/officeDocument/2006/relationships" r:id="rId2"/>
+          </a:graphicData>
+        </a:graphic>
+      </p:graphicFrame>
+    </p:spTree>
+    <p:extLst>
+      <p:ext uri="{BB962C8B-B14F-4D97-AF65-F5344CB8AC3E}">
+        <p14:creationId xmlns:p14="http://schemas.microsoft.com/office/powerpoint/2010/main" val="554027578"/>
+      </p:ext>
+    </p:extLst>
+  </p:cSld>
+  <p:clrMapOvr>
+    <a:masterClrMapping/>
+  </p:clrMapOvr>
+</p:sld>
+</file>
+
+<file path=ppt/slides/slide89.xml><?xml version="1.0" encoding="utf-8"?>
+<p:sld xmlns:a="http://schemas.openxmlformats.org/drawingml/2006/main" xmlns:r="http://schemas.openxmlformats.org/officeDocument/2006/relationships" xmlns:p="http://schemas.openxmlformats.org/presentationml/2006/main">
+  <p:cSld>
+    <p:spTree>
+      <p:nvGrpSpPr>
+        <p:cNvPr id="1" name=""/>
+        <p:cNvGrpSpPr/>
+        <p:nvPr/>
+      </p:nvGrpSpPr>
+      <p:grpSpPr>
+        <a:xfrm>
+          <a:off x="0" y="0"/>
+          <a:ext cx="0" cy="0"/>
+          <a:chOff x="0" y="0"/>
+          <a:chExt cx="0" cy="0"/>
+        </a:xfrm>
+      </p:grpSpPr>
+      <p:sp>
+        <p:nvSpPr>
+          <p:cNvPr id="2" name="Заголовок 1"/>
+          <p:cNvSpPr>
+            <a:spLocks noGrp="1"/>
+          </p:cNvSpPr>
+          <p:nvPr>
+            <p:ph type="title"/>
+          </p:nvPr>
+        </p:nvSpPr>
+        <p:spPr>
+          <a:xfrm>
+            <a:off x="614264" y="1567544"/>
+            <a:ext cx="11123645" cy="3088432"/>
+          </a:xfrm>
+        </p:spPr>
+        <p:txBody>
+          <a:bodyPr>
+            <a:noAutofit/>
+          </a:bodyPr>
+          <a:lstStyle/>
+          <a:p>
+            <a:pPr algn="ctr"/>
+            <a:r>
+              <a:rPr lang="ru-RU" sz="8000" dirty="0">
+                <a:solidFill>
+                  <a:srgbClr val="FF4800"/>
+                </a:solidFill>
+              </a:rPr>
+              <a:t>Метод имитации отжига</a:t>
+            </a:r>
+          </a:p>
+        </p:txBody>
+      </p:sp>
+    </p:spTree>
+    <p:extLst>
+      <p:ext uri="{BB962C8B-B14F-4D97-AF65-F5344CB8AC3E}">
+        <p14:creationId xmlns:p14="http://schemas.microsoft.com/office/powerpoint/2010/main" val="2669629987"/>
+      </p:ext>
+    </p:extLst>
+  </p:cSld>
+  <p:clrMapOvr>
+    <a:masterClrMapping/>
+  </p:clrMapOvr>
+</p:sld>
+</file>
+
+<file path=ppt/slides/slide9.xml><?xml version="1.0" encoding="utf-8"?>
 <p:sld xmlns:a="http://schemas.openxmlformats.org/drawingml/2006/main" xmlns:r="http://schemas.openxmlformats.org/officeDocument/2006/relationships" xmlns:p="http://schemas.openxmlformats.org/presentationml/2006/main">
   <p:cSld>
     <p:spTree>
@@ -37486,1179 +38637,6 @@
 </p:sld>
 </file>
 
-<file path=ppt/slides/slide80.xml><?xml version="1.0" encoding="utf-8"?>
-<p:sld xmlns:a="http://schemas.openxmlformats.org/drawingml/2006/main" xmlns:r="http://schemas.openxmlformats.org/officeDocument/2006/relationships" xmlns:p="http://schemas.openxmlformats.org/presentationml/2006/main">
-  <p:cSld>
-    <p:spTree>
-      <p:nvGrpSpPr>
-        <p:cNvPr id="1" name=""/>
-        <p:cNvGrpSpPr/>
-        <p:nvPr/>
-      </p:nvGrpSpPr>
-      <p:grpSpPr>
-        <a:xfrm>
-          <a:off x="0" y="0"/>
-          <a:ext cx="0" cy="0"/>
-          <a:chOff x="0" y="0"/>
-          <a:chExt cx="0" cy="0"/>
-        </a:xfrm>
-      </p:grpSpPr>
-      <p:pic>
-        <p:nvPicPr>
-          <p:cNvPr id="7" name="Объект 6"/>
-          <p:cNvPicPr>
-            <a:picLocks noGrp="1" noChangeAspect="1"/>
-          </p:cNvPicPr>
-          <p:nvPr>
-            <p:ph idx="1"/>
-          </p:nvPr>
-        </p:nvPicPr>
-        <p:blipFill>
-          <a:blip r:embed="rId2"/>
-          <a:stretch>
-            <a:fillRect/>
-          </a:stretch>
-        </p:blipFill>
-        <p:spPr>
-          <a:xfrm>
-            <a:off x="2111877" y="1088507"/>
-            <a:ext cx="8192183" cy="4351338"/>
-          </a:xfrm>
-          <a:prstGeom prst="rect">
-            <a:avLst/>
-          </a:prstGeom>
-        </p:spPr>
-      </p:pic>
-    </p:spTree>
-    <p:extLst>
-      <p:ext uri="{BB962C8B-B14F-4D97-AF65-F5344CB8AC3E}">
-        <p14:creationId xmlns:p14="http://schemas.microsoft.com/office/powerpoint/2010/main" val="3869120795"/>
-      </p:ext>
-    </p:extLst>
-  </p:cSld>
-  <p:clrMapOvr>
-    <a:masterClrMapping/>
-  </p:clrMapOvr>
-</p:sld>
-</file>
-
-<file path=ppt/slides/slide81.xml><?xml version="1.0" encoding="utf-8"?>
-<p:sld xmlns:a="http://schemas.openxmlformats.org/drawingml/2006/main" xmlns:r="http://schemas.openxmlformats.org/officeDocument/2006/relationships" xmlns:p="http://schemas.openxmlformats.org/presentationml/2006/main">
-  <p:cSld>
-    <p:spTree>
-      <p:nvGrpSpPr>
-        <p:cNvPr id="1" name=""/>
-        <p:cNvGrpSpPr/>
-        <p:nvPr/>
-      </p:nvGrpSpPr>
-      <p:grpSpPr>
-        <a:xfrm>
-          <a:off x="0" y="0"/>
-          <a:ext cx="0" cy="0"/>
-          <a:chOff x="0" y="0"/>
-          <a:chExt cx="0" cy="0"/>
-        </a:xfrm>
-      </p:grpSpPr>
-      <p:sp>
-        <p:nvSpPr>
-          <p:cNvPr id="2" name="Заголовок 1"/>
-          <p:cNvSpPr>
-            <a:spLocks noGrp="1"/>
-          </p:cNvSpPr>
-          <p:nvPr>
-            <p:ph type="title"/>
-          </p:nvPr>
-        </p:nvSpPr>
-        <p:spPr/>
-        <p:txBody>
-          <a:bodyPr>
-            <a:normAutofit/>
-          </a:bodyPr>
-          <a:lstStyle/>
-          <a:p>
-            <a:r>
-              <a:rPr lang="ru-RU" sz="8000" dirty="0">
-                <a:solidFill>
-                  <a:srgbClr val="854A44"/>
-                </a:solidFill>
-              </a:rPr>
-              <a:t>2-</a:t>
-            </a:r>
-            <a:r>
-              <a:rPr lang="en-US" sz="8000" dirty="0">
-                <a:solidFill>
-                  <a:srgbClr val="854A44"/>
-                </a:solidFill>
-              </a:rPr>
-              <a:t>opt</a:t>
-            </a:r>
-            <a:endParaRPr lang="ru-RU" sz="8000" dirty="0">
-              <a:solidFill>
-                <a:srgbClr val="854A44"/>
-              </a:solidFill>
-            </a:endParaRPr>
-          </a:p>
-        </p:txBody>
-      </p:sp>
-      <p:sp>
-        <p:nvSpPr>
-          <p:cNvPr id="3" name="Объект 2"/>
-          <p:cNvSpPr>
-            <a:spLocks noGrp="1"/>
-          </p:cNvSpPr>
-          <p:nvPr>
-            <p:ph idx="1"/>
-          </p:nvPr>
-        </p:nvSpPr>
-        <p:spPr>
-          <a:xfrm>
-            <a:off x="838200" y="2677887"/>
-            <a:ext cx="10515600" cy="1978090"/>
-          </a:xfrm>
-        </p:spPr>
-        <p:txBody>
-          <a:bodyPr>
-            <a:normAutofit/>
-          </a:bodyPr>
-          <a:lstStyle/>
-          <a:p>
-            <a:pPr marL="0" indent="0">
-              <a:buNone/>
-            </a:pPr>
-            <a:r>
-              <a:rPr lang="ru-RU" sz="5400" dirty="0">
-                <a:solidFill>
-                  <a:srgbClr val="213233"/>
-                </a:solidFill>
-              </a:rPr>
-              <a:t>Выберем два индекса </a:t>
-            </a:r>
-            <a:r>
-              <a:rPr lang="en-US" sz="5400" dirty="0" err="1">
-                <a:solidFill>
-                  <a:srgbClr val="FF4800"/>
-                </a:solidFill>
-              </a:rPr>
-              <a:t>i</a:t>
-            </a:r>
-            <a:r>
-              <a:rPr lang="ru-RU" sz="5400" dirty="0">
-                <a:solidFill>
-                  <a:srgbClr val="213233"/>
-                </a:solidFill>
-              </a:rPr>
-              <a:t>, </a:t>
-            </a:r>
-            <a:r>
-              <a:rPr lang="en-US" sz="5400" dirty="0">
-                <a:solidFill>
-                  <a:srgbClr val="FF4800"/>
-                </a:solidFill>
-              </a:rPr>
-              <a:t>j</a:t>
-            </a:r>
-            <a:r>
-              <a:rPr lang="ru-RU" sz="5400" dirty="0">
-                <a:solidFill>
-                  <a:srgbClr val="213233"/>
-                </a:solidFill>
-              </a:rPr>
-              <a:t> и перевернем </a:t>
-            </a:r>
-            <a:r>
-              <a:rPr lang="ru-RU" sz="5400" dirty="0" err="1">
-                <a:solidFill>
-                  <a:srgbClr val="213233"/>
-                </a:solidFill>
-              </a:rPr>
-              <a:t>подмасив</a:t>
-            </a:r>
-            <a:r>
-              <a:rPr lang="ru-RU" sz="5400" dirty="0">
-                <a:solidFill>
-                  <a:srgbClr val="213233"/>
-                </a:solidFill>
-              </a:rPr>
-              <a:t> </a:t>
-            </a:r>
-            <a:r>
-              <a:rPr lang="en-US" sz="5400" dirty="0">
-                <a:solidFill>
-                  <a:srgbClr val="FF4800"/>
-                </a:solidFill>
-              </a:rPr>
-              <a:t>x</a:t>
-            </a:r>
-            <a:r>
-              <a:rPr lang="en-US" sz="5400" baseline="-25000" dirty="0">
-                <a:solidFill>
-                  <a:srgbClr val="FF4800"/>
-                </a:solidFill>
-              </a:rPr>
-              <a:t>i</a:t>
-            </a:r>
-            <a:r>
-              <a:rPr lang="en-US" sz="5400" dirty="0">
-                <a:solidFill>
-                  <a:srgbClr val="FF4800"/>
-                </a:solidFill>
-              </a:rPr>
-              <a:t>, x</a:t>
-            </a:r>
-            <a:r>
-              <a:rPr lang="en-US" sz="5400" baseline="-25000" dirty="0">
-                <a:solidFill>
-                  <a:srgbClr val="FF4800"/>
-                </a:solidFill>
-              </a:rPr>
-              <a:t>i+1</a:t>
-            </a:r>
-            <a:r>
-              <a:rPr lang="en-US" sz="5400" dirty="0">
-                <a:solidFill>
-                  <a:srgbClr val="FF4800"/>
-                </a:solidFill>
-              </a:rPr>
-              <a:t>, …., x</a:t>
-            </a:r>
-            <a:r>
-              <a:rPr lang="en-US" sz="5400" baseline="-25000" dirty="0">
-                <a:solidFill>
-                  <a:srgbClr val="FF4800"/>
-                </a:solidFill>
-              </a:rPr>
-              <a:t>j</a:t>
-            </a:r>
-            <a:endParaRPr lang="ru-RU" sz="5400" baseline="-25000" dirty="0">
-              <a:solidFill>
-                <a:srgbClr val="FF4800"/>
-              </a:solidFill>
-            </a:endParaRPr>
-          </a:p>
-        </p:txBody>
-      </p:sp>
-    </p:spTree>
-    <p:extLst>
-      <p:ext uri="{BB962C8B-B14F-4D97-AF65-F5344CB8AC3E}">
-        <p14:creationId xmlns:p14="http://schemas.microsoft.com/office/powerpoint/2010/main" val="2400798322"/>
-      </p:ext>
-    </p:extLst>
-  </p:cSld>
-  <p:clrMapOvr>
-    <a:masterClrMapping/>
-  </p:clrMapOvr>
-</p:sld>
-</file>
-
-<file path=ppt/slides/slide82.xml><?xml version="1.0" encoding="utf-8"?>
-<p:sld xmlns:a="http://schemas.openxmlformats.org/drawingml/2006/main" xmlns:r="http://schemas.openxmlformats.org/officeDocument/2006/relationships" xmlns:p="http://schemas.openxmlformats.org/presentationml/2006/main">
-  <p:cSld>
-    <p:spTree>
-      <p:nvGrpSpPr>
-        <p:cNvPr id="1" name=""/>
-        <p:cNvGrpSpPr/>
-        <p:nvPr/>
-      </p:nvGrpSpPr>
-      <p:grpSpPr>
-        <a:xfrm>
-          <a:off x="0" y="0"/>
-          <a:ext cx="0" cy="0"/>
-          <a:chOff x="0" y="0"/>
-          <a:chExt cx="0" cy="0"/>
-        </a:xfrm>
-      </p:grpSpPr>
-      <p:pic>
-        <p:nvPicPr>
-          <p:cNvPr id="4" name="Рисунок 3"/>
-          <p:cNvPicPr>
-            <a:picLocks noChangeAspect="1"/>
-          </p:cNvPicPr>
-          <p:nvPr/>
-        </p:nvPicPr>
-        <p:blipFill>
-          <a:blip r:embed="rId2"/>
-          <a:stretch>
-            <a:fillRect/>
-          </a:stretch>
-        </p:blipFill>
-        <p:spPr>
-          <a:xfrm>
-            <a:off x="442912" y="385762"/>
-            <a:ext cx="11306175" cy="6086475"/>
-          </a:xfrm>
-          <a:prstGeom prst="rect">
-            <a:avLst/>
-          </a:prstGeom>
-        </p:spPr>
-      </p:pic>
-    </p:spTree>
-    <p:extLst>
-      <p:ext uri="{BB962C8B-B14F-4D97-AF65-F5344CB8AC3E}">
-        <p14:creationId xmlns:p14="http://schemas.microsoft.com/office/powerpoint/2010/main" val="3876440033"/>
-      </p:ext>
-    </p:extLst>
-  </p:cSld>
-  <p:clrMapOvr>
-    <a:masterClrMapping/>
-  </p:clrMapOvr>
-</p:sld>
-</file>
-
-<file path=ppt/slides/slide83.xml><?xml version="1.0" encoding="utf-8"?>
-<p:sld xmlns:a="http://schemas.openxmlformats.org/drawingml/2006/main" xmlns:r="http://schemas.openxmlformats.org/officeDocument/2006/relationships" xmlns:p="http://schemas.openxmlformats.org/presentationml/2006/main">
-  <p:cSld>
-    <p:spTree>
-      <p:nvGrpSpPr>
-        <p:cNvPr id="1" name=""/>
-        <p:cNvGrpSpPr/>
-        <p:nvPr/>
-      </p:nvGrpSpPr>
-      <p:grpSpPr>
-        <a:xfrm>
-          <a:off x="0" y="0"/>
-          <a:ext cx="0" cy="0"/>
-          <a:chOff x="0" y="0"/>
-          <a:chExt cx="0" cy="0"/>
-        </a:xfrm>
-      </p:grpSpPr>
-      <p:sp>
-        <p:nvSpPr>
-          <p:cNvPr id="2" name="Заголовок 1"/>
-          <p:cNvSpPr>
-            <a:spLocks noGrp="1"/>
-          </p:cNvSpPr>
-          <p:nvPr>
-            <p:ph type="title"/>
-          </p:nvPr>
-        </p:nvSpPr>
-        <p:spPr/>
-        <p:txBody>
-          <a:bodyPr>
-            <a:normAutofit/>
-          </a:bodyPr>
-          <a:lstStyle/>
-          <a:p>
-            <a:r>
-              <a:rPr lang="en-US" sz="8000" dirty="0">
-                <a:solidFill>
-                  <a:srgbClr val="854A44"/>
-                </a:solidFill>
-              </a:rPr>
-              <a:t>3</a:t>
-            </a:r>
-            <a:r>
-              <a:rPr lang="ru-RU" sz="8000" dirty="0">
-                <a:solidFill>
-                  <a:srgbClr val="854A44"/>
-                </a:solidFill>
-              </a:rPr>
-              <a:t>-</a:t>
-            </a:r>
-            <a:r>
-              <a:rPr lang="en-US" sz="8000" dirty="0">
-                <a:solidFill>
-                  <a:srgbClr val="854A44"/>
-                </a:solidFill>
-              </a:rPr>
-              <a:t>opt</a:t>
-            </a:r>
-            <a:endParaRPr lang="ru-RU" sz="8000" dirty="0">
-              <a:solidFill>
-                <a:srgbClr val="854A44"/>
-              </a:solidFill>
-            </a:endParaRPr>
-          </a:p>
-        </p:txBody>
-      </p:sp>
-      <p:sp>
-        <p:nvSpPr>
-          <p:cNvPr id="3" name="Объект 2"/>
-          <p:cNvSpPr>
-            <a:spLocks noGrp="1"/>
-          </p:cNvSpPr>
-          <p:nvPr>
-            <p:ph idx="1"/>
-          </p:nvPr>
-        </p:nvSpPr>
-        <p:spPr>
-          <a:xfrm>
-            <a:off x="838200" y="2677887"/>
-            <a:ext cx="10515600" cy="1978090"/>
-          </a:xfrm>
-        </p:spPr>
-        <p:txBody>
-          <a:bodyPr>
-            <a:normAutofit/>
-          </a:bodyPr>
-          <a:lstStyle/>
-          <a:p>
-            <a:pPr marL="0" indent="0">
-              <a:buNone/>
-            </a:pPr>
-            <a:r>
-              <a:rPr lang="ru-RU" sz="5400" dirty="0">
-                <a:solidFill>
-                  <a:srgbClr val="213233"/>
-                </a:solidFill>
-              </a:rPr>
-              <a:t>Выберем два индекса </a:t>
-            </a:r>
-            <a:r>
-              <a:rPr lang="en-US" sz="5400" dirty="0" err="1">
-                <a:solidFill>
-                  <a:srgbClr val="FF4800"/>
-                </a:solidFill>
-              </a:rPr>
-              <a:t>i</a:t>
-            </a:r>
-            <a:r>
-              <a:rPr lang="ru-RU" sz="5400" dirty="0">
-                <a:solidFill>
-                  <a:srgbClr val="213233"/>
-                </a:solidFill>
-              </a:rPr>
-              <a:t>, </a:t>
-            </a:r>
-            <a:r>
-              <a:rPr lang="en-US" sz="5400" dirty="0">
-                <a:solidFill>
-                  <a:srgbClr val="FF4800"/>
-                </a:solidFill>
-              </a:rPr>
-              <a:t>j</a:t>
-            </a:r>
-            <a:r>
-              <a:rPr lang="ru-RU" sz="5400" dirty="0">
-                <a:solidFill>
-                  <a:srgbClr val="213233"/>
-                </a:solidFill>
-              </a:rPr>
-              <a:t> и вставим </a:t>
-            </a:r>
-            <a:r>
-              <a:rPr lang="en-US" sz="5400" dirty="0">
-                <a:solidFill>
-                  <a:srgbClr val="FF4800"/>
-                </a:solidFill>
-              </a:rPr>
-              <a:t>x</a:t>
-            </a:r>
-            <a:r>
-              <a:rPr lang="en-US" sz="5400" baseline="-25000" dirty="0">
-                <a:solidFill>
-                  <a:srgbClr val="FF4800"/>
-                </a:solidFill>
-              </a:rPr>
-              <a:t>j</a:t>
-            </a:r>
-            <a:r>
-              <a:rPr lang="ru-RU" sz="5400" baseline="-25000" dirty="0">
-                <a:solidFill>
-                  <a:srgbClr val="FF4800"/>
-                </a:solidFill>
-              </a:rPr>
-              <a:t> </a:t>
-            </a:r>
-            <a:r>
-              <a:rPr lang="ru-RU" sz="5400" dirty="0">
-                <a:solidFill>
-                  <a:srgbClr val="213233"/>
-                </a:solidFill>
-              </a:rPr>
-              <a:t>после </a:t>
-            </a:r>
-            <a:r>
-              <a:rPr lang="en-US" sz="5400" dirty="0">
-                <a:solidFill>
-                  <a:srgbClr val="FF4800"/>
-                </a:solidFill>
-              </a:rPr>
-              <a:t>x</a:t>
-            </a:r>
-            <a:r>
-              <a:rPr lang="en-US" sz="5400" baseline="-25000" dirty="0">
-                <a:solidFill>
-                  <a:srgbClr val="FF4800"/>
-                </a:solidFill>
-              </a:rPr>
-              <a:t>i </a:t>
-            </a:r>
-            <a:r>
-              <a:rPr lang="ru-RU" sz="5400" dirty="0">
-                <a:solidFill>
-                  <a:srgbClr val="213233"/>
-                </a:solidFill>
-              </a:rPr>
-              <a:t>так, что </a:t>
-            </a:r>
-            <a:r>
-              <a:rPr lang="en-US" sz="5400" dirty="0">
-                <a:solidFill>
-                  <a:srgbClr val="FF4800"/>
-                </a:solidFill>
-              </a:rPr>
-              <a:t>…x</a:t>
-            </a:r>
-            <a:r>
-              <a:rPr lang="en-US" sz="5400" baseline="-25000" dirty="0">
-                <a:solidFill>
-                  <a:srgbClr val="FF4800"/>
-                </a:solidFill>
-              </a:rPr>
-              <a:t>i</a:t>
-            </a:r>
-            <a:r>
-              <a:rPr lang="en-US" sz="5400" dirty="0">
-                <a:solidFill>
-                  <a:srgbClr val="FF4800"/>
-                </a:solidFill>
-              </a:rPr>
-              <a:t>, x</a:t>
-            </a:r>
-            <a:r>
-              <a:rPr lang="en-US" sz="5400" baseline="-25000" dirty="0">
-                <a:solidFill>
-                  <a:srgbClr val="FF4800"/>
-                </a:solidFill>
-              </a:rPr>
-              <a:t>j</a:t>
-            </a:r>
-            <a:r>
-              <a:rPr lang="en-US" sz="5400" dirty="0">
-                <a:solidFill>
-                  <a:srgbClr val="FF4800"/>
-                </a:solidFill>
-              </a:rPr>
-              <a:t>, x</a:t>
-            </a:r>
-            <a:r>
-              <a:rPr lang="en-US" sz="5400" baseline="-25000" dirty="0">
-                <a:solidFill>
-                  <a:srgbClr val="FF4800"/>
-                </a:solidFill>
-              </a:rPr>
-              <a:t>i+1</a:t>
-            </a:r>
-            <a:r>
-              <a:rPr lang="en-US" sz="5400" dirty="0">
-                <a:solidFill>
-                  <a:srgbClr val="FF4800"/>
-                </a:solidFill>
-              </a:rPr>
-              <a:t>…</a:t>
-            </a:r>
-            <a:endParaRPr lang="ru-RU" sz="5400" dirty="0">
-              <a:solidFill>
-                <a:srgbClr val="FF4800"/>
-              </a:solidFill>
-            </a:endParaRPr>
-          </a:p>
-        </p:txBody>
-      </p:sp>
-    </p:spTree>
-    <p:extLst>
-      <p:ext uri="{BB962C8B-B14F-4D97-AF65-F5344CB8AC3E}">
-        <p14:creationId xmlns:p14="http://schemas.microsoft.com/office/powerpoint/2010/main" val="383421330"/>
-      </p:ext>
-    </p:extLst>
-  </p:cSld>
-  <p:clrMapOvr>
-    <a:masterClrMapping/>
-  </p:clrMapOvr>
-</p:sld>
-</file>
-
-<file path=ppt/slides/slide84.xml><?xml version="1.0" encoding="utf-8"?>
-<p:sld xmlns:a="http://schemas.openxmlformats.org/drawingml/2006/main" xmlns:r="http://schemas.openxmlformats.org/officeDocument/2006/relationships" xmlns:p="http://schemas.openxmlformats.org/presentationml/2006/main">
-  <p:cSld>
-    <p:spTree>
-      <p:nvGrpSpPr>
-        <p:cNvPr id="1" name=""/>
-        <p:cNvGrpSpPr/>
-        <p:nvPr/>
-      </p:nvGrpSpPr>
-      <p:grpSpPr>
-        <a:xfrm>
-          <a:off x="0" y="0"/>
-          <a:ext cx="0" cy="0"/>
-          <a:chOff x="0" y="0"/>
-          <a:chExt cx="0" cy="0"/>
-        </a:xfrm>
-      </p:grpSpPr>
-      <p:pic>
-        <p:nvPicPr>
-          <p:cNvPr id="2" name="Рисунок 1"/>
-          <p:cNvPicPr>
-            <a:picLocks noChangeAspect="1"/>
-          </p:cNvPicPr>
-          <p:nvPr/>
-        </p:nvPicPr>
-        <p:blipFill>
-          <a:blip r:embed="rId2"/>
-          <a:stretch>
-            <a:fillRect/>
-          </a:stretch>
-        </p:blipFill>
-        <p:spPr>
-          <a:xfrm>
-            <a:off x="309562" y="1071562"/>
-            <a:ext cx="11572875" cy="4714875"/>
-          </a:xfrm>
-          <a:prstGeom prst="rect">
-            <a:avLst/>
-          </a:prstGeom>
-        </p:spPr>
-      </p:pic>
-    </p:spTree>
-    <p:extLst>
-      <p:ext uri="{BB962C8B-B14F-4D97-AF65-F5344CB8AC3E}">
-        <p14:creationId xmlns:p14="http://schemas.microsoft.com/office/powerpoint/2010/main" val="126625500"/>
-      </p:ext>
-    </p:extLst>
-  </p:cSld>
-  <p:clrMapOvr>
-    <a:masterClrMapping/>
-  </p:clrMapOvr>
-</p:sld>
-</file>
-
-<file path=ppt/slides/slide85.xml><?xml version="1.0" encoding="utf-8"?>
-<p:sld xmlns:a="http://schemas.openxmlformats.org/drawingml/2006/main" xmlns:r="http://schemas.openxmlformats.org/officeDocument/2006/relationships" xmlns:p="http://schemas.openxmlformats.org/presentationml/2006/main">
-  <p:cSld>
-    <p:spTree>
-      <p:nvGrpSpPr>
-        <p:cNvPr id="1" name=""/>
-        <p:cNvGrpSpPr/>
-        <p:nvPr/>
-      </p:nvGrpSpPr>
-      <p:grpSpPr>
-        <a:xfrm>
-          <a:off x="0" y="0"/>
-          <a:ext cx="0" cy="0"/>
-          <a:chOff x="0" y="0"/>
-          <a:chExt cx="0" cy="0"/>
-        </a:xfrm>
-      </p:grpSpPr>
-      <p:sp>
-        <p:nvSpPr>
-          <p:cNvPr id="2" name="Заголовок 1"/>
-          <p:cNvSpPr>
-            <a:spLocks noGrp="1"/>
-          </p:cNvSpPr>
-          <p:nvPr>
-            <p:ph type="title"/>
-          </p:nvPr>
-        </p:nvSpPr>
-        <p:spPr/>
-        <p:txBody>
-          <a:bodyPr>
-            <a:normAutofit/>
-          </a:bodyPr>
-          <a:lstStyle/>
-          <a:p>
-            <a:r>
-              <a:rPr lang="ru-RU" sz="8000" dirty="0">
-                <a:solidFill>
-                  <a:srgbClr val="854A44"/>
-                </a:solidFill>
-              </a:rPr>
-              <a:t>Градиентный спуск</a:t>
-            </a:r>
-          </a:p>
-        </p:txBody>
-      </p:sp>
-      <p:sp>
-        <p:nvSpPr>
-          <p:cNvPr id="3" name="Объект 2"/>
-          <p:cNvSpPr>
-            <a:spLocks noGrp="1"/>
-          </p:cNvSpPr>
-          <p:nvPr>
-            <p:ph idx="1"/>
-          </p:nvPr>
-        </p:nvSpPr>
-        <p:spPr>
-          <a:xfrm>
-            <a:off x="838200" y="3163078"/>
-            <a:ext cx="10515600" cy="1828799"/>
-          </a:xfrm>
-        </p:spPr>
-        <p:txBody>
-          <a:bodyPr>
-            <a:normAutofit/>
-          </a:bodyPr>
-          <a:lstStyle/>
-          <a:p>
-            <a:pPr marL="0" indent="0">
-              <a:buNone/>
-            </a:pPr>
-            <a:r>
-              <a:rPr lang="ru-RU" sz="4000" dirty="0">
-                <a:solidFill>
-                  <a:srgbClr val="213233"/>
-                </a:solidFill>
-              </a:rPr>
-              <a:t>В качестве начальной точки можно выбрать любой гамильтонов цикл.</a:t>
-            </a:r>
-          </a:p>
-        </p:txBody>
-      </p:sp>
-    </p:spTree>
-    <p:extLst>
-      <p:ext uri="{BB962C8B-B14F-4D97-AF65-F5344CB8AC3E}">
-        <p14:creationId xmlns:p14="http://schemas.microsoft.com/office/powerpoint/2010/main" val="2943246969"/>
-      </p:ext>
-    </p:extLst>
-  </p:cSld>
-  <p:clrMapOvr>
-    <a:masterClrMapping/>
-  </p:clrMapOvr>
-</p:sld>
-</file>
-
-<file path=ppt/slides/slide86.xml><?xml version="1.0" encoding="utf-8"?>
-<p:sld xmlns:a="http://schemas.openxmlformats.org/drawingml/2006/main" xmlns:r="http://schemas.openxmlformats.org/officeDocument/2006/relationships" xmlns:p="http://schemas.openxmlformats.org/presentationml/2006/main">
-  <p:cSld>
-    <p:spTree>
-      <p:nvGrpSpPr>
-        <p:cNvPr id="1" name=""/>
-        <p:cNvGrpSpPr/>
-        <p:nvPr/>
-      </p:nvGrpSpPr>
-      <p:grpSpPr>
-        <a:xfrm>
-          <a:off x="0" y="0"/>
-          <a:ext cx="0" cy="0"/>
-          <a:chOff x="0" y="0"/>
-          <a:chExt cx="0" cy="0"/>
-        </a:xfrm>
-      </p:grpSpPr>
-      <p:sp>
-        <p:nvSpPr>
-          <p:cNvPr id="2" name="Заголовок 1"/>
-          <p:cNvSpPr>
-            <a:spLocks noGrp="1"/>
-          </p:cNvSpPr>
-          <p:nvPr>
-            <p:ph type="title"/>
-          </p:nvPr>
-        </p:nvSpPr>
-        <p:spPr/>
-        <p:txBody>
-          <a:bodyPr>
-            <a:normAutofit/>
-          </a:bodyPr>
-          <a:lstStyle/>
-          <a:p>
-            <a:r>
-              <a:rPr lang="ru-RU" sz="8000" dirty="0">
-                <a:solidFill>
-                  <a:srgbClr val="854A44"/>
-                </a:solidFill>
-              </a:rPr>
-              <a:t>Градиентный спуск</a:t>
-            </a:r>
-            <a:endParaRPr lang="ru-RU" sz="8000" dirty="0"/>
-          </a:p>
-        </p:txBody>
-      </p:sp>
-      <p:graphicFrame>
-        <p:nvGraphicFramePr>
-          <p:cNvPr id="6" name="Объект 5"/>
-          <p:cNvGraphicFramePr>
-            <a:graphicFrameLocks noGrp="1"/>
-          </p:cNvGraphicFramePr>
-          <p:nvPr>
-            <p:ph idx="1"/>
-            <p:extLst>
-              <p:ext uri="{D42A27DB-BD31-4B8C-83A1-F6EECF244321}">
-                <p14:modId xmlns:p14="http://schemas.microsoft.com/office/powerpoint/2010/main" val="3170353712"/>
-              </p:ext>
-            </p:extLst>
-          </p:nvPr>
-        </p:nvGraphicFramePr>
-        <p:xfrm>
-          <a:off x="838200" y="1825625"/>
-          <a:ext cx="10515600" cy="4351338"/>
-        </p:xfrm>
-        <a:graphic>
-          <a:graphicData uri="http://schemas.openxmlformats.org/drawingml/2006/chart">
-            <c:chart xmlns:c="http://schemas.openxmlformats.org/drawingml/2006/chart" xmlns:r="http://schemas.openxmlformats.org/officeDocument/2006/relationships" r:id="rId2"/>
-          </a:graphicData>
-        </a:graphic>
-      </p:graphicFrame>
-    </p:spTree>
-    <p:extLst>
-      <p:ext uri="{BB962C8B-B14F-4D97-AF65-F5344CB8AC3E}">
-        <p14:creationId xmlns:p14="http://schemas.microsoft.com/office/powerpoint/2010/main" val="3576697760"/>
-      </p:ext>
-    </p:extLst>
-  </p:cSld>
-  <p:clrMapOvr>
-    <a:masterClrMapping/>
-  </p:clrMapOvr>
-</p:sld>
-</file>
-
-<file path=ppt/slides/slide87.xml><?xml version="1.0" encoding="utf-8"?>
-<p:sld xmlns:a="http://schemas.openxmlformats.org/drawingml/2006/main" xmlns:r="http://schemas.openxmlformats.org/officeDocument/2006/relationships" xmlns:p="http://schemas.openxmlformats.org/presentationml/2006/main">
-  <p:cSld>
-    <p:spTree>
-      <p:nvGrpSpPr>
-        <p:cNvPr id="1" name=""/>
-        <p:cNvGrpSpPr/>
-        <p:nvPr/>
-      </p:nvGrpSpPr>
-      <p:grpSpPr>
-        <a:xfrm>
-          <a:off x="0" y="0"/>
-          <a:ext cx="0" cy="0"/>
-          <a:chOff x="0" y="0"/>
-          <a:chExt cx="0" cy="0"/>
-        </a:xfrm>
-      </p:grpSpPr>
-      <p:sp>
-        <p:nvSpPr>
-          <p:cNvPr id="2" name="Заголовок 1"/>
-          <p:cNvSpPr>
-            <a:spLocks noGrp="1"/>
-          </p:cNvSpPr>
-          <p:nvPr>
-            <p:ph type="title"/>
-          </p:nvPr>
-        </p:nvSpPr>
-        <p:spPr/>
-        <p:txBody>
-          <a:bodyPr>
-            <a:normAutofit/>
-          </a:bodyPr>
-          <a:lstStyle/>
-          <a:p>
-            <a:r>
-              <a:rPr lang="ru-RU" sz="8000" dirty="0">
-                <a:solidFill>
-                  <a:srgbClr val="854A44"/>
-                </a:solidFill>
-              </a:rPr>
-              <a:t>Градиентный спуск</a:t>
-            </a:r>
-            <a:endParaRPr lang="ru-RU" sz="8000" dirty="0"/>
-          </a:p>
-        </p:txBody>
-      </p:sp>
-      <p:graphicFrame>
-        <p:nvGraphicFramePr>
-          <p:cNvPr id="6" name="Объект 5"/>
-          <p:cNvGraphicFramePr>
-            <a:graphicFrameLocks noGrp="1"/>
-          </p:cNvGraphicFramePr>
-          <p:nvPr>
-            <p:ph idx="1"/>
-            <p:extLst>
-              <p:ext uri="{D42A27DB-BD31-4B8C-83A1-F6EECF244321}">
-                <p14:modId xmlns:p14="http://schemas.microsoft.com/office/powerpoint/2010/main" val="2792456130"/>
-              </p:ext>
-            </p:extLst>
-          </p:nvPr>
-        </p:nvGraphicFramePr>
-        <p:xfrm>
-          <a:off x="838200" y="1825625"/>
-          <a:ext cx="10515600" cy="4351338"/>
-        </p:xfrm>
-        <a:graphic>
-          <a:graphicData uri="http://schemas.openxmlformats.org/drawingml/2006/chart">
-            <c:chart xmlns:c="http://schemas.openxmlformats.org/drawingml/2006/chart" xmlns:r="http://schemas.openxmlformats.org/officeDocument/2006/relationships" r:id="rId2"/>
-          </a:graphicData>
-        </a:graphic>
-      </p:graphicFrame>
-    </p:spTree>
-    <p:extLst>
-      <p:ext uri="{BB962C8B-B14F-4D97-AF65-F5344CB8AC3E}">
-        <p14:creationId xmlns:p14="http://schemas.microsoft.com/office/powerpoint/2010/main" val="554027578"/>
-      </p:ext>
-    </p:extLst>
-  </p:cSld>
-  <p:clrMapOvr>
-    <a:masterClrMapping/>
-  </p:clrMapOvr>
-</p:sld>
-</file>
-
-<file path=ppt/slides/slide88.xml><?xml version="1.0" encoding="utf-8"?>
-<p:sld xmlns:a="http://schemas.openxmlformats.org/drawingml/2006/main" xmlns:r="http://schemas.openxmlformats.org/officeDocument/2006/relationships" xmlns:p="http://schemas.openxmlformats.org/presentationml/2006/main">
-  <p:cSld>
-    <p:spTree>
-      <p:nvGrpSpPr>
-        <p:cNvPr id="1" name=""/>
-        <p:cNvGrpSpPr/>
-        <p:nvPr/>
-      </p:nvGrpSpPr>
-      <p:grpSpPr>
-        <a:xfrm>
-          <a:off x="0" y="0"/>
-          <a:ext cx="0" cy="0"/>
-          <a:chOff x="0" y="0"/>
-          <a:chExt cx="0" cy="0"/>
-        </a:xfrm>
-      </p:grpSpPr>
-      <p:sp>
-        <p:nvSpPr>
-          <p:cNvPr id="2" name="Заголовок 1"/>
-          <p:cNvSpPr>
-            <a:spLocks noGrp="1"/>
-          </p:cNvSpPr>
-          <p:nvPr>
-            <p:ph type="title"/>
-          </p:nvPr>
-        </p:nvSpPr>
-        <p:spPr>
-          <a:xfrm>
-            <a:off x="614264" y="1567544"/>
-            <a:ext cx="11123645" cy="3088432"/>
-          </a:xfrm>
-        </p:spPr>
-        <p:txBody>
-          <a:bodyPr>
-            <a:noAutofit/>
-          </a:bodyPr>
-          <a:lstStyle/>
-          <a:p>
-            <a:pPr algn="ctr"/>
-            <a:r>
-              <a:rPr lang="ru-RU" sz="8000" dirty="0">
-                <a:solidFill>
-                  <a:srgbClr val="FF4800"/>
-                </a:solidFill>
-              </a:rPr>
-              <a:t>Метод имитации отжига</a:t>
-            </a:r>
-          </a:p>
-        </p:txBody>
-      </p:sp>
-    </p:spTree>
-    <p:extLst>
-      <p:ext uri="{BB962C8B-B14F-4D97-AF65-F5344CB8AC3E}">
-        <p14:creationId xmlns:p14="http://schemas.microsoft.com/office/powerpoint/2010/main" val="2669629987"/>
-      </p:ext>
-    </p:extLst>
-  </p:cSld>
-  <p:clrMapOvr>
-    <a:masterClrMapping/>
-  </p:clrMapOvr>
-</p:sld>
-</file>
-
-<file path=ppt/slides/slide89.xml><?xml version="1.0" encoding="utf-8"?>
-<p:sld xmlns:a="http://schemas.openxmlformats.org/drawingml/2006/main" xmlns:r="http://schemas.openxmlformats.org/officeDocument/2006/relationships" xmlns:p="http://schemas.openxmlformats.org/presentationml/2006/main">
-  <p:cSld>
-    <p:spTree>
-      <p:nvGrpSpPr>
-        <p:cNvPr id="1" name=""/>
-        <p:cNvGrpSpPr/>
-        <p:nvPr/>
-      </p:nvGrpSpPr>
-      <p:grpSpPr>
-        <a:xfrm>
-          <a:off x="0" y="0"/>
-          <a:ext cx="0" cy="0"/>
-          <a:chOff x="0" y="0"/>
-          <a:chExt cx="0" cy="0"/>
-        </a:xfrm>
-      </p:grpSpPr>
-      <p:sp>
-        <p:nvSpPr>
-          <p:cNvPr id="2" name="Заголовок 1"/>
-          <p:cNvSpPr>
-            <a:spLocks noGrp="1"/>
-          </p:cNvSpPr>
-          <p:nvPr>
-            <p:ph type="title"/>
-          </p:nvPr>
-        </p:nvSpPr>
-        <p:spPr/>
-        <p:txBody>
-          <a:bodyPr>
-            <a:normAutofit/>
-          </a:bodyPr>
-          <a:lstStyle/>
-          <a:p>
-            <a:r>
-              <a:rPr lang="ru-RU" sz="8000" dirty="0">
-                <a:solidFill>
-                  <a:srgbClr val="854A44"/>
-                </a:solidFill>
-              </a:rPr>
-              <a:t>Имитация отжига</a:t>
-            </a:r>
-          </a:p>
-        </p:txBody>
-      </p:sp>
-      <p:sp>
-        <p:nvSpPr>
-          <p:cNvPr id="3" name="Объект 2"/>
-          <p:cNvSpPr>
-            <a:spLocks noGrp="1"/>
-          </p:cNvSpPr>
-          <p:nvPr>
-            <p:ph idx="1"/>
-          </p:nvPr>
-        </p:nvSpPr>
-        <p:spPr>
-          <a:xfrm>
-            <a:off x="838200" y="2584581"/>
-            <a:ext cx="10515600" cy="2640562"/>
-          </a:xfrm>
-        </p:spPr>
-        <p:txBody>
-          <a:bodyPr>
-            <a:normAutofit/>
-          </a:bodyPr>
-          <a:lstStyle/>
-          <a:p>
-            <a:pPr marL="0" indent="0">
-              <a:buNone/>
-            </a:pPr>
-            <a:r>
-              <a:rPr lang="ru-RU" sz="4000" dirty="0">
-                <a:solidFill>
-                  <a:srgbClr val="213233"/>
-                </a:solidFill>
-              </a:rPr>
-              <a:t>Рандомизированная версия градиентного спуска.</a:t>
-            </a:r>
-          </a:p>
-          <a:p>
-            <a:pPr marL="0" indent="0">
-              <a:buNone/>
-            </a:pPr>
-            <a:endParaRPr lang="ru-RU" sz="4000" dirty="0">
-              <a:solidFill>
-                <a:srgbClr val="213233"/>
-              </a:solidFill>
-            </a:endParaRPr>
-          </a:p>
-          <a:p>
-            <a:pPr marL="0" indent="0">
-              <a:buNone/>
-            </a:pPr>
-            <a:r>
-              <a:rPr lang="ru-RU" sz="4000" dirty="0">
-                <a:solidFill>
-                  <a:srgbClr val="213233"/>
-                </a:solidFill>
-              </a:rPr>
-              <a:t>Позволяет избегать локальных минимумов</a:t>
-            </a:r>
-          </a:p>
-        </p:txBody>
-      </p:sp>
-    </p:spTree>
-    <p:extLst>
-      <p:ext uri="{BB962C8B-B14F-4D97-AF65-F5344CB8AC3E}">
-        <p14:creationId xmlns:p14="http://schemas.microsoft.com/office/powerpoint/2010/main" val="2831931174"/>
-      </p:ext>
-    </p:extLst>
-  </p:cSld>
-  <p:clrMapOvr>
-    <a:masterClrMapping/>
-  </p:clrMapOvr>
-</p:sld>
-</file>
-
-<file path=ppt/slides/slide9.xml><?xml version="1.0" encoding="utf-8"?>
-<p:sld xmlns:a="http://schemas.openxmlformats.org/drawingml/2006/main" xmlns:r="http://schemas.openxmlformats.org/officeDocument/2006/relationships" xmlns:p="http://schemas.openxmlformats.org/presentationml/2006/main">
-  <p:cSld>
-    <p:spTree>
-      <p:nvGrpSpPr>
-        <p:cNvPr id="1" name=""/>
-        <p:cNvGrpSpPr/>
-        <p:nvPr/>
-      </p:nvGrpSpPr>
-      <p:grpSpPr>
-        <a:xfrm>
-          <a:off x="0" y="0"/>
-          <a:ext cx="0" cy="0"/>
-          <a:chOff x="0" y="0"/>
-          <a:chExt cx="0" cy="0"/>
-        </a:xfrm>
-      </p:grpSpPr>
-      <p:sp>
-        <p:nvSpPr>
-          <p:cNvPr id="2" name="Заголовок 1"/>
-          <p:cNvSpPr>
-            <a:spLocks noGrp="1"/>
-          </p:cNvSpPr>
-          <p:nvPr>
-            <p:ph type="title"/>
-          </p:nvPr>
-        </p:nvSpPr>
-        <p:spPr/>
-        <p:txBody>
-          <a:bodyPr>
-            <a:noAutofit/>
-          </a:bodyPr>
-          <a:lstStyle/>
-          <a:p>
-            <a:r>
-              <a:rPr lang="ru-RU" sz="8000" dirty="0">
-                <a:solidFill>
-                  <a:srgbClr val="854A44"/>
-                </a:solidFill>
-              </a:rPr>
-              <a:t>Динамика</a:t>
-            </a:r>
-          </a:p>
-        </p:txBody>
-      </p:sp>
-      <p:sp>
-        <p:nvSpPr>
-          <p:cNvPr id="3" name="Объект 2"/>
-          <p:cNvSpPr>
-            <a:spLocks noGrp="1"/>
-          </p:cNvSpPr>
-          <p:nvPr>
-            <p:ph idx="1"/>
-          </p:nvPr>
-        </p:nvSpPr>
-        <p:spPr>
-          <a:xfrm>
-            <a:off x="838200" y="2702703"/>
-            <a:ext cx="10515600" cy="2625077"/>
-          </a:xfrm>
-        </p:spPr>
-        <p:txBody>
-          <a:bodyPr>
-            <a:normAutofit/>
-          </a:bodyPr>
-          <a:lstStyle/>
-          <a:p>
-            <a:pPr marL="0" indent="0">
-              <a:buNone/>
-            </a:pPr>
-            <a:r>
-              <a:rPr lang="ru-RU" sz="5400" dirty="0">
-                <a:solidFill>
-                  <a:srgbClr val="213233"/>
-                </a:solidFill>
-              </a:rPr>
-              <a:t>Используем динамическое программирование по маскам.</a:t>
-            </a:r>
-          </a:p>
-        </p:txBody>
-      </p:sp>
-    </p:spTree>
-    <p:extLst>
-      <p:ext uri="{BB962C8B-B14F-4D97-AF65-F5344CB8AC3E}">
-        <p14:creationId xmlns:p14="http://schemas.microsoft.com/office/powerpoint/2010/main" val="1270272853"/>
-      </p:ext>
-    </p:extLst>
-  </p:cSld>
-  <p:clrMapOvr>
-    <a:masterClrMapping/>
-  </p:clrMapOvr>
-</p:sld>
-</file>
-
 <file path=ppt/slides/slide90.xml><?xml version="1.0" encoding="utf-8"?>
 <p:sld xmlns:a="http://schemas.openxmlformats.org/drawingml/2006/main" xmlns:r="http://schemas.openxmlformats.org/officeDocument/2006/relationships" xmlns:p="http://schemas.openxmlformats.org/presentationml/2006/main">
   <p:cSld>
@@ -38716,8 +38694,8 @@
         </p:nvSpPr>
         <p:spPr>
           <a:xfrm>
-            <a:off x="838200" y="2544082"/>
-            <a:ext cx="10515600" cy="2914326"/>
+            <a:off x="838200" y="2584581"/>
+            <a:ext cx="10515600" cy="2640562"/>
           </a:xfrm>
         </p:spPr>
         <p:txBody>
@@ -38726,118 +38704,47 @@
           </a:bodyPr>
           <a:lstStyle/>
           <a:p>
+            <a:pPr marL="0" indent="0">
+              <a:buNone/>
+            </a:pPr>
             <a:r>
               <a:rPr lang="ru-RU" sz="4000" dirty="0">
                 <a:solidFill>
-                  <a:srgbClr val="FF4800"/>
-                </a:solidFill>
-              </a:rPr>
-              <a:t> </a:t>
-            </a:r>
-            <a:r>
-              <a:rPr lang="ru-RU" sz="4000" dirty="0"/>
-              <a:t>Ф-</a:t>
-            </a:r>
-            <a:r>
-              <a:rPr lang="ru-RU" sz="4000" dirty="0" err="1"/>
-              <a:t>ция</a:t>
-            </a:r>
-            <a:r>
-              <a:rPr lang="ru-RU" sz="4000" dirty="0"/>
-              <a:t> энергии</a:t>
-            </a:r>
-            <a:r>
-              <a:rPr lang="en-US" sz="4000" dirty="0"/>
-              <a:t> </a:t>
-            </a:r>
-            <a:r>
-              <a:rPr lang="en-US" sz="4000" dirty="0">
-                <a:solidFill>
-                  <a:srgbClr val="FF4800"/>
-                </a:solidFill>
-              </a:rPr>
-              <a:t>E</a:t>
-            </a:r>
-            <a:r>
-              <a:rPr lang="ru-RU" sz="4000" dirty="0"/>
-              <a:t> (ее значение мы оптимизируем) </a:t>
+                  <a:srgbClr val="213233"/>
+                </a:solidFill>
+              </a:rPr>
+              <a:t>Рандомизированная версия градиентного спуска.</a:t>
             </a:r>
           </a:p>
           <a:p>
-            <a:r>
-              <a:rPr lang="ru-RU" sz="4000" dirty="0">
-                <a:solidFill>
-                  <a:srgbClr val="FF4800"/>
-                </a:solidFill>
-              </a:rPr>
-              <a:t> </a:t>
-            </a:r>
-            <a:r>
-              <a:rPr lang="ru-RU" sz="4000" dirty="0"/>
-              <a:t>Ф-</a:t>
-            </a:r>
-            <a:r>
-              <a:rPr lang="ru-RU" sz="4000" dirty="0" err="1"/>
-              <a:t>ция</a:t>
-            </a:r>
-            <a:r>
-              <a:rPr lang="ru-RU" sz="4000" dirty="0"/>
-              <a:t> температуры</a:t>
-            </a:r>
-            <a:r>
-              <a:rPr lang="en-US" sz="4000" dirty="0"/>
-              <a:t> </a:t>
-            </a:r>
-            <a:r>
-              <a:rPr lang="en-US" sz="4000" dirty="0">
-                <a:solidFill>
-                  <a:srgbClr val="FF4800"/>
-                </a:solidFill>
-              </a:rPr>
-              <a:t>T</a:t>
-            </a:r>
+            <a:pPr marL="0" indent="0">
+              <a:buNone/>
+            </a:pPr>
+            <a:endParaRPr lang="ru-RU" sz="4000" dirty="0">
+              <a:solidFill>
+                <a:srgbClr val="213233"/>
+              </a:solidFill>
+            </a:endParaRPr>
           </a:p>
           <a:p>
-            <a:r>
-              <a:rPr lang="en-US" sz="4000" dirty="0">
-                <a:solidFill>
-                  <a:srgbClr val="FF4800"/>
-                </a:solidFill>
-              </a:rPr>
-              <a:t> </a:t>
-            </a:r>
-            <a:r>
-              <a:rPr lang="ru-RU" sz="4000" dirty="0"/>
-              <a:t>Ф-</a:t>
-            </a:r>
-            <a:r>
-              <a:rPr lang="ru-RU" sz="4000" dirty="0" err="1"/>
-              <a:t>ция</a:t>
-            </a:r>
-            <a:r>
-              <a:rPr lang="ru-RU" sz="4000" dirty="0"/>
-              <a:t> порождающая новое состояние </a:t>
-            </a:r>
-            <a:r>
-              <a:rPr lang="en-US" sz="4000" dirty="0">
-                <a:solidFill>
-                  <a:srgbClr val="FF4800"/>
-                </a:solidFill>
-              </a:rPr>
-              <a:t>F</a:t>
-            </a:r>
-            <a:endParaRPr lang="ru-RU" sz="4000" dirty="0">
-              <a:solidFill>
-                <a:srgbClr val="FF4800"/>
-              </a:solidFill>
-            </a:endParaRPr>
+            <a:pPr marL="0" indent="0">
+              <a:buNone/>
+            </a:pPr>
+            <a:r>
+              <a:rPr lang="ru-RU" sz="4000" dirty="0">
+                <a:solidFill>
+                  <a:srgbClr val="213233"/>
+                </a:solidFill>
+              </a:rPr>
+              <a:t>Позволяет избегать локальных минимумов</a:t>
+            </a:r>
           </a:p>
         </p:txBody>
       </p:sp>
     </p:spTree>
     <p:extLst>
       <p:ext uri="{BB962C8B-B14F-4D97-AF65-F5344CB8AC3E}">
-        <p14:creationId xmlns:p14="http://schemas.microsoft.com/office/powerpoint/2010/main" val="701974923"/>
+        <p14:creationId xmlns:p14="http://schemas.microsoft.com/office/powerpoint/2010/main" val="2831931174"/>
       </p:ext>
     </p:extLst>
   </p:cSld>
@@ -38914,9 +38821,14 @@
           </a:bodyPr>
           <a:lstStyle/>
           <a:p>
-            <a:pPr marL="0" indent="0">
-              <a:buNone/>
-            </a:pPr>
+            <a:r>
+              <a:rPr lang="ru-RU" sz="4000" dirty="0">
+                <a:solidFill>
+                  <a:srgbClr val="FF4800"/>
+                </a:solidFill>
+              </a:rPr>
+              <a:t> </a:t>
+            </a:r>
             <a:r>
               <a:rPr lang="ru-RU" sz="4000" dirty="0"/>
               <a:t>Ф-</a:t>
@@ -38943,7 +38855,71 @@
             </a:r>
             <a:r>
               <a:rPr lang="ru-RU" sz="4000" dirty="0"/>
-              <a:t> зависит от области применения. В нашем случае – это длинна гамильтонова цикла.</a:t>
+              <a:t> (ее значение мы оптимизируем) </a:t>
+            </a:r>
+          </a:p>
+          <a:p>
+            <a:r>
+              <a:rPr lang="ru-RU" sz="4000" dirty="0">
+                <a:solidFill>
+                  <a:srgbClr val="FF4800"/>
+                </a:solidFill>
+              </a:rPr>
+              <a:t> </a:t>
+            </a:r>
+            <a:r>
+              <a:rPr lang="ru-RU" sz="4000" dirty="0"/>
+              <a:t>Ф-</a:t>
+            </a:r>
+            <a:r>
+              <a:rPr lang="ru-RU" sz="4000" dirty="0" err="1"/>
+              <a:t>ция</a:t>
+            </a:r>
+            <a:r>
+              <a:rPr lang="ru-RU" sz="4000" dirty="0"/>
+              <a:t> температуры</a:t>
+            </a:r>
+            <a:r>
+              <a:rPr lang="en-US" sz="4000" dirty="0"/>
+              <a:t> </a:t>
+            </a:r>
+            <a:r>
+              <a:rPr lang="en-US" sz="4000" dirty="0">
+                <a:solidFill>
+                  <a:srgbClr val="FF4800"/>
+                </a:solidFill>
+              </a:rPr>
+              <a:t>T</a:t>
+            </a:r>
+          </a:p>
+          <a:p>
+            <a:r>
+              <a:rPr lang="en-US" sz="4000" dirty="0">
+                <a:solidFill>
+                  <a:srgbClr val="FF4800"/>
+                </a:solidFill>
+              </a:rPr>
+              <a:t> </a:t>
+            </a:r>
+            <a:r>
+              <a:rPr lang="ru-RU" sz="4000" dirty="0"/>
+              <a:t>Ф-</a:t>
+            </a:r>
+            <a:r>
+              <a:rPr lang="ru-RU" sz="4000" dirty="0" err="1"/>
+              <a:t>ция</a:t>
+            </a:r>
+            <a:r>
+              <a:rPr lang="ru-RU" sz="4000" dirty="0"/>
+              <a:t> порождающая новое состояние </a:t>
+            </a:r>
+            <a:r>
+              <a:rPr lang="en-US" sz="4000" dirty="0">
+                <a:solidFill>
+                  <a:srgbClr val="FF4800"/>
+                </a:solidFill>
+              </a:rPr>
+              <a:t>F</a:t>
             </a:r>
             <a:endParaRPr lang="ru-RU" sz="4000" dirty="0">
               <a:solidFill>
@@ -38956,7 +38932,7 @@
     </p:spTree>
     <p:extLst>
       <p:ext uri="{BB962C8B-B14F-4D97-AF65-F5344CB8AC3E}">
-        <p14:creationId xmlns:p14="http://schemas.microsoft.com/office/powerpoint/2010/main" val="3878588520"/>
+        <p14:creationId xmlns:p14="http://schemas.microsoft.com/office/powerpoint/2010/main" val="701974923"/>
       </p:ext>
     </p:extLst>
   </p:cSld>
@@ -39023,8 +38999,8 @@
         </p:nvSpPr>
         <p:spPr>
           <a:xfrm>
-            <a:off x="838200" y="2254833"/>
-            <a:ext cx="10515600" cy="3642114"/>
+            <a:off x="838200" y="2544082"/>
+            <a:ext cx="10515600" cy="2914326"/>
           </a:xfrm>
         </p:spPr>
         <p:txBody>
@@ -39046,7 +39022,7 @@
             </a:r>
             <a:r>
               <a:rPr lang="ru-RU" sz="4000" dirty="0"/>
-              <a:t> температуры</a:t>
+              <a:t> энергии</a:t>
             </a:r>
             <a:r>
               <a:rPr lang="en-US" sz="4000" dirty="0"/>
@@ -39058,48 +39034,13 @@
                   <a:srgbClr val="FF4800"/>
                 </a:solidFill>
               </a:rPr>
-              <a:t>T</a:t>
-            </a:r>
-            <a:r>
-              <a:rPr lang="ru-RU" sz="4000" dirty="0">
-                <a:solidFill>
-                  <a:srgbClr val="FF4800"/>
-                </a:solidFill>
-              </a:rPr>
-              <a:t> </a:t>
-            </a:r>
-            <a:r>
-              <a:rPr lang="ru-RU" sz="4000" dirty="0">
-                <a:solidFill>
-                  <a:srgbClr val="213233"/>
-                </a:solidFill>
-              </a:rPr>
-              <a:t>– самая важная часть алгоритма, она определяет, как долго будет работать алгоритм.</a:t>
-            </a:r>
-          </a:p>
-          <a:p>
-            <a:pPr marL="0" indent="0">
-              <a:buNone/>
-            </a:pPr>
+              <a:t>E</a:t>
+            </a:r>
+            <a:r>
+              <a:rPr lang="ru-RU" sz="4000" dirty="0"/>
+              <a:t> зависит от области применения. В нашем случае – это длинна гамильтонова цикла.</a:t>
+            </a:r>
             <a:endParaRPr lang="ru-RU" sz="4000" dirty="0">
-              <a:solidFill>
-                <a:srgbClr val="213233"/>
-              </a:solidFill>
-            </a:endParaRPr>
-          </a:p>
-          <a:p>
-            <a:pPr marL="0" indent="0">
-              <a:buNone/>
-            </a:pPr>
-            <a:r>
-              <a:rPr lang="ru-RU" sz="4000" dirty="0">
-                <a:solidFill>
-                  <a:srgbClr val="213233"/>
-                </a:solidFill>
-              </a:rPr>
-              <a:t>Влияет на вероятность перехода в новое состояние.</a:t>
-            </a:r>
-            <a:endParaRPr lang="en-US" sz="4000" dirty="0">
               <a:solidFill>
                 <a:srgbClr val="FF4800"/>
               </a:solidFill>
@@ -39110,7 +39051,7 @@
     </p:spTree>
     <p:extLst>
       <p:ext uri="{BB962C8B-B14F-4D97-AF65-F5344CB8AC3E}">
-        <p14:creationId xmlns:p14="http://schemas.microsoft.com/office/powerpoint/2010/main" val="454938983"/>
+        <p14:creationId xmlns:p14="http://schemas.microsoft.com/office/powerpoint/2010/main" val="3878588520"/>
       </p:ext>
     </p:extLst>
   </p:cSld>
@@ -39177,8 +39118,8 @@
         </p:nvSpPr>
         <p:spPr>
           <a:xfrm>
-            <a:off x="838200" y="2544082"/>
-            <a:ext cx="10515600" cy="2914326"/>
+            <a:off x="838200" y="2254833"/>
+            <a:ext cx="10515600" cy="3642114"/>
           </a:xfrm>
         </p:spPr>
         <p:txBody>
@@ -39200,7 +39141,11 @@
             </a:r>
             <a:r>
               <a:rPr lang="ru-RU" sz="4000" dirty="0"/>
-              <a:t> порождающая новое состояние </a:t>
+              <a:t> температуры</a:t>
+            </a:r>
+            <a:r>
+              <a:rPr lang="en-US" sz="4000" dirty="0"/>
+              <a:t> </a:t>
             </a:r>
             <a:r>
               <a:rPr lang="en-US" sz="4000" dirty="0">
@@ -39208,7 +39153,7 @@
                   <a:srgbClr val="FF4800"/>
                 </a:solidFill>
               </a:rPr>
-              <a:t>F</a:t>
+              <a:t>T</a:t>
             </a:r>
             <a:r>
               <a:rPr lang="ru-RU" sz="4000" dirty="0">
@@ -39224,7 +39169,7 @@
                   <a:srgbClr val="213233"/>
                 </a:solidFill>
               </a:rPr>
-              <a:t>– то же самое, что и в случае с градиентным спуском.</a:t>
+              <a:t>– самая важная часть алгоритма, она определяет, как долго будет работать алгоритм.</a:t>
             </a:r>
           </a:p>
           <a:p>
@@ -39247,25 +39192,9 @@
                   <a:srgbClr val="213233"/>
                 </a:solidFill>
               </a:rPr>
-              <a:t>Будем использовать </a:t>
-            </a:r>
-            <a:r>
-              <a:rPr lang="ru-RU" sz="4000" dirty="0">
-                <a:solidFill>
-                  <a:srgbClr val="FF4800"/>
-                </a:solidFill>
-              </a:rPr>
-              <a:t>2-</a:t>
-            </a:r>
-            <a:r>
-              <a:rPr lang="en-US" sz="4000" dirty="0">
-                <a:solidFill>
-                  <a:srgbClr val="FF4800"/>
-                </a:solidFill>
-              </a:rPr>
-              <a:t>opt</a:t>
-            </a:r>
-            <a:endParaRPr lang="ru-RU" sz="4000" dirty="0">
+              <a:t>Влияет на вероятность перехода в новое состояние.</a:t>
+            </a:r>
+            <a:endParaRPr lang="en-US" sz="4000" dirty="0">
               <a:solidFill>
                 <a:srgbClr val="FF4800"/>
               </a:solidFill>
@@ -39276,7 +39205,7 @@
     </p:spTree>
     <p:extLst>
       <p:ext uri="{BB962C8B-B14F-4D97-AF65-F5344CB8AC3E}">
-        <p14:creationId xmlns:p14="http://schemas.microsoft.com/office/powerpoint/2010/main" val="1601731660"/>
+        <p14:creationId xmlns:p14="http://schemas.microsoft.com/office/powerpoint/2010/main" val="454938983"/>
       </p:ext>
     </p:extLst>
   </p:cSld>
@@ -39343,8 +39272,8 @@
         </p:nvSpPr>
         <p:spPr>
           <a:xfrm>
-            <a:off x="838200" y="3355845"/>
-            <a:ext cx="10515600" cy="1580049"/>
+            <a:off x="838200" y="2544082"/>
+            <a:ext cx="10515600" cy="2914326"/>
           </a:xfrm>
         </p:spPr>
         <p:txBody>
@@ -39357,20 +39286,71 @@
               <a:buNone/>
             </a:pPr>
             <a:r>
+              <a:rPr lang="ru-RU" sz="4000" dirty="0"/>
+              <a:t>Ф-</a:t>
+            </a:r>
+            <a:r>
+              <a:rPr lang="ru-RU" sz="4000" dirty="0" err="1"/>
+              <a:t>ция</a:t>
+            </a:r>
+            <a:r>
+              <a:rPr lang="ru-RU" sz="4000" dirty="0"/>
+              <a:t> порождающая новое состояние </a:t>
+            </a:r>
+            <a:r>
+              <a:rPr lang="en-US" sz="4000" dirty="0">
+                <a:solidFill>
+                  <a:srgbClr val="FF4800"/>
+                </a:solidFill>
+              </a:rPr>
+              <a:t>F</a:t>
+            </a:r>
+            <a:r>
               <a:rPr lang="ru-RU" sz="4000" dirty="0">
                 <a:solidFill>
+                  <a:srgbClr val="FF4800"/>
+                </a:solidFill>
+              </a:rPr>
+              <a:t> </a:t>
+            </a:r>
+            <a:r>
+              <a:rPr lang="ru-RU" sz="4000" dirty="0">
+                <a:solidFill>
                   <a:srgbClr val="213233"/>
                 </a:solidFill>
               </a:rPr>
-              <a:t>Вероятность перехода в состояние с большей энергией </a:t>
-            </a:r>
-            <a:r>
-              <a:rPr lang="en-US" sz="4000" dirty="0" err="1">
+              <a:t>– то же самое, что и в случае с градиентным спуском.</a:t>
+            </a:r>
+          </a:p>
+          <a:p>
+            <a:pPr marL="0" indent="0">
+              <a:buNone/>
+            </a:pPr>
+            <a:endParaRPr lang="ru-RU" sz="4000" dirty="0">
+              <a:solidFill>
+                <a:srgbClr val="213233"/>
+              </a:solidFill>
+            </a:endParaRPr>
+          </a:p>
+          <a:p>
+            <a:pPr marL="0" indent="0">
+              <a:buNone/>
+            </a:pPr>
+            <a:r>
+              <a:rPr lang="ru-RU" sz="4000" dirty="0">
+                <a:solidFill>
+                  <a:srgbClr val="213233"/>
+                </a:solidFill>
+              </a:rPr>
+              <a:t>Будем использовать </a:t>
+            </a:r>
+            <a:r>
+              <a:rPr lang="ru-RU" sz="4000" dirty="0">
                 <a:solidFill>
                   <a:srgbClr val="FF4800"/>
                 </a:solidFill>
               </a:rPr>
-              <a:t>exp</a:t>
+              <a:t>2-</a:t>
             </a:r>
             <a:r>
               <a:rPr lang="en-US" sz="4000" dirty="0">
@@ -39378,55 +39358,7 @@
                   <a:srgbClr val="FF4800"/>
                 </a:solidFill>
               </a:rPr>
-              <a:t>(-</a:t>
-            </a:r>
-            <a:r>
-              <a:rPr lang="el-GR" dirty="0">
-                <a:solidFill>
-                  <a:srgbClr val="FF4800"/>
-                </a:solidFill>
-              </a:rPr>
-              <a:t> </a:t>
-            </a:r>
-            <a:r>
-              <a:rPr lang="el-GR" sz="4000" dirty="0">
-                <a:solidFill>
-                  <a:srgbClr val="FF4800"/>
-                </a:solidFill>
-              </a:rPr>
-              <a:t>Δ</a:t>
-            </a:r>
-            <a:r>
-              <a:rPr lang="el-GR" dirty="0">
-                <a:solidFill>
-                  <a:srgbClr val="FF4800"/>
-                </a:solidFill>
-              </a:rPr>
-              <a:t> </a:t>
-            </a:r>
-            <a:r>
-              <a:rPr lang="en-US" sz="4000" dirty="0">
-                <a:solidFill>
-                  <a:srgbClr val="FF4800"/>
-                </a:solidFill>
-              </a:rPr>
-              <a:t>E / T</a:t>
-            </a:r>
-            <a:r>
-              <a:rPr lang="en-US" sz="4000" baseline="-25000" dirty="0">
-                <a:solidFill>
-                  <a:srgbClr val="FF4800"/>
-                </a:solidFill>
-              </a:rPr>
-              <a:t>i</a:t>
-            </a:r>
-            <a:r>
-              <a:rPr lang="en-US" sz="4000" dirty="0">
-                <a:solidFill>
-                  <a:srgbClr val="FF4800"/>
-                </a:solidFill>
-              </a:rPr>
-              <a:t>)</a:t>
+              <a:t>opt</a:t>
             </a:r>
             <a:endParaRPr lang="ru-RU" sz="4000" dirty="0">
               <a:solidFill>
@@ -39439,7 +39371,7 @@
     </p:spTree>
     <p:extLst>
       <p:ext uri="{BB962C8B-B14F-4D97-AF65-F5344CB8AC3E}">
-        <p14:creationId xmlns:p14="http://schemas.microsoft.com/office/powerpoint/2010/main" val="1776592541"/>
+        <p14:creationId xmlns:p14="http://schemas.microsoft.com/office/powerpoint/2010/main" val="1601731660"/>
       </p:ext>
     </p:extLst>
   </p:cSld>
@@ -39491,6 +39423,169 @@
               </a:rPr>
               <a:t>Имитация отжига</a:t>
             </a:r>
+          </a:p>
+        </p:txBody>
+      </p:sp>
+      <p:sp>
+        <p:nvSpPr>
+          <p:cNvPr id="3" name="Объект 2"/>
+          <p:cNvSpPr>
+            <a:spLocks noGrp="1"/>
+          </p:cNvSpPr>
+          <p:nvPr>
+            <p:ph idx="1"/>
+          </p:nvPr>
+        </p:nvSpPr>
+        <p:spPr>
+          <a:xfrm>
+            <a:off x="838200" y="3355845"/>
+            <a:ext cx="10515600" cy="1580049"/>
+          </a:xfrm>
+        </p:spPr>
+        <p:txBody>
+          <a:bodyPr>
+            <a:normAutofit/>
+          </a:bodyPr>
+          <a:lstStyle/>
+          <a:p>
+            <a:pPr marL="0" indent="0">
+              <a:buNone/>
+            </a:pPr>
+            <a:r>
+              <a:rPr lang="ru-RU" sz="4000" dirty="0">
+                <a:solidFill>
+                  <a:srgbClr val="213233"/>
+                </a:solidFill>
+              </a:rPr>
+              <a:t>Вероятность перехода в состояние с большей энергией </a:t>
+            </a:r>
+            <a:r>
+              <a:rPr lang="en-US" sz="4000" dirty="0" err="1">
+                <a:solidFill>
+                  <a:srgbClr val="FF4800"/>
+                </a:solidFill>
+              </a:rPr>
+              <a:t>exp</a:t>
+            </a:r>
+            <a:r>
+              <a:rPr lang="en-US" sz="4000" dirty="0">
+                <a:solidFill>
+                  <a:srgbClr val="FF4800"/>
+                </a:solidFill>
+              </a:rPr>
+              <a:t>(-</a:t>
+            </a:r>
+            <a:r>
+              <a:rPr lang="el-GR" dirty="0">
+                <a:solidFill>
+                  <a:srgbClr val="FF4800"/>
+                </a:solidFill>
+              </a:rPr>
+              <a:t> </a:t>
+            </a:r>
+            <a:r>
+              <a:rPr lang="el-GR" sz="4000" dirty="0">
+                <a:solidFill>
+                  <a:srgbClr val="FF4800"/>
+                </a:solidFill>
+              </a:rPr>
+              <a:t>Δ</a:t>
+            </a:r>
+            <a:r>
+              <a:rPr lang="el-GR" dirty="0">
+                <a:solidFill>
+                  <a:srgbClr val="FF4800"/>
+                </a:solidFill>
+              </a:rPr>
+              <a:t> </a:t>
+            </a:r>
+            <a:r>
+              <a:rPr lang="en-US" sz="4000" dirty="0">
+                <a:solidFill>
+                  <a:srgbClr val="FF4800"/>
+                </a:solidFill>
+              </a:rPr>
+              <a:t>E / T</a:t>
+            </a:r>
+            <a:r>
+              <a:rPr lang="en-US" sz="4000" baseline="-25000" dirty="0">
+                <a:solidFill>
+                  <a:srgbClr val="FF4800"/>
+                </a:solidFill>
+              </a:rPr>
+              <a:t>i</a:t>
+            </a:r>
+            <a:r>
+              <a:rPr lang="en-US" sz="4000" dirty="0">
+                <a:solidFill>
+                  <a:srgbClr val="FF4800"/>
+                </a:solidFill>
+              </a:rPr>
+              <a:t>)</a:t>
+            </a:r>
+            <a:endParaRPr lang="ru-RU" sz="4000" dirty="0">
+              <a:solidFill>
+                <a:srgbClr val="FF4800"/>
+              </a:solidFill>
+            </a:endParaRPr>
+          </a:p>
+        </p:txBody>
+      </p:sp>
+    </p:spTree>
+    <p:extLst>
+      <p:ext uri="{BB962C8B-B14F-4D97-AF65-F5344CB8AC3E}">
+        <p14:creationId xmlns:p14="http://schemas.microsoft.com/office/powerpoint/2010/main" val="1776592541"/>
+      </p:ext>
+    </p:extLst>
+  </p:cSld>
+  <p:clrMapOvr>
+    <a:masterClrMapping/>
+  </p:clrMapOvr>
+</p:sld>
+</file>
+
+<file path=ppt/slides/slide96.xml><?xml version="1.0" encoding="utf-8"?>
+<p:sld xmlns:a="http://schemas.openxmlformats.org/drawingml/2006/main" xmlns:r="http://schemas.openxmlformats.org/officeDocument/2006/relationships" xmlns:p="http://schemas.openxmlformats.org/presentationml/2006/main">
+  <p:cSld>
+    <p:spTree>
+      <p:nvGrpSpPr>
+        <p:cNvPr id="1" name=""/>
+        <p:cNvGrpSpPr/>
+        <p:nvPr/>
+      </p:nvGrpSpPr>
+      <p:grpSpPr>
+        <a:xfrm>
+          <a:off x="0" y="0"/>
+          <a:ext cx="0" cy="0"/>
+          <a:chOff x="0" y="0"/>
+          <a:chExt cx="0" cy="0"/>
+        </a:xfrm>
+      </p:grpSpPr>
+      <p:sp>
+        <p:nvSpPr>
+          <p:cNvPr id="2" name="Заголовок 1"/>
+          <p:cNvSpPr>
+            <a:spLocks noGrp="1"/>
+          </p:cNvSpPr>
+          <p:nvPr>
+            <p:ph type="title"/>
+          </p:nvPr>
+        </p:nvSpPr>
+        <p:spPr/>
+        <p:txBody>
+          <a:bodyPr>
+            <a:normAutofit/>
+          </a:bodyPr>
+          <a:lstStyle/>
+          <a:p>
+            <a:r>
+              <a:rPr lang="ru-RU" sz="8000" dirty="0">
+                <a:solidFill>
+                  <a:srgbClr val="854A44"/>
+                </a:solidFill>
+              </a:rPr>
+              <a:t>Имитация отжига</a:t>
+            </a:r>
             <a:endParaRPr lang="ru-RU" sz="8000" dirty="0"/>
           </a:p>
         </p:txBody>
@@ -39533,7 +39628,7 @@
 </p:sld>
 </file>
 
-<file path=ppt/slides/slide96.xml><?xml version="1.0" encoding="utf-8"?>
+<file path=ppt/slides/slide97.xml><?xml version="1.0" encoding="utf-8"?>
 <p:sld xmlns:a="http://schemas.openxmlformats.org/drawingml/2006/main" xmlns:r="http://schemas.openxmlformats.org/officeDocument/2006/relationships" xmlns:p="http://schemas.openxmlformats.org/presentationml/2006/main">
   <p:cSld>
     <p:spTree>
@@ -39597,7 +39692,7 @@
 </p:sld>
 </file>
 
-<file path=ppt/slides/slide97.xml><?xml version="1.0" encoding="utf-8"?>
+<file path=ppt/slides/slide98.xml><?xml version="1.0" encoding="utf-8"?>
 <p:sld xmlns:a="http://schemas.openxmlformats.org/drawingml/2006/main" xmlns:r="http://schemas.openxmlformats.org/officeDocument/2006/relationships" xmlns:p="http://schemas.openxmlformats.org/presentationml/2006/main">
   <p:cSld>
     <p:spTree>
@@ -39681,7 +39776,7 @@
 </p:sld>
 </file>
 
-<file path=ppt/slides/slide98.xml><?xml version="1.0" encoding="utf-8"?>
+<file path=ppt/slides/slide99.xml><?xml version="1.0" encoding="utf-8"?>
 <p:sld xmlns:a="http://schemas.openxmlformats.org/drawingml/2006/main" xmlns:r="http://schemas.openxmlformats.org/officeDocument/2006/relationships" xmlns:p="http://schemas.openxmlformats.org/presentationml/2006/main">
   <p:cSld>
     <p:spTree>

--- a/Presentation.pptx
+++ b/Presentation.pptx
@@ -39732,9 +39732,8 @@
                   <a:srgbClr val="854A44"/>
                 </a:solidFill>
               </a:rPr>
-              <a:t>Имитация отжига</a:t>
-            </a:r>
-            <a:endParaRPr lang="ru-RU" sz="8000" dirty="0"/>
+              <a:t>Лучшие алгоритмы</a:t>
+            </a:r>
           </a:p>
         </p:txBody>
       </p:sp>

--- a/Presentation.pptx
+++ b/Presentation.pptx
@@ -8924,67 +8924,7 @@
     </mc:Fallback>
   </mc:AlternateContent>
   <c:chart>
-    <c:title>
-      <c:tx>
-        <c:rich>
-          <a:bodyPr rot="0" spcFirstLastPara="1" vertOverflow="ellipsis" vert="horz" wrap="square" anchor="ctr" anchorCtr="1"/>
-          <a:lstStyle/>
-          <a:p>
-            <a:pPr>
-              <a:defRPr sz="1862" b="0" i="0" u="none" strike="noStrike" kern="1200" spc="0" baseline="0">
-                <a:solidFill>
-                  <a:schemeClr val="tx1">
-                    <a:lumMod val="65000"/>
-                    <a:lumOff val="35000"/>
-                  </a:schemeClr>
-                </a:solidFill>
-                <a:latin typeface="+mn-lt"/>
-                <a:ea typeface="+mn-ea"/>
-                <a:cs typeface="+mn-cs"/>
-              </a:defRPr>
-            </a:pPr>
-            <a:r>
-              <a:rPr lang="ru-RU" dirty="0"/>
-              <a:t>Сравнение</a:t>
-            </a:r>
-            <a:r>
-              <a:rPr lang="ru-RU" baseline="0" dirty="0"/>
-              <a:t> с градиентным спуском</a:t>
-            </a:r>
-            <a:endParaRPr lang="ru-RU" dirty="0"/>
-          </a:p>
-        </c:rich>
-      </c:tx>
-      <c:overlay val="0"/>
-      <c:spPr>
-        <a:noFill/>
-        <a:ln>
-          <a:noFill/>
-        </a:ln>
-        <a:effectLst/>
-      </c:spPr>
-      <c:txPr>
-        <a:bodyPr rot="0" spcFirstLastPara="1" vertOverflow="ellipsis" vert="horz" wrap="square" anchor="ctr" anchorCtr="1"/>
-        <a:lstStyle/>
-        <a:p>
-          <a:pPr>
-            <a:defRPr sz="1862" b="0" i="0" u="none" strike="noStrike" kern="1200" spc="0" baseline="0">
-              <a:solidFill>
-                <a:schemeClr val="tx1">
-                  <a:lumMod val="65000"/>
-                  <a:lumOff val="35000"/>
-                </a:schemeClr>
-              </a:solidFill>
-              <a:latin typeface="+mn-lt"/>
-              <a:ea typeface="+mn-ea"/>
-              <a:cs typeface="+mn-cs"/>
-            </a:defRPr>
-          </a:pPr>
-          <a:endParaRPr lang="ru-RU"/>
-        </a:p>
-      </c:txPr>
-    </c:title>
-    <c:autoTitleDeleted val="0"/>
+    <c:autoTitleDeleted val="1"/>
     <c:plotArea>
       <c:layout/>
       <c:lineChart>
@@ -39747,7 +39687,7 @@
             <p:ph idx="1"/>
             <p:extLst>
               <p:ext uri="{D42A27DB-BD31-4B8C-83A1-F6EECF244321}">
-                <p14:modId xmlns:p14="http://schemas.microsoft.com/office/powerpoint/2010/main" val="3213125942"/>
+                <p14:modId xmlns:p14="http://schemas.microsoft.com/office/powerpoint/2010/main" val="921525410"/>
               </p:ext>
             </p:extLst>
           </p:nvPr>
